--- a/otmm_decimal/result_colab/result_existing_1000_1.0_15_40_ColabPP/result_existing_1000_1.0_15_40_parsing.pptx
+++ b/otmm_decimal/result_colab/result_existing_1000_1.0_15_40_ColabPP/result_existing_1000_1.0_15_40_parsing.pptx
@@ -6,9 +6,10 @@
   </p:sldMasterIdLst>
   <p:sldIdLst>
     <p:sldId id="264" r:id="rId2"/>
-    <p:sldId id="261" r:id="rId3"/>
-    <p:sldId id="262" r:id="rId4"/>
-    <p:sldId id="263" r:id="rId5"/>
+    <p:sldId id="265" r:id="rId3"/>
+    <p:sldId id="261" r:id="rId4"/>
+    <p:sldId id="262" r:id="rId5"/>
+    <p:sldId id="263" r:id="rId6"/>
   </p:sldIdLst>
   <p:sldSz cx="12192000" cy="6858000"/>
   <p:notesSz cx="6858000" cy="9144000"/>
@@ -262,7 +263,7 @@
           <a:p>
             <a:fld id="{A1CCF42C-534B-4F17-84EB-3026585EF5A2}" type="datetimeFigureOut">
               <a:rPr kumimoji="1" lang="ja-JP" altLang="en-US" smtClean="0"/>
-              <a:t>2022/12/29</a:t>
+              <a:t>2023/1/3</a:t>
             </a:fld>
             <a:endParaRPr kumimoji="1" lang="ja-JP" altLang="en-US"/>
           </a:p>
@@ -492,7 +493,7 @@
           <a:p>
             <a:fld id="{A1CCF42C-534B-4F17-84EB-3026585EF5A2}" type="datetimeFigureOut">
               <a:rPr kumimoji="1" lang="ja-JP" altLang="en-US" smtClean="0"/>
-              <a:t>2022/12/29</a:t>
+              <a:t>2023/1/3</a:t>
             </a:fld>
             <a:endParaRPr kumimoji="1" lang="ja-JP" altLang="en-US"/>
           </a:p>
@@ -732,7 +733,7 @@
           <a:p>
             <a:fld id="{A1CCF42C-534B-4F17-84EB-3026585EF5A2}" type="datetimeFigureOut">
               <a:rPr kumimoji="1" lang="ja-JP" altLang="en-US" smtClean="0"/>
-              <a:t>2022/12/29</a:t>
+              <a:t>2023/1/3</a:t>
             </a:fld>
             <a:endParaRPr kumimoji="1" lang="ja-JP" altLang="en-US"/>
           </a:p>
@@ -962,7 +963,7 @@
           <a:p>
             <a:fld id="{A1CCF42C-534B-4F17-84EB-3026585EF5A2}" type="datetimeFigureOut">
               <a:rPr kumimoji="1" lang="ja-JP" altLang="en-US" smtClean="0"/>
-              <a:t>2022/12/29</a:t>
+              <a:t>2023/1/3</a:t>
             </a:fld>
             <a:endParaRPr kumimoji="1" lang="ja-JP" altLang="en-US"/>
           </a:p>
@@ -1237,7 +1238,7 @@
           <a:p>
             <a:fld id="{A1CCF42C-534B-4F17-84EB-3026585EF5A2}" type="datetimeFigureOut">
               <a:rPr kumimoji="1" lang="ja-JP" altLang="en-US" smtClean="0"/>
-              <a:t>2022/12/29</a:t>
+              <a:t>2023/1/3</a:t>
             </a:fld>
             <a:endParaRPr kumimoji="1" lang="ja-JP" altLang="en-US"/>
           </a:p>
@@ -1566,7 +1567,7 @@
           <a:p>
             <a:fld id="{A1CCF42C-534B-4F17-84EB-3026585EF5A2}" type="datetimeFigureOut">
               <a:rPr kumimoji="1" lang="ja-JP" altLang="en-US" smtClean="0"/>
-              <a:t>2022/12/29</a:t>
+              <a:t>2023/1/3</a:t>
             </a:fld>
             <a:endParaRPr kumimoji="1" lang="ja-JP" altLang="en-US"/>
           </a:p>
@@ -2042,7 +2043,7 @@
           <a:p>
             <a:fld id="{A1CCF42C-534B-4F17-84EB-3026585EF5A2}" type="datetimeFigureOut">
               <a:rPr kumimoji="1" lang="ja-JP" altLang="en-US" smtClean="0"/>
-              <a:t>2022/12/29</a:t>
+              <a:t>2023/1/3</a:t>
             </a:fld>
             <a:endParaRPr kumimoji="1" lang="ja-JP" altLang="en-US"/>
           </a:p>
@@ -2183,7 +2184,7 @@
           <a:p>
             <a:fld id="{A1CCF42C-534B-4F17-84EB-3026585EF5A2}" type="datetimeFigureOut">
               <a:rPr kumimoji="1" lang="ja-JP" altLang="en-US" smtClean="0"/>
-              <a:t>2022/12/29</a:t>
+              <a:t>2023/1/3</a:t>
             </a:fld>
             <a:endParaRPr kumimoji="1" lang="ja-JP" altLang="en-US"/>
           </a:p>
@@ -2296,7 +2297,7 @@
           <a:p>
             <a:fld id="{A1CCF42C-534B-4F17-84EB-3026585EF5A2}" type="datetimeFigureOut">
               <a:rPr kumimoji="1" lang="ja-JP" altLang="en-US" smtClean="0"/>
-              <a:t>2022/12/29</a:t>
+              <a:t>2023/1/3</a:t>
             </a:fld>
             <a:endParaRPr kumimoji="1" lang="ja-JP" altLang="en-US"/>
           </a:p>
@@ -2639,7 +2640,7 @@
           <a:p>
             <a:fld id="{A1CCF42C-534B-4F17-84EB-3026585EF5A2}" type="datetimeFigureOut">
               <a:rPr kumimoji="1" lang="ja-JP" altLang="en-US" smtClean="0"/>
-              <a:t>2022/12/29</a:t>
+              <a:t>2023/1/3</a:t>
             </a:fld>
             <a:endParaRPr kumimoji="1" lang="ja-JP" altLang="en-US"/>
           </a:p>
@@ -2927,7 +2928,7 @@
           <a:p>
             <a:fld id="{A1CCF42C-534B-4F17-84EB-3026585EF5A2}" type="datetimeFigureOut">
               <a:rPr kumimoji="1" lang="ja-JP" altLang="en-US" smtClean="0"/>
-              <a:t>2022/12/29</a:t>
+              <a:t>2023/1/3</a:t>
             </a:fld>
             <a:endParaRPr kumimoji="1" lang="ja-JP" altLang="en-US"/>
           </a:p>
@@ -3200,7 +3201,7 @@
           <a:p>
             <a:fld id="{A1CCF42C-534B-4F17-84EB-3026585EF5A2}" type="datetimeFigureOut">
               <a:rPr kumimoji="1" lang="ja-JP" altLang="en-US" smtClean="0"/>
-              <a:t>2022/12/29</a:t>
+              <a:t>2023/1/3</a:t>
             </a:fld>
             <a:endParaRPr kumimoji="1" lang="ja-JP" altLang="en-US"/>
           </a:p>
@@ -9272,12 +9273,350 @@
           <a:chExt cx="0" cy="0"/>
         </a:xfrm>
       </p:grpSpPr>
-      <p:sp>
-        <p:nvSpPr>
-          <p:cNvPr id="2" name="楕円 1">
-            <a:extLst>
-              <a:ext uri="{FF2B5EF4-FFF2-40B4-BE49-F238E27FC236}">
-                <a16:creationId xmlns:a16="http://schemas.microsoft.com/office/drawing/2014/main" id="{99E2A3C1-8E54-23CE-CFCA-6E9E50E0826B}"/>
+      <p:cxnSp>
+        <p:nvCxnSpPr>
+          <p:cNvPr id="62" name="直線矢印コネクタ 61">
+            <a:extLst>
+              <a:ext uri="{FF2B5EF4-FFF2-40B4-BE49-F238E27FC236}">
+                <a16:creationId xmlns:a16="http://schemas.microsoft.com/office/drawing/2014/main" id="{C7E082D0-FD1B-6F91-EB00-6A860372A8BA}"/>
+              </a:ext>
+            </a:extLst>
+          </p:cNvPr>
+          <p:cNvCxnSpPr>
+            <a:cxnSpLocks/>
+            <a:stCxn id="124" idx="5"/>
+            <a:endCxn id="125" idx="2"/>
+          </p:cNvCxnSpPr>
+          <p:nvPr/>
+        </p:nvCxnSpPr>
+        <p:spPr>
+          <a:xfrm>
+            <a:off x="3485687" y="5186177"/>
+            <a:ext cx="2977512" cy="881920"/>
+          </a:xfrm>
+          <a:prstGeom prst="straightConnector1">
+            <a:avLst/>
+          </a:prstGeom>
+          <a:ln w="12700">
+            <a:solidFill>
+              <a:schemeClr val="accent2"/>
+            </a:solidFill>
+            <a:prstDash val="sysDash"/>
+            <a:tailEnd type="triangle"/>
+          </a:ln>
+        </p:spPr>
+        <p:style>
+          <a:lnRef idx="1">
+            <a:schemeClr val="accent1"/>
+          </a:lnRef>
+          <a:fillRef idx="0">
+            <a:schemeClr val="accent1"/>
+          </a:fillRef>
+          <a:effectRef idx="0">
+            <a:schemeClr val="accent1"/>
+          </a:effectRef>
+          <a:fontRef idx="minor">
+            <a:schemeClr val="tx1"/>
+          </a:fontRef>
+        </p:style>
+      </p:cxnSp>
+      <p:sp>
+        <p:nvSpPr>
+          <p:cNvPr id="115" name="テキスト ボックス 114">
+            <a:extLst>
+              <a:ext uri="{FF2B5EF4-FFF2-40B4-BE49-F238E27FC236}">
+                <a16:creationId xmlns:a16="http://schemas.microsoft.com/office/drawing/2014/main" id="{0FB3F1A7-8EBD-6435-74BB-6AFD698F9531}"/>
+              </a:ext>
+            </a:extLst>
+          </p:cNvPr>
+          <p:cNvSpPr txBox="1"/>
+          <p:nvPr/>
+        </p:nvSpPr>
+        <p:spPr>
+          <a:xfrm>
+            <a:off x="3014703" y="3543363"/>
+            <a:ext cx="1148080" cy="646331"/>
+          </a:xfrm>
+          <a:prstGeom prst="rect">
+            <a:avLst/>
+          </a:prstGeom>
+          <a:noFill/>
+        </p:spPr>
+        <p:txBody>
+          <a:bodyPr wrap="square" rtlCol="0">
+            <a:spAutoFit/>
+          </a:bodyPr>
+          <a:lstStyle/>
+          <a:p>
+            <a:r>
+              <a:rPr lang="en-US" altLang="ja-JP" sz="1200" dirty="0" err="1"/>
+              <a:t>Man</a:t>
+            </a:r>
+            <a:r>
+              <a:rPr kumimoji="1" lang="en-US" altLang="ja-JP" sz="1200" dirty="0" err="1"/>
+              <a:t>NAc</a:t>
+            </a:r>
+            <a:r>
+              <a:rPr kumimoji="1" lang="en-US" altLang="ja-JP" sz="1200" dirty="0"/>
+              <a:t> 0.44</a:t>
+            </a:r>
+          </a:p>
+          <a:p>
+            <a:r>
+              <a:rPr kumimoji="1" lang="en-US" altLang="ja-JP" sz="1200" dirty="0" err="1"/>
+              <a:t>GlcNAc</a:t>
+            </a:r>
+            <a:r>
+              <a:rPr kumimoji="1" lang="en-US" altLang="ja-JP" sz="1200" dirty="0"/>
+              <a:t> 0.18</a:t>
+            </a:r>
+          </a:p>
+          <a:p>
+            <a:r>
+              <a:rPr lang="en-US" altLang="ja-JP" sz="1200" dirty="0"/>
+              <a:t>Man</a:t>
+            </a:r>
+            <a:r>
+              <a:rPr kumimoji="1" lang="en-US" altLang="ja-JP" sz="1200" dirty="0"/>
+              <a:t> 0.16</a:t>
+            </a:r>
+          </a:p>
+        </p:txBody>
+      </p:sp>
+      <p:sp>
+        <p:nvSpPr>
+          <p:cNvPr id="143" name="テキスト ボックス 142">
+            <a:extLst>
+              <a:ext uri="{FF2B5EF4-FFF2-40B4-BE49-F238E27FC236}">
+                <a16:creationId xmlns:a16="http://schemas.microsoft.com/office/drawing/2014/main" id="{6685B834-3680-EE44-1F00-4F893FF49276}"/>
+              </a:ext>
+            </a:extLst>
+          </p:cNvPr>
+          <p:cNvSpPr txBox="1"/>
+          <p:nvPr/>
+        </p:nvSpPr>
+        <p:spPr>
+          <a:xfrm>
+            <a:off x="778649" y="4478150"/>
+            <a:ext cx="666306" cy="338554"/>
+          </a:xfrm>
+          <a:prstGeom prst="rect">
+            <a:avLst/>
+          </a:prstGeom>
+        </p:spPr>
+        <p:style>
+          <a:lnRef idx="2">
+            <a:schemeClr val="dk1"/>
+          </a:lnRef>
+          <a:fillRef idx="1">
+            <a:schemeClr val="lt1"/>
+          </a:fillRef>
+          <a:effectRef idx="0">
+            <a:schemeClr val="dk1"/>
+          </a:effectRef>
+          <a:fontRef idx="minor">
+            <a:schemeClr val="dk1"/>
+          </a:fontRef>
+        </p:style>
+        <p:txBody>
+          <a:bodyPr wrap="square" rtlCol="0">
+            <a:spAutoFit/>
+          </a:bodyPr>
+          <a:lstStyle/>
+          <a:p>
+            <a:r>
+              <a:rPr lang="en-US" altLang="ja-JP" sz="1600" dirty="0"/>
+              <a:t>Start</a:t>
+            </a:r>
+            <a:endParaRPr kumimoji="1" lang="ja-JP" altLang="en-US" sz="1600" dirty="0"/>
+          </a:p>
+        </p:txBody>
+      </p:sp>
+      <p:cxnSp>
+        <p:nvCxnSpPr>
+          <p:cNvPr id="145" name="直線矢印コネクタ 144">
+            <a:extLst>
+              <a:ext uri="{FF2B5EF4-FFF2-40B4-BE49-F238E27FC236}">
+                <a16:creationId xmlns:a16="http://schemas.microsoft.com/office/drawing/2014/main" id="{A3C25552-405F-2DD2-5113-4AC6AA055EE9}"/>
+              </a:ext>
+            </a:extLst>
+          </p:cNvPr>
+          <p:cNvCxnSpPr>
+            <a:cxnSpLocks/>
+            <a:stCxn id="143" idx="0"/>
+            <a:endCxn id="127" idx="3"/>
+          </p:cNvCxnSpPr>
+          <p:nvPr/>
+        </p:nvCxnSpPr>
+        <p:spPr>
+          <a:xfrm flipV="1">
+            <a:off x="1111802" y="3443387"/>
+            <a:ext cx="950638" cy="1034763"/>
+          </a:xfrm>
+          <a:prstGeom prst="straightConnector1">
+            <a:avLst/>
+          </a:prstGeom>
+          <a:ln>
+            <a:solidFill>
+              <a:schemeClr val="tx1"/>
+            </a:solidFill>
+            <a:tailEnd type="triangle"/>
+          </a:ln>
+        </p:spPr>
+        <p:style>
+          <a:lnRef idx="1">
+            <a:schemeClr val="accent1"/>
+          </a:lnRef>
+          <a:fillRef idx="0">
+            <a:schemeClr val="accent1"/>
+          </a:fillRef>
+          <a:effectRef idx="0">
+            <a:schemeClr val="accent1"/>
+          </a:effectRef>
+          <a:fontRef idx="minor">
+            <a:schemeClr val="tx1"/>
+          </a:fontRef>
+        </p:style>
+      </p:cxnSp>
+      <p:sp>
+        <p:nvSpPr>
+          <p:cNvPr id="148" name="テキスト ボックス 147">
+            <a:extLst>
+              <a:ext uri="{FF2B5EF4-FFF2-40B4-BE49-F238E27FC236}">
+                <a16:creationId xmlns:a16="http://schemas.microsoft.com/office/drawing/2014/main" id="{3D957B80-979B-3AFD-F6EC-56906C9DD086}"/>
+              </a:ext>
+            </a:extLst>
+          </p:cNvPr>
+          <p:cNvSpPr txBox="1"/>
+          <p:nvPr/>
+        </p:nvSpPr>
+        <p:spPr>
+          <a:xfrm>
+            <a:off x="1065982" y="3666843"/>
+            <a:ext cx="603775" cy="338554"/>
+          </a:xfrm>
+          <a:prstGeom prst="rect">
+            <a:avLst/>
+          </a:prstGeom>
+          <a:noFill/>
+        </p:spPr>
+        <p:txBody>
+          <a:bodyPr wrap="square" rtlCol="0">
+            <a:spAutoFit/>
+          </a:bodyPr>
+          <a:lstStyle/>
+          <a:p>
+            <a:pPr algn="ctr"/>
+            <a:r>
+              <a:rPr lang="en-US" altLang="ja-JP" sz="1600" dirty="0"/>
+              <a:t>0.89</a:t>
+            </a:r>
+            <a:endParaRPr kumimoji="1" lang="ja-JP" altLang="en-US" sz="1600" dirty="0"/>
+          </a:p>
+        </p:txBody>
+      </p:sp>
+      <p:sp>
+        <p:nvSpPr>
+          <p:cNvPr id="81" name="テキスト ボックス 80">
+            <a:extLst>
+              <a:ext uri="{FF2B5EF4-FFF2-40B4-BE49-F238E27FC236}">
+                <a16:creationId xmlns:a16="http://schemas.microsoft.com/office/drawing/2014/main" id="{A431AC9F-F1C3-4002-953A-BC0A834C2F7A}"/>
+              </a:ext>
+            </a:extLst>
+          </p:cNvPr>
+          <p:cNvSpPr txBox="1"/>
+          <p:nvPr/>
+        </p:nvSpPr>
+        <p:spPr>
+          <a:xfrm>
+            <a:off x="10772264" y="3375141"/>
+            <a:ext cx="746970" cy="369332"/>
+          </a:xfrm>
+          <a:prstGeom prst="rect">
+            <a:avLst/>
+          </a:prstGeom>
+          <a:noFill/>
+        </p:spPr>
+        <p:txBody>
+          <a:bodyPr wrap="square" rtlCol="0">
+            <a:spAutoFit/>
+          </a:bodyPr>
+          <a:lstStyle/>
+          <a:p>
+            <a:pPr algn="ctr"/>
+            <a:r>
+              <a:rPr kumimoji="1" lang="en-US" altLang="ja-JP" dirty="0">
+                <a:solidFill>
+                  <a:schemeClr val="accent2"/>
+                </a:solidFill>
+              </a:rPr>
+              <a:t>0.32</a:t>
+            </a:r>
+            <a:endParaRPr kumimoji="1" lang="ja-JP" altLang="en-US" dirty="0">
+              <a:solidFill>
+                <a:schemeClr val="accent2"/>
+              </a:solidFill>
+            </a:endParaRPr>
+          </a:p>
+        </p:txBody>
+      </p:sp>
+      <p:cxnSp>
+        <p:nvCxnSpPr>
+          <p:cNvPr id="99" name="コネクタ: 曲線 98">
+            <a:extLst>
+              <a:ext uri="{FF2B5EF4-FFF2-40B4-BE49-F238E27FC236}">
+                <a16:creationId xmlns:a16="http://schemas.microsoft.com/office/drawing/2014/main" id="{6D6F2B21-0BF7-A154-70FC-3EFDC83C1C8E}"/>
+              </a:ext>
+            </a:extLst>
+          </p:cNvPr>
+          <p:cNvCxnSpPr>
+            <a:cxnSpLocks/>
+            <a:stCxn id="110" idx="5"/>
+            <a:endCxn id="110" idx="7"/>
+          </p:cNvCxnSpPr>
+          <p:nvPr/>
+        </p:nvCxnSpPr>
+        <p:spPr>
+          <a:xfrm rot="5400000" flipH="1">
+            <a:off x="8537192" y="2411399"/>
+            <a:ext cx="429117" cy="12700"/>
+          </a:xfrm>
+          <a:prstGeom prst="curvedConnector5">
+            <a:avLst>
+              <a:gd name="adj1" fmla="val -53272"/>
+              <a:gd name="adj2" fmla="val -5960929"/>
+              <a:gd name="adj3" fmla="val 153272"/>
+            </a:avLst>
+          </a:prstGeom>
+          <a:ln w="12700">
+            <a:solidFill>
+              <a:schemeClr val="accent1"/>
+            </a:solidFill>
+            <a:prstDash val="solid"/>
+            <a:tailEnd type="triangle"/>
+          </a:ln>
+        </p:spPr>
+        <p:style>
+          <a:lnRef idx="1">
+            <a:schemeClr val="accent1"/>
+          </a:lnRef>
+          <a:fillRef idx="0">
+            <a:schemeClr val="accent1"/>
+          </a:fillRef>
+          <a:effectRef idx="0">
+            <a:schemeClr val="accent1"/>
+          </a:effectRef>
+          <a:fontRef idx="minor">
+            <a:schemeClr val="tx1"/>
+          </a:fontRef>
+        </p:style>
+      </p:cxnSp>
+      <p:sp>
+        <p:nvSpPr>
+          <p:cNvPr id="110" name="楕円 109">
+            <a:extLst>
+              <a:ext uri="{FF2B5EF4-FFF2-40B4-BE49-F238E27FC236}">
+                <a16:creationId xmlns:a16="http://schemas.microsoft.com/office/drawing/2014/main" id="{63593D15-C1DE-AD7D-6528-407DFD6059C9}"/>
               </a:ext>
             </a:extLst>
           </p:cNvPr>
@@ -9286,8 +9625,8 @@
         </p:nvSpPr>
         <p:spPr>
           <a:xfrm>
-            <a:off x="9529569" y="3386205"/>
-            <a:ext cx="661906" cy="646330"/>
+            <a:off x="8236396" y="2107967"/>
+            <a:ext cx="603776" cy="606863"/>
           </a:xfrm>
           <a:prstGeom prst="ellipse">
             <a:avLst/>
@@ -9321,12 +9660,332 @@
           <a:p>
             <a:pPr algn="ctr"/>
             <a:r>
+              <a:rPr kumimoji="1" lang="en-US" altLang="ja-JP" sz="1600" dirty="0">
+                <a:solidFill>
+                  <a:schemeClr val="tx1"/>
+                </a:solidFill>
+              </a:rPr>
+              <a:t>10</a:t>
+            </a:r>
+            <a:endParaRPr kumimoji="1" lang="ja-JP" altLang="en-US" sz="1600" dirty="0">
+              <a:solidFill>
+                <a:schemeClr val="tx1"/>
+              </a:solidFill>
+            </a:endParaRPr>
+          </a:p>
+        </p:txBody>
+      </p:sp>
+      <p:sp>
+        <p:nvSpPr>
+          <p:cNvPr id="118" name="楕円 117">
+            <a:extLst>
+              <a:ext uri="{FF2B5EF4-FFF2-40B4-BE49-F238E27FC236}">
+                <a16:creationId xmlns:a16="http://schemas.microsoft.com/office/drawing/2014/main" id="{D07357CD-BDA2-DAF4-2CE2-3B9FF93048AB}"/>
+              </a:ext>
+            </a:extLst>
+          </p:cNvPr>
+          <p:cNvSpPr/>
+          <p:nvPr/>
+        </p:nvSpPr>
+        <p:spPr>
+          <a:xfrm>
+            <a:off x="5171995" y="2102719"/>
+            <a:ext cx="603776" cy="606863"/>
+          </a:xfrm>
+          <a:prstGeom prst="ellipse">
+            <a:avLst/>
+          </a:prstGeom>
+          <a:noFill/>
+          <a:ln>
+            <a:solidFill>
+              <a:schemeClr val="tx1"/>
+            </a:solidFill>
+          </a:ln>
+        </p:spPr>
+        <p:style>
+          <a:lnRef idx="2">
+            <a:schemeClr val="accent1">
+              <a:shade val="50000"/>
+            </a:schemeClr>
+          </a:lnRef>
+          <a:fillRef idx="1">
+            <a:schemeClr val="accent1"/>
+          </a:fillRef>
+          <a:effectRef idx="0">
+            <a:schemeClr val="accent1"/>
+          </a:effectRef>
+          <a:fontRef idx="minor">
+            <a:schemeClr val="lt1"/>
+          </a:fontRef>
+        </p:style>
+        <p:txBody>
+          <a:bodyPr rtlCol="0" anchor="ctr"/>
+          <a:lstStyle/>
+          <a:p>
+            <a:pPr algn="ctr"/>
+            <a:r>
+              <a:rPr kumimoji="1" lang="en-US" altLang="ja-JP" sz="1600" dirty="0">
+                <a:solidFill>
+                  <a:schemeClr val="tx1"/>
+                </a:solidFill>
+              </a:rPr>
+              <a:t>11</a:t>
+            </a:r>
+            <a:endParaRPr kumimoji="1" lang="ja-JP" altLang="en-US" sz="1600" dirty="0">
+              <a:solidFill>
+                <a:schemeClr val="tx1"/>
+              </a:solidFill>
+            </a:endParaRPr>
+          </a:p>
+        </p:txBody>
+      </p:sp>
+      <p:sp>
+        <p:nvSpPr>
+          <p:cNvPr id="119" name="楕円 118">
+            <a:extLst>
+              <a:ext uri="{FF2B5EF4-FFF2-40B4-BE49-F238E27FC236}">
+                <a16:creationId xmlns:a16="http://schemas.microsoft.com/office/drawing/2014/main" id="{7D93B5BC-422D-07BF-85C7-F3112B54058D}"/>
+              </a:ext>
+            </a:extLst>
+          </p:cNvPr>
+          <p:cNvSpPr/>
+          <p:nvPr/>
+        </p:nvSpPr>
+        <p:spPr>
+          <a:xfrm>
+            <a:off x="4676108" y="4684905"/>
+            <a:ext cx="603776" cy="606863"/>
+          </a:xfrm>
+          <a:prstGeom prst="ellipse">
+            <a:avLst/>
+          </a:prstGeom>
+          <a:noFill/>
+          <a:ln>
+            <a:solidFill>
+              <a:schemeClr val="tx1"/>
+            </a:solidFill>
+          </a:ln>
+        </p:spPr>
+        <p:style>
+          <a:lnRef idx="2">
+            <a:schemeClr val="accent1">
+              <a:shade val="50000"/>
+            </a:schemeClr>
+          </a:lnRef>
+          <a:fillRef idx="1">
+            <a:schemeClr val="accent1"/>
+          </a:fillRef>
+          <a:effectRef idx="0">
+            <a:schemeClr val="accent1"/>
+          </a:effectRef>
+          <a:fontRef idx="minor">
+            <a:schemeClr val="lt1"/>
+          </a:fontRef>
+        </p:style>
+        <p:txBody>
+          <a:bodyPr rtlCol="0" anchor="ctr"/>
+          <a:lstStyle/>
+          <a:p>
+            <a:pPr algn="ctr"/>
+            <a:r>
+              <a:rPr kumimoji="1" lang="en-US" altLang="ja-JP" sz="1600" dirty="0">
+                <a:solidFill>
+                  <a:schemeClr val="tx1"/>
+                </a:solidFill>
+              </a:rPr>
+              <a:t>12</a:t>
+            </a:r>
+            <a:endParaRPr kumimoji="1" lang="ja-JP" altLang="en-US" sz="1600" dirty="0">
+              <a:solidFill>
+                <a:schemeClr val="tx1"/>
+              </a:solidFill>
+            </a:endParaRPr>
+          </a:p>
+        </p:txBody>
+      </p:sp>
+      <p:sp>
+        <p:nvSpPr>
+          <p:cNvPr id="120" name="楕円 119">
+            <a:extLst>
+              <a:ext uri="{FF2B5EF4-FFF2-40B4-BE49-F238E27FC236}">
+                <a16:creationId xmlns:a16="http://schemas.microsoft.com/office/drawing/2014/main" id="{E1CB39F0-9EBC-29D2-90D0-D83D21A6E572}"/>
+              </a:ext>
+            </a:extLst>
+          </p:cNvPr>
+          <p:cNvSpPr/>
+          <p:nvPr/>
+        </p:nvSpPr>
+        <p:spPr>
+          <a:xfrm>
+            <a:off x="1969712" y="5709808"/>
+            <a:ext cx="603776" cy="606863"/>
+          </a:xfrm>
+          <a:prstGeom prst="ellipse">
+            <a:avLst/>
+          </a:prstGeom>
+          <a:noFill/>
+          <a:ln>
+            <a:solidFill>
+              <a:schemeClr val="tx1"/>
+            </a:solidFill>
+          </a:ln>
+        </p:spPr>
+        <p:style>
+          <a:lnRef idx="2">
+            <a:schemeClr val="accent1">
+              <a:shade val="50000"/>
+            </a:schemeClr>
+          </a:lnRef>
+          <a:fillRef idx="1">
+            <a:schemeClr val="accent1"/>
+          </a:fillRef>
+          <a:effectRef idx="0">
+            <a:schemeClr val="accent1"/>
+          </a:effectRef>
+          <a:fontRef idx="minor">
+            <a:schemeClr val="lt1"/>
+          </a:fontRef>
+        </p:style>
+        <p:txBody>
+          <a:bodyPr rtlCol="0" anchor="ctr"/>
+          <a:lstStyle/>
+          <a:p>
+            <a:pPr algn="ctr"/>
+            <a:r>
+              <a:rPr kumimoji="1" lang="en-US" altLang="ja-JP" sz="1600" dirty="0">
+                <a:solidFill>
+                  <a:schemeClr val="tx1"/>
+                </a:solidFill>
+              </a:rPr>
+              <a:t>13</a:t>
+            </a:r>
+            <a:endParaRPr kumimoji="1" lang="ja-JP" altLang="en-US" sz="1600" dirty="0">
+              <a:solidFill>
+                <a:schemeClr val="tx1"/>
+              </a:solidFill>
+            </a:endParaRPr>
+          </a:p>
+        </p:txBody>
+      </p:sp>
+      <p:sp>
+        <p:nvSpPr>
+          <p:cNvPr id="121" name="楕円 120">
+            <a:extLst>
+              <a:ext uri="{FF2B5EF4-FFF2-40B4-BE49-F238E27FC236}">
+                <a16:creationId xmlns:a16="http://schemas.microsoft.com/office/drawing/2014/main" id="{559B4B8B-0B80-FE82-33A8-A5B901EDB8FD}"/>
+              </a:ext>
+            </a:extLst>
+          </p:cNvPr>
+          <p:cNvSpPr/>
+          <p:nvPr/>
+        </p:nvSpPr>
+        <p:spPr>
+          <a:xfrm>
+            <a:off x="7203309" y="3261335"/>
+            <a:ext cx="603776" cy="606863"/>
+          </a:xfrm>
+          <a:prstGeom prst="ellipse">
+            <a:avLst/>
+          </a:prstGeom>
+          <a:noFill/>
+          <a:ln>
+            <a:solidFill>
+              <a:schemeClr val="tx1"/>
+            </a:solidFill>
+          </a:ln>
+        </p:spPr>
+        <p:style>
+          <a:lnRef idx="2">
+            <a:schemeClr val="accent1">
+              <a:shade val="50000"/>
+            </a:schemeClr>
+          </a:lnRef>
+          <a:fillRef idx="1">
+            <a:schemeClr val="accent1"/>
+          </a:fillRef>
+          <a:effectRef idx="0">
+            <a:schemeClr val="accent1"/>
+          </a:effectRef>
+          <a:fontRef idx="minor">
+            <a:schemeClr val="lt1"/>
+          </a:fontRef>
+        </p:style>
+        <p:txBody>
+          <a:bodyPr rtlCol="0" anchor="ctr"/>
+          <a:lstStyle/>
+          <a:p>
+            <a:pPr algn="ctr"/>
+            <a:r>
+              <a:rPr kumimoji="1" lang="en-US" altLang="ja-JP" sz="1600" dirty="0">
+                <a:solidFill>
+                  <a:schemeClr val="tx1"/>
+                </a:solidFill>
+              </a:rPr>
+              <a:t>14</a:t>
+            </a:r>
+            <a:endParaRPr kumimoji="1" lang="ja-JP" altLang="en-US" sz="1600" dirty="0">
+              <a:solidFill>
+                <a:schemeClr val="tx1"/>
+              </a:solidFill>
+            </a:endParaRPr>
+          </a:p>
+        </p:txBody>
+      </p:sp>
+      <p:sp>
+        <p:nvSpPr>
+          <p:cNvPr id="122" name="楕円 121">
+            <a:extLst>
+              <a:ext uri="{FF2B5EF4-FFF2-40B4-BE49-F238E27FC236}">
+                <a16:creationId xmlns:a16="http://schemas.microsoft.com/office/drawing/2014/main" id="{E473A11C-C766-68EB-6FF0-5E79914D5971}"/>
+              </a:ext>
+            </a:extLst>
+          </p:cNvPr>
+          <p:cNvSpPr/>
+          <p:nvPr/>
+        </p:nvSpPr>
+        <p:spPr>
+          <a:xfrm>
+            <a:off x="6465657" y="4681220"/>
+            <a:ext cx="603776" cy="606863"/>
+          </a:xfrm>
+          <a:prstGeom prst="ellipse">
+            <a:avLst/>
+          </a:prstGeom>
+          <a:noFill/>
+          <a:ln>
+            <a:solidFill>
+              <a:schemeClr val="tx1"/>
+            </a:solidFill>
+          </a:ln>
+        </p:spPr>
+        <p:style>
+          <a:lnRef idx="2">
+            <a:schemeClr val="accent1">
+              <a:shade val="50000"/>
+            </a:schemeClr>
+          </a:lnRef>
+          <a:fillRef idx="1">
+            <a:schemeClr val="accent1"/>
+          </a:fillRef>
+          <a:effectRef idx="0">
+            <a:schemeClr val="accent1"/>
+          </a:effectRef>
+          <a:fontRef idx="minor">
+            <a:schemeClr val="lt1"/>
+          </a:fontRef>
+        </p:style>
+        <p:txBody>
+          <a:bodyPr rtlCol="0" anchor="ctr"/>
+          <a:lstStyle/>
+          <a:p>
+            <a:pPr algn="ctr"/>
+            <a:r>
               <a:rPr kumimoji="1" lang="en-US" altLang="ja-JP" dirty="0">
                 <a:solidFill>
                   <a:schemeClr val="tx1"/>
                 </a:solidFill>
               </a:rPr>
-              <a:t>4</a:t>
+              <a:t>9</a:t>
             </a:r>
             <a:endParaRPr kumimoji="1" lang="ja-JP" altLang="en-US" dirty="0">
               <a:solidFill>
@@ -9336,34 +9995,691 @@
           </a:p>
         </p:txBody>
       </p:sp>
-      <p:cxnSp>
-        <p:nvCxnSpPr>
-          <p:cNvPr id="4" name="直線コネクタ 3">
-            <a:extLst>
-              <a:ext uri="{FF2B5EF4-FFF2-40B4-BE49-F238E27FC236}">
-                <a16:creationId xmlns:a16="http://schemas.microsoft.com/office/drawing/2014/main" id="{6F147F4B-8FAC-056D-BC9B-BF5397D939A4}"/>
-              </a:ext>
-            </a:extLst>
-          </p:cNvPr>
-          <p:cNvCxnSpPr>
-            <a:cxnSpLocks/>
-            <a:stCxn id="26" idx="6"/>
-            <a:endCxn id="2" idx="2"/>
-          </p:cNvCxnSpPr>
-          <p:nvPr/>
-        </p:nvCxnSpPr>
-        <p:spPr>
-          <a:xfrm>
-            <a:off x="8997259" y="3709370"/>
-            <a:ext cx="532310" cy="0"/>
-          </a:xfrm>
-          <a:prstGeom prst="line">
-            <a:avLst/>
-          </a:prstGeom>
+      <p:sp>
+        <p:nvSpPr>
+          <p:cNvPr id="123" name="楕円 122">
+            <a:extLst>
+              <a:ext uri="{FF2B5EF4-FFF2-40B4-BE49-F238E27FC236}">
+                <a16:creationId xmlns:a16="http://schemas.microsoft.com/office/drawing/2014/main" id="{F40D7B96-90C6-2D33-E1CA-8B86CDCF4F62}"/>
+              </a:ext>
+            </a:extLst>
+          </p:cNvPr>
+          <p:cNvSpPr/>
+          <p:nvPr/>
+        </p:nvSpPr>
+        <p:spPr>
+          <a:xfrm>
+            <a:off x="4042990" y="683676"/>
+            <a:ext cx="603776" cy="606863"/>
+          </a:xfrm>
+          <a:prstGeom prst="ellipse">
+            <a:avLst/>
+          </a:prstGeom>
+          <a:noFill/>
           <a:ln>
             <a:solidFill>
               <a:schemeClr val="tx1"/>
             </a:solidFill>
+          </a:ln>
+        </p:spPr>
+        <p:style>
+          <a:lnRef idx="2">
+            <a:schemeClr val="accent1">
+              <a:shade val="50000"/>
+            </a:schemeClr>
+          </a:lnRef>
+          <a:fillRef idx="1">
+            <a:schemeClr val="accent1"/>
+          </a:fillRef>
+          <a:effectRef idx="0">
+            <a:schemeClr val="accent1"/>
+          </a:effectRef>
+          <a:fontRef idx="minor">
+            <a:schemeClr val="lt1"/>
+          </a:fontRef>
+        </p:style>
+        <p:txBody>
+          <a:bodyPr rtlCol="0" anchor="ctr"/>
+          <a:lstStyle/>
+          <a:p>
+            <a:pPr algn="ctr"/>
+            <a:r>
+              <a:rPr lang="en-US" altLang="ja-JP" dirty="0">
+                <a:solidFill>
+                  <a:schemeClr val="tx1"/>
+                </a:solidFill>
+              </a:rPr>
+              <a:t>8</a:t>
+            </a:r>
+            <a:endParaRPr kumimoji="1" lang="ja-JP" altLang="en-US" dirty="0">
+              <a:solidFill>
+                <a:schemeClr val="tx1"/>
+              </a:solidFill>
+            </a:endParaRPr>
+          </a:p>
+        </p:txBody>
+      </p:sp>
+      <p:sp>
+        <p:nvSpPr>
+          <p:cNvPr id="124" name="楕円 123">
+            <a:extLst>
+              <a:ext uri="{FF2B5EF4-FFF2-40B4-BE49-F238E27FC236}">
+                <a16:creationId xmlns:a16="http://schemas.microsoft.com/office/drawing/2014/main" id="{3A0FD94C-8714-2CE4-00BA-7D219B58EEAE}"/>
+              </a:ext>
+            </a:extLst>
+          </p:cNvPr>
+          <p:cNvSpPr/>
+          <p:nvPr/>
+        </p:nvSpPr>
+        <p:spPr>
+          <a:xfrm>
+            <a:off x="2970332" y="4668187"/>
+            <a:ext cx="603776" cy="606863"/>
+          </a:xfrm>
+          <a:prstGeom prst="ellipse">
+            <a:avLst/>
+          </a:prstGeom>
+          <a:noFill/>
+          <a:ln>
+            <a:solidFill>
+              <a:schemeClr val="tx1"/>
+            </a:solidFill>
+          </a:ln>
+        </p:spPr>
+        <p:style>
+          <a:lnRef idx="2">
+            <a:schemeClr val="accent1">
+              <a:shade val="50000"/>
+            </a:schemeClr>
+          </a:lnRef>
+          <a:fillRef idx="1">
+            <a:schemeClr val="accent1"/>
+          </a:fillRef>
+          <a:effectRef idx="0">
+            <a:schemeClr val="accent1"/>
+          </a:effectRef>
+          <a:fontRef idx="minor">
+            <a:schemeClr val="lt1"/>
+          </a:fontRef>
+        </p:style>
+        <p:txBody>
+          <a:bodyPr rtlCol="0" anchor="ctr"/>
+          <a:lstStyle/>
+          <a:p>
+            <a:pPr algn="ctr"/>
+            <a:r>
+              <a:rPr lang="en-US" altLang="ja-JP" dirty="0">
+                <a:solidFill>
+                  <a:schemeClr val="tx1"/>
+                </a:solidFill>
+              </a:rPr>
+              <a:t>7</a:t>
+            </a:r>
+            <a:endParaRPr kumimoji="1" lang="ja-JP" altLang="en-US" dirty="0">
+              <a:solidFill>
+                <a:schemeClr val="tx1"/>
+              </a:solidFill>
+            </a:endParaRPr>
+          </a:p>
+        </p:txBody>
+      </p:sp>
+      <p:sp>
+        <p:nvSpPr>
+          <p:cNvPr id="125" name="楕円 124">
+            <a:extLst>
+              <a:ext uri="{FF2B5EF4-FFF2-40B4-BE49-F238E27FC236}">
+                <a16:creationId xmlns:a16="http://schemas.microsoft.com/office/drawing/2014/main" id="{2D33D4D6-6412-14B0-D0F3-F6F819B78423}"/>
+              </a:ext>
+            </a:extLst>
+          </p:cNvPr>
+          <p:cNvSpPr/>
+          <p:nvPr/>
+        </p:nvSpPr>
+        <p:spPr>
+          <a:xfrm>
+            <a:off x="6463199" y="5764665"/>
+            <a:ext cx="603776" cy="606863"/>
+          </a:xfrm>
+          <a:prstGeom prst="ellipse">
+            <a:avLst/>
+          </a:prstGeom>
+          <a:noFill/>
+          <a:ln>
+            <a:solidFill>
+              <a:schemeClr val="tx1"/>
+            </a:solidFill>
+          </a:ln>
+        </p:spPr>
+        <p:style>
+          <a:lnRef idx="2">
+            <a:schemeClr val="accent1">
+              <a:shade val="50000"/>
+            </a:schemeClr>
+          </a:lnRef>
+          <a:fillRef idx="1">
+            <a:schemeClr val="accent1"/>
+          </a:fillRef>
+          <a:effectRef idx="0">
+            <a:schemeClr val="accent1"/>
+          </a:effectRef>
+          <a:fontRef idx="minor">
+            <a:schemeClr val="lt1"/>
+          </a:fontRef>
+        </p:style>
+        <p:txBody>
+          <a:bodyPr rtlCol="0" anchor="ctr"/>
+          <a:lstStyle/>
+          <a:p>
+            <a:pPr algn="ctr"/>
+            <a:r>
+              <a:rPr lang="en-US" altLang="ja-JP" dirty="0">
+                <a:solidFill>
+                  <a:schemeClr val="tx1"/>
+                </a:solidFill>
+              </a:rPr>
+              <a:t>6</a:t>
+            </a:r>
+            <a:endParaRPr kumimoji="1" lang="ja-JP" altLang="en-US" dirty="0">
+              <a:solidFill>
+                <a:schemeClr val="tx1"/>
+              </a:solidFill>
+            </a:endParaRPr>
+          </a:p>
+        </p:txBody>
+      </p:sp>
+      <p:sp>
+        <p:nvSpPr>
+          <p:cNvPr id="126" name="楕円 125">
+            <a:extLst>
+              <a:ext uri="{FF2B5EF4-FFF2-40B4-BE49-F238E27FC236}">
+                <a16:creationId xmlns:a16="http://schemas.microsoft.com/office/drawing/2014/main" id="{49DA3D6C-D255-80F9-F108-3FA18F37B8AD}"/>
+              </a:ext>
+            </a:extLst>
+          </p:cNvPr>
+          <p:cNvSpPr/>
+          <p:nvPr/>
+        </p:nvSpPr>
+        <p:spPr>
+          <a:xfrm>
+            <a:off x="3229080" y="5724530"/>
+            <a:ext cx="603776" cy="606863"/>
+          </a:xfrm>
+          <a:prstGeom prst="ellipse">
+            <a:avLst/>
+          </a:prstGeom>
+          <a:noFill/>
+          <a:ln>
+            <a:solidFill>
+              <a:schemeClr val="tx1"/>
+            </a:solidFill>
+          </a:ln>
+        </p:spPr>
+        <p:style>
+          <a:lnRef idx="2">
+            <a:schemeClr val="accent1">
+              <a:shade val="50000"/>
+            </a:schemeClr>
+          </a:lnRef>
+          <a:fillRef idx="1">
+            <a:schemeClr val="accent1"/>
+          </a:fillRef>
+          <a:effectRef idx="0">
+            <a:schemeClr val="accent1"/>
+          </a:effectRef>
+          <a:fontRef idx="minor">
+            <a:schemeClr val="lt1"/>
+          </a:fontRef>
+        </p:style>
+        <p:txBody>
+          <a:bodyPr rtlCol="0" anchor="ctr"/>
+          <a:lstStyle/>
+          <a:p>
+            <a:pPr algn="ctr"/>
+            <a:r>
+              <a:rPr lang="en-US" altLang="ja-JP" dirty="0">
+                <a:solidFill>
+                  <a:schemeClr val="tx1"/>
+                </a:solidFill>
+              </a:rPr>
+              <a:t>5</a:t>
+            </a:r>
+            <a:endParaRPr kumimoji="1" lang="ja-JP" altLang="en-US" dirty="0">
+              <a:solidFill>
+                <a:schemeClr val="tx1"/>
+              </a:solidFill>
+            </a:endParaRPr>
+          </a:p>
+        </p:txBody>
+      </p:sp>
+      <p:sp>
+        <p:nvSpPr>
+          <p:cNvPr id="127" name="楕円 126">
+            <a:extLst>
+              <a:ext uri="{FF2B5EF4-FFF2-40B4-BE49-F238E27FC236}">
+                <a16:creationId xmlns:a16="http://schemas.microsoft.com/office/drawing/2014/main" id="{B51EC7D3-5C98-9DE9-18A0-504307FB99ED}"/>
+              </a:ext>
+            </a:extLst>
+          </p:cNvPr>
+          <p:cNvSpPr/>
+          <p:nvPr/>
+        </p:nvSpPr>
+        <p:spPr>
+          <a:xfrm>
+            <a:off x="1974019" y="2925397"/>
+            <a:ext cx="603776" cy="606863"/>
+          </a:xfrm>
+          <a:prstGeom prst="ellipse">
+            <a:avLst/>
+          </a:prstGeom>
+          <a:noFill/>
+          <a:ln>
+            <a:solidFill>
+              <a:schemeClr val="tx1"/>
+            </a:solidFill>
+          </a:ln>
+        </p:spPr>
+        <p:style>
+          <a:lnRef idx="2">
+            <a:schemeClr val="accent1">
+              <a:shade val="50000"/>
+            </a:schemeClr>
+          </a:lnRef>
+          <a:fillRef idx="1">
+            <a:schemeClr val="accent1"/>
+          </a:fillRef>
+          <a:effectRef idx="0">
+            <a:schemeClr val="accent1"/>
+          </a:effectRef>
+          <a:fontRef idx="minor">
+            <a:schemeClr val="lt1"/>
+          </a:fontRef>
+        </p:style>
+        <p:txBody>
+          <a:bodyPr rtlCol="0" anchor="ctr"/>
+          <a:lstStyle/>
+          <a:p>
+            <a:pPr algn="ctr"/>
+            <a:r>
+              <a:rPr lang="en-US" altLang="ja-JP" dirty="0">
+                <a:solidFill>
+                  <a:schemeClr val="tx1"/>
+                </a:solidFill>
+              </a:rPr>
+              <a:t>4</a:t>
+            </a:r>
+            <a:endParaRPr kumimoji="1" lang="ja-JP" altLang="en-US" dirty="0">
+              <a:solidFill>
+                <a:schemeClr val="tx1"/>
+              </a:solidFill>
+            </a:endParaRPr>
+          </a:p>
+        </p:txBody>
+      </p:sp>
+      <p:sp>
+        <p:nvSpPr>
+          <p:cNvPr id="128" name="楕円 127">
+            <a:extLst>
+              <a:ext uri="{FF2B5EF4-FFF2-40B4-BE49-F238E27FC236}">
+                <a16:creationId xmlns:a16="http://schemas.microsoft.com/office/drawing/2014/main" id="{9C8628F4-8002-08F3-45CC-93C39AA6FA03}"/>
+              </a:ext>
+            </a:extLst>
+          </p:cNvPr>
+          <p:cNvSpPr/>
+          <p:nvPr/>
+        </p:nvSpPr>
+        <p:spPr>
+          <a:xfrm>
+            <a:off x="7759319" y="4677215"/>
+            <a:ext cx="603776" cy="606863"/>
+          </a:xfrm>
+          <a:prstGeom prst="ellipse">
+            <a:avLst/>
+          </a:prstGeom>
+          <a:noFill/>
+          <a:ln>
+            <a:solidFill>
+              <a:schemeClr val="tx1"/>
+            </a:solidFill>
+          </a:ln>
+        </p:spPr>
+        <p:style>
+          <a:lnRef idx="2">
+            <a:schemeClr val="accent1">
+              <a:shade val="50000"/>
+            </a:schemeClr>
+          </a:lnRef>
+          <a:fillRef idx="1">
+            <a:schemeClr val="accent1"/>
+          </a:fillRef>
+          <a:effectRef idx="0">
+            <a:schemeClr val="accent1"/>
+          </a:effectRef>
+          <a:fontRef idx="minor">
+            <a:schemeClr val="lt1"/>
+          </a:fontRef>
+        </p:style>
+        <p:txBody>
+          <a:bodyPr rtlCol="0" anchor="ctr"/>
+          <a:lstStyle/>
+          <a:p>
+            <a:pPr algn="ctr"/>
+            <a:r>
+              <a:rPr lang="en-US" altLang="ja-JP" dirty="0">
+                <a:solidFill>
+                  <a:schemeClr val="tx1"/>
+                </a:solidFill>
+              </a:rPr>
+              <a:t>3</a:t>
+            </a:r>
+            <a:endParaRPr kumimoji="1" lang="ja-JP" altLang="en-US" dirty="0">
+              <a:solidFill>
+                <a:schemeClr val="tx1"/>
+              </a:solidFill>
+            </a:endParaRPr>
+          </a:p>
+        </p:txBody>
+      </p:sp>
+      <p:sp>
+        <p:nvSpPr>
+          <p:cNvPr id="129" name="楕円 128">
+            <a:extLst>
+              <a:ext uri="{FF2B5EF4-FFF2-40B4-BE49-F238E27FC236}">
+                <a16:creationId xmlns:a16="http://schemas.microsoft.com/office/drawing/2014/main" id="{E7903335-C69B-EF64-D893-22F5266D608C}"/>
+              </a:ext>
+            </a:extLst>
+          </p:cNvPr>
+          <p:cNvSpPr/>
+          <p:nvPr/>
+        </p:nvSpPr>
+        <p:spPr>
+          <a:xfrm>
+            <a:off x="2974145" y="2107967"/>
+            <a:ext cx="603776" cy="606863"/>
+          </a:xfrm>
+          <a:prstGeom prst="ellipse">
+            <a:avLst/>
+          </a:prstGeom>
+          <a:noFill/>
+          <a:ln>
+            <a:solidFill>
+              <a:schemeClr val="tx1"/>
+            </a:solidFill>
+          </a:ln>
+        </p:spPr>
+        <p:style>
+          <a:lnRef idx="2">
+            <a:schemeClr val="accent1">
+              <a:shade val="50000"/>
+            </a:schemeClr>
+          </a:lnRef>
+          <a:fillRef idx="1">
+            <a:schemeClr val="accent1"/>
+          </a:fillRef>
+          <a:effectRef idx="0">
+            <a:schemeClr val="accent1"/>
+          </a:effectRef>
+          <a:fontRef idx="minor">
+            <a:schemeClr val="lt1"/>
+          </a:fontRef>
+        </p:style>
+        <p:txBody>
+          <a:bodyPr rtlCol="0" anchor="ctr"/>
+          <a:lstStyle/>
+          <a:p>
+            <a:pPr algn="ctr"/>
+            <a:r>
+              <a:rPr lang="en-US" altLang="ja-JP" dirty="0">
+                <a:solidFill>
+                  <a:schemeClr val="tx1"/>
+                </a:solidFill>
+              </a:rPr>
+              <a:t>2</a:t>
+            </a:r>
+            <a:endParaRPr kumimoji="1" lang="ja-JP" altLang="en-US" dirty="0">
+              <a:solidFill>
+                <a:schemeClr val="tx1"/>
+              </a:solidFill>
+            </a:endParaRPr>
+          </a:p>
+        </p:txBody>
+      </p:sp>
+      <p:sp>
+        <p:nvSpPr>
+          <p:cNvPr id="130" name="楕円 129">
+            <a:extLst>
+              <a:ext uri="{FF2B5EF4-FFF2-40B4-BE49-F238E27FC236}">
+                <a16:creationId xmlns:a16="http://schemas.microsoft.com/office/drawing/2014/main" id="{97D1E52E-4AF7-8D29-CF0C-F65902566772}"/>
+              </a:ext>
+            </a:extLst>
+          </p:cNvPr>
+          <p:cNvSpPr/>
+          <p:nvPr/>
+        </p:nvSpPr>
+        <p:spPr>
+          <a:xfrm>
+            <a:off x="9663412" y="3261006"/>
+            <a:ext cx="603776" cy="606863"/>
+          </a:xfrm>
+          <a:prstGeom prst="ellipse">
+            <a:avLst/>
+          </a:prstGeom>
+          <a:noFill/>
+          <a:ln>
+            <a:solidFill>
+              <a:schemeClr val="tx1"/>
+            </a:solidFill>
+          </a:ln>
+        </p:spPr>
+        <p:style>
+          <a:lnRef idx="2">
+            <a:schemeClr val="accent1">
+              <a:shade val="50000"/>
+            </a:schemeClr>
+          </a:lnRef>
+          <a:fillRef idx="1">
+            <a:schemeClr val="accent1"/>
+          </a:fillRef>
+          <a:effectRef idx="0">
+            <a:schemeClr val="accent1"/>
+          </a:effectRef>
+          <a:fontRef idx="minor">
+            <a:schemeClr val="lt1"/>
+          </a:fontRef>
+        </p:style>
+        <p:txBody>
+          <a:bodyPr rtlCol="0" anchor="ctr"/>
+          <a:lstStyle/>
+          <a:p>
+            <a:pPr algn="ctr"/>
+            <a:r>
+              <a:rPr lang="en-US" altLang="ja-JP" dirty="0">
+                <a:solidFill>
+                  <a:schemeClr val="tx1"/>
+                </a:solidFill>
+              </a:rPr>
+              <a:t>1</a:t>
+            </a:r>
+            <a:endParaRPr kumimoji="1" lang="ja-JP" altLang="en-US" dirty="0">
+              <a:solidFill>
+                <a:schemeClr val="tx1"/>
+              </a:solidFill>
+            </a:endParaRPr>
+          </a:p>
+        </p:txBody>
+      </p:sp>
+      <p:sp>
+        <p:nvSpPr>
+          <p:cNvPr id="131" name="楕円 130">
+            <a:extLst>
+              <a:ext uri="{FF2B5EF4-FFF2-40B4-BE49-F238E27FC236}">
+                <a16:creationId xmlns:a16="http://schemas.microsoft.com/office/drawing/2014/main" id="{533EE40F-2BC5-75DF-F02B-9BF76FD59910}"/>
+              </a:ext>
+            </a:extLst>
+          </p:cNvPr>
+          <p:cNvSpPr/>
+          <p:nvPr/>
+        </p:nvSpPr>
+        <p:spPr>
+          <a:xfrm>
+            <a:off x="4118572" y="3456848"/>
+            <a:ext cx="603776" cy="606863"/>
+          </a:xfrm>
+          <a:prstGeom prst="ellipse">
+            <a:avLst/>
+          </a:prstGeom>
+          <a:noFill/>
+          <a:ln>
+            <a:solidFill>
+              <a:schemeClr val="tx1"/>
+            </a:solidFill>
+          </a:ln>
+        </p:spPr>
+        <p:style>
+          <a:lnRef idx="2">
+            <a:schemeClr val="accent1">
+              <a:shade val="50000"/>
+            </a:schemeClr>
+          </a:lnRef>
+          <a:fillRef idx="1">
+            <a:schemeClr val="accent1"/>
+          </a:fillRef>
+          <a:effectRef idx="0">
+            <a:schemeClr val="accent1"/>
+          </a:effectRef>
+          <a:fontRef idx="minor">
+            <a:schemeClr val="lt1"/>
+          </a:fontRef>
+        </p:style>
+        <p:txBody>
+          <a:bodyPr rtlCol="0" anchor="ctr"/>
+          <a:lstStyle/>
+          <a:p>
+            <a:pPr algn="ctr"/>
+            <a:r>
+              <a:rPr lang="en-US" altLang="ja-JP" dirty="0">
+                <a:solidFill>
+                  <a:schemeClr val="tx1"/>
+                </a:solidFill>
+              </a:rPr>
+              <a:t>0</a:t>
+            </a:r>
+            <a:endParaRPr kumimoji="1" lang="ja-JP" altLang="en-US" dirty="0">
+              <a:solidFill>
+                <a:schemeClr val="tx1"/>
+              </a:solidFill>
+            </a:endParaRPr>
+          </a:p>
+        </p:txBody>
+      </p:sp>
+      <p:cxnSp>
+        <p:nvCxnSpPr>
+          <p:cNvPr id="135" name="直線矢印コネクタ 134">
+            <a:extLst>
+              <a:ext uri="{FF2B5EF4-FFF2-40B4-BE49-F238E27FC236}">
+                <a16:creationId xmlns:a16="http://schemas.microsoft.com/office/drawing/2014/main" id="{711CA8D0-D4E4-1A9D-F3C9-1F1267C634ED}"/>
+              </a:ext>
+            </a:extLst>
+          </p:cNvPr>
+          <p:cNvCxnSpPr>
+            <a:cxnSpLocks/>
+            <a:stCxn id="143" idx="2"/>
+            <a:endCxn id="120" idx="1"/>
+          </p:cNvCxnSpPr>
+          <p:nvPr/>
+        </p:nvCxnSpPr>
+        <p:spPr>
+          <a:xfrm>
+            <a:off x="1111802" y="4816704"/>
+            <a:ext cx="946331" cy="981977"/>
+          </a:xfrm>
+          <a:prstGeom prst="straightConnector1">
+            <a:avLst/>
+          </a:prstGeom>
+          <a:ln>
+            <a:solidFill>
+              <a:schemeClr val="tx1"/>
+            </a:solidFill>
+            <a:tailEnd type="triangle"/>
+          </a:ln>
+        </p:spPr>
+        <p:style>
+          <a:lnRef idx="1">
+            <a:schemeClr val="accent1"/>
+          </a:lnRef>
+          <a:fillRef idx="0">
+            <a:schemeClr val="accent1"/>
+          </a:fillRef>
+          <a:effectRef idx="0">
+            <a:schemeClr val="accent1"/>
+          </a:effectRef>
+          <a:fontRef idx="minor">
+            <a:schemeClr val="tx1"/>
+          </a:fontRef>
+        </p:style>
+      </p:cxnSp>
+      <p:sp>
+        <p:nvSpPr>
+          <p:cNvPr id="144" name="テキスト ボックス 143">
+            <a:extLst>
+              <a:ext uri="{FF2B5EF4-FFF2-40B4-BE49-F238E27FC236}">
+                <a16:creationId xmlns:a16="http://schemas.microsoft.com/office/drawing/2014/main" id="{D6E9D5C8-A800-27A2-7795-1467B26EA8DE}"/>
+              </a:ext>
+            </a:extLst>
+          </p:cNvPr>
+          <p:cNvSpPr txBox="1"/>
+          <p:nvPr/>
+        </p:nvSpPr>
+        <p:spPr>
+          <a:xfrm>
+            <a:off x="981192" y="5210540"/>
+            <a:ext cx="603775" cy="338554"/>
+          </a:xfrm>
+          <a:prstGeom prst="rect">
+            <a:avLst/>
+          </a:prstGeom>
+          <a:noFill/>
+        </p:spPr>
+        <p:txBody>
+          <a:bodyPr wrap="square" rtlCol="0">
+            <a:spAutoFit/>
+          </a:bodyPr>
+          <a:lstStyle/>
+          <a:p>
+            <a:pPr algn="ctr"/>
+            <a:r>
+              <a:rPr lang="en-US" altLang="ja-JP" sz="1600" dirty="0"/>
+              <a:t>0.11</a:t>
+            </a:r>
+            <a:endParaRPr kumimoji="1" lang="ja-JP" altLang="en-US" sz="1600" dirty="0"/>
+          </a:p>
+        </p:txBody>
+      </p:sp>
+      <p:cxnSp>
+        <p:nvCxnSpPr>
+          <p:cNvPr id="146" name="直線矢印コネクタ 145">
+            <a:extLst>
+              <a:ext uri="{FF2B5EF4-FFF2-40B4-BE49-F238E27FC236}">
+                <a16:creationId xmlns:a16="http://schemas.microsoft.com/office/drawing/2014/main" id="{E9C1B6CE-EC1F-A832-79D9-53D332A08C8C}"/>
+              </a:ext>
+            </a:extLst>
+          </p:cNvPr>
+          <p:cNvCxnSpPr>
+            <a:cxnSpLocks/>
+            <a:stCxn id="127" idx="7"/>
+            <a:endCxn id="129" idx="3"/>
+          </p:cNvCxnSpPr>
+          <p:nvPr/>
+        </p:nvCxnSpPr>
+        <p:spPr>
+          <a:xfrm flipV="1">
+            <a:off x="2489374" y="2625957"/>
+            <a:ext cx="573192" cy="388313"/>
+          </a:xfrm>
+          <a:prstGeom prst="straightConnector1">
+            <a:avLst/>
+          </a:prstGeom>
+          <a:ln w="12700">
+            <a:tailEnd type="triangle"/>
           </a:ln>
         </p:spPr>
         <p:style>
@@ -9383,32 +10699,605 @@
       </p:cxnSp>
       <p:cxnSp>
         <p:nvCxnSpPr>
-          <p:cNvPr id="16" name="直線コネクタ 15">
-            <a:extLst>
-              <a:ext uri="{FF2B5EF4-FFF2-40B4-BE49-F238E27FC236}">
-                <a16:creationId xmlns:a16="http://schemas.microsoft.com/office/drawing/2014/main" id="{3A4231B4-3565-5623-E3D4-DFF863B012DB}"/>
+          <p:cNvPr id="150" name="直線矢印コネクタ 149">
+            <a:extLst>
+              <a:ext uri="{FF2B5EF4-FFF2-40B4-BE49-F238E27FC236}">
+                <a16:creationId xmlns:a16="http://schemas.microsoft.com/office/drawing/2014/main" id="{2978D99A-83DE-3C2E-4B40-38DC7901F911}"/>
               </a:ext>
             </a:extLst>
           </p:cNvPr>
           <p:cNvCxnSpPr>
             <a:cxnSpLocks/>
-            <a:stCxn id="28" idx="6"/>
-            <a:endCxn id="26" idx="2"/>
+            <a:stCxn id="127" idx="4"/>
+            <a:endCxn id="124" idx="1"/>
           </p:cNvCxnSpPr>
           <p:nvPr/>
         </p:nvCxnSpPr>
         <p:spPr>
           <a:xfrm>
-            <a:off x="7789150" y="3707378"/>
-            <a:ext cx="546203" cy="1992"/>
-          </a:xfrm>
-          <a:prstGeom prst="line">
-            <a:avLst/>
-          </a:prstGeom>
-          <a:ln>
-            <a:solidFill>
-              <a:schemeClr val="tx1"/>
-            </a:solidFill>
+            <a:off x="2275907" y="3532260"/>
+            <a:ext cx="782846" cy="1224800"/>
+          </a:xfrm>
+          <a:prstGeom prst="straightConnector1">
+            <a:avLst/>
+          </a:prstGeom>
+          <a:ln w="12700">
+            <a:tailEnd type="triangle"/>
+          </a:ln>
+        </p:spPr>
+        <p:style>
+          <a:lnRef idx="1">
+            <a:schemeClr val="accent1"/>
+          </a:lnRef>
+          <a:fillRef idx="0">
+            <a:schemeClr val="accent1"/>
+          </a:fillRef>
+          <a:effectRef idx="0">
+            <a:schemeClr val="accent1"/>
+          </a:effectRef>
+          <a:fontRef idx="minor">
+            <a:schemeClr val="tx1"/>
+          </a:fontRef>
+        </p:style>
+      </p:cxnSp>
+      <p:sp>
+        <p:nvSpPr>
+          <p:cNvPr id="158" name="テキスト ボックス 157">
+            <a:extLst>
+              <a:ext uri="{FF2B5EF4-FFF2-40B4-BE49-F238E27FC236}">
+                <a16:creationId xmlns:a16="http://schemas.microsoft.com/office/drawing/2014/main" id="{389F6AC6-9141-6A1E-38BE-10B97C3D3FC6}"/>
+              </a:ext>
+            </a:extLst>
+          </p:cNvPr>
+          <p:cNvSpPr txBox="1"/>
+          <p:nvPr/>
+        </p:nvSpPr>
+        <p:spPr>
+          <a:xfrm>
+            <a:off x="2249288" y="2540154"/>
+            <a:ext cx="603775" cy="338554"/>
+          </a:xfrm>
+          <a:prstGeom prst="rect">
+            <a:avLst/>
+          </a:prstGeom>
+          <a:noFill/>
+        </p:spPr>
+        <p:txBody>
+          <a:bodyPr wrap="square" rtlCol="0">
+            <a:spAutoFit/>
+          </a:bodyPr>
+          <a:lstStyle/>
+          <a:p>
+            <a:pPr algn="ctr"/>
+            <a:r>
+              <a:rPr lang="en-US" altLang="ja-JP" sz="1600" dirty="0">
+                <a:solidFill>
+                  <a:schemeClr val="accent1"/>
+                </a:solidFill>
+              </a:rPr>
+              <a:t>0.42</a:t>
+            </a:r>
+            <a:endParaRPr kumimoji="1" lang="ja-JP" altLang="en-US" sz="1600" dirty="0">
+              <a:solidFill>
+                <a:schemeClr val="accent1"/>
+              </a:solidFill>
+            </a:endParaRPr>
+          </a:p>
+        </p:txBody>
+      </p:sp>
+      <p:sp>
+        <p:nvSpPr>
+          <p:cNvPr id="159" name="テキスト ボックス 158">
+            <a:extLst>
+              <a:ext uri="{FF2B5EF4-FFF2-40B4-BE49-F238E27FC236}">
+                <a16:creationId xmlns:a16="http://schemas.microsoft.com/office/drawing/2014/main" id="{3C229470-FCDD-0EEC-1DBA-16CA91A8C651}"/>
+              </a:ext>
+            </a:extLst>
+          </p:cNvPr>
+          <p:cNvSpPr txBox="1"/>
+          <p:nvPr/>
+        </p:nvSpPr>
+        <p:spPr>
+          <a:xfrm>
+            <a:off x="1946295" y="3998241"/>
+            <a:ext cx="718765" cy="369332"/>
+          </a:xfrm>
+          <a:prstGeom prst="rect">
+            <a:avLst/>
+          </a:prstGeom>
+          <a:noFill/>
+        </p:spPr>
+        <p:txBody>
+          <a:bodyPr wrap="square" rtlCol="0">
+            <a:spAutoFit/>
+          </a:bodyPr>
+          <a:lstStyle/>
+          <a:p>
+            <a:pPr algn="ctr"/>
+            <a:r>
+              <a:rPr lang="en-US" altLang="ja-JP" dirty="0">
+                <a:solidFill>
+                  <a:schemeClr val="accent1"/>
+                </a:solidFill>
+              </a:rPr>
+              <a:t>0.44</a:t>
+            </a:r>
+            <a:endParaRPr kumimoji="1" lang="ja-JP" altLang="en-US" dirty="0">
+              <a:solidFill>
+                <a:schemeClr val="accent1"/>
+              </a:solidFill>
+            </a:endParaRPr>
+          </a:p>
+        </p:txBody>
+      </p:sp>
+      <p:cxnSp>
+        <p:nvCxnSpPr>
+          <p:cNvPr id="160" name="直線矢印コネクタ 159">
+            <a:extLst>
+              <a:ext uri="{FF2B5EF4-FFF2-40B4-BE49-F238E27FC236}">
+                <a16:creationId xmlns:a16="http://schemas.microsoft.com/office/drawing/2014/main" id="{6C56BEAF-7051-C8BF-03F6-3D2B3BFAD61C}"/>
+              </a:ext>
+            </a:extLst>
+          </p:cNvPr>
+          <p:cNvCxnSpPr>
+            <a:cxnSpLocks/>
+            <a:stCxn id="120" idx="7"/>
+            <a:endCxn id="124" idx="3"/>
+          </p:cNvCxnSpPr>
+          <p:nvPr/>
+        </p:nvCxnSpPr>
+        <p:spPr>
+          <a:xfrm flipV="1">
+            <a:off x="2485067" y="5186177"/>
+            <a:ext cx="573686" cy="612504"/>
+          </a:xfrm>
+          <a:prstGeom prst="straightConnector1">
+            <a:avLst/>
+          </a:prstGeom>
+          <a:ln w="12700">
+            <a:tailEnd type="triangle"/>
+          </a:ln>
+        </p:spPr>
+        <p:style>
+          <a:lnRef idx="1">
+            <a:schemeClr val="accent1"/>
+          </a:lnRef>
+          <a:fillRef idx="0">
+            <a:schemeClr val="accent1"/>
+          </a:fillRef>
+          <a:effectRef idx="0">
+            <a:schemeClr val="accent1"/>
+          </a:effectRef>
+          <a:fontRef idx="minor">
+            <a:schemeClr val="tx1"/>
+          </a:fontRef>
+        </p:style>
+      </p:cxnSp>
+      <p:sp>
+        <p:nvSpPr>
+          <p:cNvPr id="163" name="テキスト ボックス 162">
+            <a:extLst>
+              <a:ext uri="{FF2B5EF4-FFF2-40B4-BE49-F238E27FC236}">
+                <a16:creationId xmlns:a16="http://schemas.microsoft.com/office/drawing/2014/main" id="{01A9FD7F-8B7C-3247-B6F1-D499886F31D0}"/>
+              </a:ext>
+            </a:extLst>
+          </p:cNvPr>
+          <p:cNvSpPr txBox="1"/>
+          <p:nvPr/>
+        </p:nvSpPr>
+        <p:spPr>
+          <a:xfrm>
+            <a:off x="2124841" y="5209965"/>
+            <a:ext cx="741679" cy="369332"/>
+          </a:xfrm>
+          <a:prstGeom prst="rect">
+            <a:avLst/>
+          </a:prstGeom>
+          <a:noFill/>
+        </p:spPr>
+        <p:txBody>
+          <a:bodyPr wrap="square" rtlCol="0">
+            <a:spAutoFit/>
+          </a:bodyPr>
+          <a:lstStyle/>
+          <a:p>
+            <a:pPr algn="ctr"/>
+            <a:r>
+              <a:rPr lang="en-US" altLang="ja-JP" dirty="0">
+                <a:solidFill>
+                  <a:schemeClr val="accent1"/>
+                </a:solidFill>
+              </a:rPr>
+              <a:t>0.59</a:t>
+            </a:r>
+            <a:endParaRPr kumimoji="1" lang="ja-JP" altLang="en-US" dirty="0">
+              <a:solidFill>
+                <a:schemeClr val="accent1"/>
+              </a:solidFill>
+            </a:endParaRPr>
+          </a:p>
+        </p:txBody>
+      </p:sp>
+      <p:cxnSp>
+        <p:nvCxnSpPr>
+          <p:cNvPr id="164" name="直線矢印コネクタ 163">
+            <a:extLst>
+              <a:ext uri="{FF2B5EF4-FFF2-40B4-BE49-F238E27FC236}">
+                <a16:creationId xmlns:a16="http://schemas.microsoft.com/office/drawing/2014/main" id="{2822ABBE-E77A-EB83-1FB2-E16DCADBD4A6}"/>
+              </a:ext>
+            </a:extLst>
+          </p:cNvPr>
+          <p:cNvCxnSpPr>
+            <a:cxnSpLocks/>
+            <a:stCxn id="129" idx="6"/>
+            <a:endCxn id="118" idx="2"/>
+          </p:cNvCxnSpPr>
+          <p:nvPr/>
+        </p:nvCxnSpPr>
+        <p:spPr>
+          <a:xfrm flipV="1">
+            <a:off x="3577921" y="2406151"/>
+            <a:ext cx="1594074" cy="5248"/>
+          </a:xfrm>
+          <a:prstGeom prst="straightConnector1">
+            <a:avLst/>
+          </a:prstGeom>
+          <a:ln w="12700">
+            <a:tailEnd type="triangle"/>
+          </a:ln>
+        </p:spPr>
+        <p:style>
+          <a:lnRef idx="1">
+            <a:schemeClr val="accent1"/>
+          </a:lnRef>
+          <a:fillRef idx="0">
+            <a:schemeClr val="accent1"/>
+          </a:fillRef>
+          <a:effectRef idx="0">
+            <a:schemeClr val="accent1"/>
+          </a:effectRef>
+          <a:fontRef idx="minor">
+            <a:schemeClr val="tx1"/>
+          </a:fontRef>
+        </p:style>
+      </p:cxnSp>
+      <p:sp>
+        <p:nvSpPr>
+          <p:cNvPr id="167" name="テキスト ボックス 166">
+            <a:extLst>
+              <a:ext uri="{FF2B5EF4-FFF2-40B4-BE49-F238E27FC236}">
+                <a16:creationId xmlns:a16="http://schemas.microsoft.com/office/drawing/2014/main" id="{5021F7C8-2C05-1FAD-8C23-6031030A18EB}"/>
+              </a:ext>
+            </a:extLst>
+          </p:cNvPr>
+          <p:cNvSpPr txBox="1"/>
+          <p:nvPr/>
+        </p:nvSpPr>
+        <p:spPr>
+          <a:xfrm>
+            <a:off x="3939477" y="2052830"/>
+            <a:ext cx="758903" cy="369332"/>
+          </a:xfrm>
+          <a:prstGeom prst="rect">
+            <a:avLst/>
+          </a:prstGeom>
+          <a:noFill/>
+        </p:spPr>
+        <p:txBody>
+          <a:bodyPr wrap="square" rtlCol="0">
+            <a:spAutoFit/>
+          </a:bodyPr>
+          <a:lstStyle/>
+          <a:p>
+            <a:pPr algn="ctr"/>
+            <a:r>
+              <a:rPr lang="en-US" altLang="ja-JP" dirty="0">
+                <a:solidFill>
+                  <a:schemeClr val="accent1"/>
+                </a:solidFill>
+              </a:rPr>
+              <a:t>0.99</a:t>
+            </a:r>
+            <a:endParaRPr kumimoji="1" lang="ja-JP" altLang="en-US" dirty="0">
+              <a:solidFill>
+                <a:schemeClr val="accent1"/>
+              </a:solidFill>
+            </a:endParaRPr>
+          </a:p>
+        </p:txBody>
+      </p:sp>
+      <p:cxnSp>
+        <p:nvCxnSpPr>
+          <p:cNvPr id="168" name="直線矢印コネクタ 167">
+            <a:extLst>
+              <a:ext uri="{FF2B5EF4-FFF2-40B4-BE49-F238E27FC236}">
+                <a16:creationId xmlns:a16="http://schemas.microsoft.com/office/drawing/2014/main" id="{4F261741-2831-D4F7-3715-ACB037DFD0F0}"/>
+              </a:ext>
+            </a:extLst>
+          </p:cNvPr>
+          <p:cNvCxnSpPr>
+            <a:cxnSpLocks/>
+            <a:stCxn id="124" idx="6"/>
+            <a:endCxn id="119" idx="2"/>
+          </p:cNvCxnSpPr>
+          <p:nvPr/>
+        </p:nvCxnSpPr>
+        <p:spPr>
+          <a:xfrm>
+            <a:off x="3574108" y="4971619"/>
+            <a:ext cx="1102000" cy="16718"/>
+          </a:xfrm>
+          <a:prstGeom prst="straightConnector1">
+            <a:avLst/>
+          </a:prstGeom>
+          <a:ln w="12700">
+            <a:tailEnd type="triangle"/>
+          </a:ln>
+        </p:spPr>
+        <p:style>
+          <a:lnRef idx="1">
+            <a:schemeClr val="accent1"/>
+          </a:lnRef>
+          <a:fillRef idx="0">
+            <a:schemeClr val="accent1"/>
+          </a:fillRef>
+          <a:effectRef idx="0">
+            <a:schemeClr val="accent1"/>
+          </a:effectRef>
+          <a:fontRef idx="minor">
+            <a:schemeClr val="tx1"/>
+          </a:fontRef>
+        </p:style>
+      </p:cxnSp>
+      <p:sp>
+        <p:nvSpPr>
+          <p:cNvPr id="171" name="テキスト ボックス 170">
+            <a:extLst>
+              <a:ext uri="{FF2B5EF4-FFF2-40B4-BE49-F238E27FC236}">
+                <a16:creationId xmlns:a16="http://schemas.microsoft.com/office/drawing/2014/main" id="{5DD91494-6820-7B4F-4049-20CA67C380F9}"/>
+              </a:ext>
+            </a:extLst>
+          </p:cNvPr>
+          <p:cNvSpPr txBox="1"/>
+          <p:nvPr/>
+        </p:nvSpPr>
+        <p:spPr>
+          <a:xfrm>
+            <a:off x="3811273" y="4646452"/>
+            <a:ext cx="603775" cy="338554"/>
+          </a:xfrm>
+          <a:prstGeom prst="rect">
+            <a:avLst/>
+          </a:prstGeom>
+          <a:noFill/>
+        </p:spPr>
+        <p:txBody>
+          <a:bodyPr wrap="square" rtlCol="0">
+            <a:spAutoFit/>
+          </a:bodyPr>
+          <a:lstStyle/>
+          <a:p>
+            <a:pPr algn="ctr"/>
+            <a:r>
+              <a:rPr lang="en-US" altLang="ja-JP" sz="1600" dirty="0">
+                <a:solidFill>
+                  <a:schemeClr val="accent1"/>
+                </a:solidFill>
+              </a:rPr>
+              <a:t>0.99</a:t>
+            </a:r>
+            <a:endParaRPr kumimoji="1" lang="ja-JP" altLang="en-US" sz="1600" dirty="0">
+              <a:solidFill>
+                <a:schemeClr val="accent1"/>
+              </a:solidFill>
+            </a:endParaRPr>
+          </a:p>
+        </p:txBody>
+      </p:sp>
+      <p:sp>
+        <p:nvSpPr>
+          <p:cNvPr id="178" name="テキスト ボックス 177">
+            <a:extLst>
+              <a:ext uri="{FF2B5EF4-FFF2-40B4-BE49-F238E27FC236}">
+                <a16:creationId xmlns:a16="http://schemas.microsoft.com/office/drawing/2014/main" id="{3B242354-33D0-5EA6-B0F8-CACAAD6F3582}"/>
+              </a:ext>
+            </a:extLst>
+          </p:cNvPr>
+          <p:cNvSpPr txBox="1"/>
+          <p:nvPr/>
+        </p:nvSpPr>
+        <p:spPr>
+          <a:xfrm>
+            <a:off x="6700740" y="1896820"/>
+            <a:ext cx="665517" cy="369332"/>
+          </a:xfrm>
+          <a:prstGeom prst="rect">
+            <a:avLst/>
+          </a:prstGeom>
+          <a:noFill/>
+        </p:spPr>
+        <p:txBody>
+          <a:bodyPr wrap="square" rtlCol="0">
+            <a:spAutoFit/>
+          </a:bodyPr>
+          <a:lstStyle/>
+          <a:p>
+            <a:pPr algn="ctr"/>
+            <a:r>
+              <a:rPr lang="en-US" altLang="ja-JP" dirty="0">
+                <a:solidFill>
+                  <a:schemeClr val="accent1"/>
+                </a:solidFill>
+              </a:rPr>
+              <a:t>0.85</a:t>
+            </a:r>
+            <a:endParaRPr kumimoji="1" lang="ja-JP" altLang="en-US" dirty="0">
+              <a:solidFill>
+                <a:schemeClr val="accent1"/>
+              </a:solidFill>
+            </a:endParaRPr>
+          </a:p>
+        </p:txBody>
+      </p:sp>
+      <p:cxnSp>
+        <p:nvCxnSpPr>
+          <p:cNvPr id="255" name="直線矢印コネクタ 254">
+            <a:extLst>
+              <a:ext uri="{FF2B5EF4-FFF2-40B4-BE49-F238E27FC236}">
+                <a16:creationId xmlns:a16="http://schemas.microsoft.com/office/drawing/2014/main" id="{04480BED-C050-3EF1-22DD-318821C65FE8}"/>
+              </a:ext>
+            </a:extLst>
+          </p:cNvPr>
+          <p:cNvCxnSpPr>
+            <a:cxnSpLocks/>
+            <a:stCxn id="118" idx="7"/>
+            <a:endCxn id="110" idx="1"/>
+          </p:cNvCxnSpPr>
+          <p:nvPr/>
+        </p:nvCxnSpPr>
+        <p:spPr>
+          <a:xfrm>
+            <a:off x="5687350" y="2191592"/>
+            <a:ext cx="2637467" cy="5248"/>
+          </a:xfrm>
+          <a:prstGeom prst="straightConnector1">
+            <a:avLst/>
+          </a:prstGeom>
+          <a:ln w="12700">
+            <a:tailEnd type="triangle"/>
+          </a:ln>
+        </p:spPr>
+        <p:style>
+          <a:lnRef idx="1">
+            <a:schemeClr val="accent1"/>
+          </a:lnRef>
+          <a:fillRef idx="0">
+            <a:schemeClr val="accent1"/>
+          </a:fillRef>
+          <a:effectRef idx="0">
+            <a:schemeClr val="accent1"/>
+          </a:effectRef>
+          <a:fontRef idx="minor">
+            <a:schemeClr val="tx1"/>
+          </a:fontRef>
+        </p:style>
+      </p:cxnSp>
+      <p:sp>
+        <p:nvSpPr>
+          <p:cNvPr id="285" name="テキスト ボックス 284">
+            <a:extLst>
+              <a:ext uri="{FF2B5EF4-FFF2-40B4-BE49-F238E27FC236}">
+                <a16:creationId xmlns:a16="http://schemas.microsoft.com/office/drawing/2014/main" id="{6C498AC0-B42E-FA58-8908-69E87AAA8C4E}"/>
+              </a:ext>
+            </a:extLst>
+          </p:cNvPr>
+          <p:cNvSpPr txBox="1"/>
+          <p:nvPr/>
+        </p:nvSpPr>
+        <p:spPr>
+          <a:xfrm>
+            <a:off x="9485816" y="2036818"/>
+            <a:ext cx="746970" cy="369332"/>
+          </a:xfrm>
+          <a:prstGeom prst="rect">
+            <a:avLst/>
+          </a:prstGeom>
+          <a:noFill/>
+        </p:spPr>
+        <p:txBody>
+          <a:bodyPr wrap="square" rtlCol="0">
+            <a:spAutoFit/>
+          </a:bodyPr>
+          <a:lstStyle/>
+          <a:p>
+            <a:pPr algn="ctr"/>
+            <a:r>
+              <a:rPr lang="en-US" altLang="ja-JP" dirty="0">
+                <a:solidFill>
+                  <a:schemeClr val="accent1"/>
+                </a:solidFill>
+              </a:rPr>
+              <a:t>0.92</a:t>
+            </a:r>
+            <a:endParaRPr kumimoji="1" lang="ja-JP" altLang="en-US" dirty="0">
+              <a:solidFill>
+                <a:schemeClr val="accent1"/>
+              </a:solidFill>
+            </a:endParaRPr>
+          </a:p>
+        </p:txBody>
+      </p:sp>
+      <p:sp>
+        <p:nvSpPr>
+          <p:cNvPr id="290" name="テキスト ボックス 289">
+            <a:extLst>
+              <a:ext uri="{FF2B5EF4-FFF2-40B4-BE49-F238E27FC236}">
+                <a16:creationId xmlns:a16="http://schemas.microsoft.com/office/drawing/2014/main" id="{D106941F-38F8-A34E-469E-E5EFAB79D0DB}"/>
+              </a:ext>
+            </a:extLst>
+          </p:cNvPr>
+          <p:cNvSpPr txBox="1"/>
+          <p:nvPr/>
+        </p:nvSpPr>
+        <p:spPr>
+          <a:xfrm>
+            <a:off x="5515695" y="4687441"/>
+            <a:ext cx="603775" cy="338554"/>
+          </a:xfrm>
+          <a:prstGeom prst="rect">
+            <a:avLst/>
+          </a:prstGeom>
+          <a:noFill/>
+        </p:spPr>
+        <p:txBody>
+          <a:bodyPr wrap="square" rtlCol="0">
+            <a:spAutoFit/>
+          </a:bodyPr>
+          <a:lstStyle/>
+          <a:p>
+            <a:pPr algn="ctr"/>
+            <a:r>
+              <a:rPr lang="en-US" altLang="ja-JP" sz="1600" dirty="0">
+                <a:solidFill>
+                  <a:schemeClr val="accent1"/>
+                </a:solidFill>
+              </a:rPr>
+              <a:t>0.99</a:t>
+            </a:r>
+            <a:endParaRPr kumimoji="1" lang="ja-JP" altLang="en-US" sz="1600" dirty="0">
+              <a:solidFill>
+                <a:schemeClr val="accent1"/>
+              </a:solidFill>
+            </a:endParaRPr>
+          </a:p>
+        </p:txBody>
+      </p:sp>
+      <p:cxnSp>
+        <p:nvCxnSpPr>
+          <p:cNvPr id="286" name="直線矢印コネクタ 285">
+            <a:extLst>
+              <a:ext uri="{FF2B5EF4-FFF2-40B4-BE49-F238E27FC236}">
+                <a16:creationId xmlns:a16="http://schemas.microsoft.com/office/drawing/2014/main" id="{CC5AF8A0-6785-CCA6-DB98-717E6544094D}"/>
+              </a:ext>
+            </a:extLst>
+          </p:cNvPr>
+          <p:cNvCxnSpPr>
+            <a:cxnSpLocks/>
+            <a:stCxn id="119" idx="6"/>
+            <a:endCxn id="122" idx="2"/>
+          </p:cNvCxnSpPr>
+          <p:nvPr/>
+        </p:nvCxnSpPr>
+        <p:spPr>
+          <a:xfrm flipV="1">
+            <a:off x="5279884" y="4984652"/>
+            <a:ext cx="1185773" cy="3685"/>
+          </a:xfrm>
+          <a:prstGeom prst="straightConnector1">
+            <a:avLst/>
+          </a:prstGeom>
+          <a:ln w="12700">
+            <a:tailEnd type="triangle"/>
           </a:ln>
         </p:spPr>
         <p:style>
@@ -9428,32 +11317,558 @@
       </p:cxnSp>
       <p:cxnSp>
         <p:nvCxnSpPr>
-          <p:cNvPr id="21" name="直線コネクタ 20">
-            <a:extLst>
-              <a:ext uri="{FF2B5EF4-FFF2-40B4-BE49-F238E27FC236}">
-                <a16:creationId xmlns:a16="http://schemas.microsoft.com/office/drawing/2014/main" id="{5070F677-61C6-9C9B-5F79-303AFF26D89A}"/>
+          <p:cNvPr id="292" name="直線矢印コネクタ 291">
+            <a:extLst>
+              <a:ext uri="{FF2B5EF4-FFF2-40B4-BE49-F238E27FC236}">
+                <a16:creationId xmlns:a16="http://schemas.microsoft.com/office/drawing/2014/main" id="{ACAB0967-B9D3-B15C-0CFF-B4E7DAC96D08}"/>
               </a:ext>
             </a:extLst>
           </p:cNvPr>
           <p:cNvCxnSpPr>
             <a:cxnSpLocks/>
-            <a:stCxn id="50" idx="5"/>
-            <a:endCxn id="28" idx="1"/>
+            <a:stCxn id="122" idx="6"/>
+            <a:endCxn id="128" idx="2"/>
           </p:cNvCxnSpPr>
           <p:nvPr/>
         </p:nvCxnSpPr>
         <p:spPr>
-          <a:xfrm>
-            <a:off x="6496848" y="2778987"/>
-            <a:ext cx="727330" cy="699879"/>
-          </a:xfrm>
-          <a:prstGeom prst="line">
-            <a:avLst/>
-          </a:prstGeom>
-          <a:ln>
-            <a:solidFill>
-              <a:schemeClr val="tx1"/>
-            </a:solidFill>
+          <a:xfrm flipV="1">
+            <a:off x="7069433" y="4980647"/>
+            <a:ext cx="689886" cy="4005"/>
+          </a:xfrm>
+          <a:prstGeom prst="straightConnector1">
+            <a:avLst/>
+          </a:prstGeom>
+          <a:ln w="12700">
+            <a:tailEnd type="triangle"/>
+          </a:ln>
+        </p:spPr>
+        <p:style>
+          <a:lnRef idx="1">
+            <a:schemeClr val="accent1"/>
+          </a:lnRef>
+          <a:fillRef idx="0">
+            <a:schemeClr val="accent1"/>
+          </a:fillRef>
+          <a:effectRef idx="0">
+            <a:schemeClr val="accent1"/>
+          </a:effectRef>
+          <a:fontRef idx="minor">
+            <a:schemeClr val="tx1"/>
+          </a:fontRef>
+        </p:style>
+      </p:cxnSp>
+      <p:sp>
+        <p:nvSpPr>
+          <p:cNvPr id="295" name="テキスト ボックス 294">
+            <a:extLst>
+              <a:ext uri="{FF2B5EF4-FFF2-40B4-BE49-F238E27FC236}">
+                <a16:creationId xmlns:a16="http://schemas.microsoft.com/office/drawing/2014/main" id="{5A0DA19E-56AF-276B-B0E7-F1455D8F565A}"/>
+              </a:ext>
+            </a:extLst>
+          </p:cNvPr>
+          <p:cNvSpPr txBox="1"/>
+          <p:nvPr/>
+        </p:nvSpPr>
+        <p:spPr>
+          <a:xfrm>
+            <a:off x="7118454" y="4675949"/>
+            <a:ext cx="603775" cy="338554"/>
+          </a:xfrm>
+          <a:prstGeom prst="rect">
+            <a:avLst/>
+          </a:prstGeom>
+          <a:noFill/>
+        </p:spPr>
+        <p:txBody>
+          <a:bodyPr wrap="square" rtlCol="0">
+            <a:spAutoFit/>
+          </a:bodyPr>
+          <a:lstStyle/>
+          <a:p>
+            <a:pPr algn="ctr"/>
+            <a:r>
+              <a:rPr lang="en-US" altLang="ja-JP" sz="1600" dirty="0">
+                <a:solidFill>
+                  <a:schemeClr val="accent1"/>
+                </a:solidFill>
+              </a:rPr>
+              <a:t>0.76</a:t>
+            </a:r>
+            <a:endParaRPr kumimoji="1" lang="ja-JP" altLang="en-US" sz="1600" dirty="0">
+              <a:solidFill>
+                <a:schemeClr val="accent1"/>
+              </a:solidFill>
+            </a:endParaRPr>
+          </a:p>
+        </p:txBody>
+      </p:sp>
+      <p:cxnSp>
+        <p:nvCxnSpPr>
+          <p:cNvPr id="296" name="直線矢印コネクタ 295">
+            <a:extLst>
+              <a:ext uri="{FF2B5EF4-FFF2-40B4-BE49-F238E27FC236}">
+                <a16:creationId xmlns:a16="http://schemas.microsoft.com/office/drawing/2014/main" id="{31AE3CB3-79DB-7B13-8A6B-1B8FA8CC0B14}"/>
+              </a:ext>
+            </a:extLst>
+          </p:cNvPr>
+          <p:cNvCxnSpPr>
+            <a:cxnSpLocks/>
+            <a:stCxn id="128" idx="1"/>
+            <a:endCxn id="118" idx="4"/>
+          </p:cNvCxnSpPr>
+          <p:nvPr/>
+        </p:nvCxnSpPr>
+        <p:spPr>
+          <a:xfrm flipH="1" flipV="1">
+            <a:off x="5473883" y="2709582"/>
+            <a:ext cx="2373857" cy="2056506"/>
+          </a:xfrm>
+          <a:prstGeom prst="straightConnector1">
+            <a:avLst/>
+          </a:prstGeom>
+          <a:ln w="12700">
+            <a:tailEnd type="triangle"/>
+          </a:ln>
+        </p:spPr>
+        <p:style>
+          <a:lnRef idx="1">
+            <a:schemeClr val="accent1"/>
+          </a:lnRef>
+          <a:fillRef idx="0">
+            <a:schemeClr val="accent1"/>
+          </a:fillRef>
+          <a:effectRef idx="0">
+            <a:schemeClr val="accent1"/>
+          </a:effectRef>
+          <a:fontRef idx="minor">
+            <a:schemeClr val="tx1"/>
+          </a:fontRef>
+        </p:style>
+      </p:cxnSp>
+      <p:sp>
+        <p:nvSpPr>
+          <p:cNvPr id="299" name="テキスト ボックス 298">
+            <a:extLst>
+              <a:ext uri="{FF2B5EF4-FFF2-40B4-BE49-F238E27FC236}">
+                <a16:creationId xmlns:a16="http://schemas.microsoft.com/office/drawing/2014/main" id="{E117FDBE-DB4B-F8D0-9CC8-2787A0B75DC7}"/>
+              </a:ext>
+            </a:extLst>
+          </p:cNvPr>
+          <p:cNvSpPr txBox="1"/>
+          <p:nvPr/>
+        </p:nvSpPr>
+        <p:spPr>
+          <a:xfrm>
+            <a:off x="6455126" y="3419835"/>
+            <a:ext cx="746970" cy="369332"/>
+          </a:xfrm>
+          <a:prstGeom prst="rect">
+            <a:avLst/>
+          </a:prstGeom>
+          <a:noFill/>
+        </p:spPr>
+        <p:txBody>
+          <a:bodyPr wrap="square" rtlCol="0">
+            <a:spAutoFit/>
+          </a:bodyPr>
+          <a:lstStyle/>
+          <a:p>
+            <a:pPr algn="ctr"/>
+            <a:r>
+              <a:rPr lang="en-US" altLang="ja-JP" dirty="0">
+                <a:solidFill>
+                  <a:schemeClr val="accent1"/>
+                </a:solidFill>
+              </a:rPr>
+              <a:t>0.97</a:t>
+            </a:r>
+            <a:endParaRPr kumimoji="1" lang="ja-JP" altLang="en-US" dirty="0">
+              <a:solidFill>
+                <a:schemeClr val="accent1"/>
+              </a:solidFill>
+            </a:endParaRPr>
+          </a:p>
+        </p:txBody>
+      </p:sp>
+      <p:cxnSp>
+        <p:nvCxnSpPr>
+          <p:cNvPr id="300" name="直線矢印コネクタ 299">
+            <a:extLst>
+              <a:ext uri="{FF2B5EF4-FFF2-40B4-BE49-F238E27FC236}">
+                <a16:creationId xmlns:a16="http://schemas.microsoft.com/office/drawing/2014/main" id="{B3EC456A-AC87-98D0-BF18-064E0AE4A2D8}"/>
+              </a:ext>
+            </a:extLst>
+          </p:cNvPr>
+          <p:cNvCxnSpPr>
+            <a:cxnSpLocks/>
+            <a:stCxn id="131" idx="0"/>
+            <a:endCxn id="118" idx="2"/>
+          </p:cNvCxnSpPr>
+          <p:nvPr/>
+        </p:nvCxnSpPr>
+        <p:spPr>
+          <a:xfrm flipV="1">
+            <a:off x="4420460" y="2406151"/>
+            <a:ext cx="751535" cy="1050697"/>
+          </a:xfrm>
+          <a:prstGeom prst="straightConnector1">
+            <a:avLst/>
+          </a:prstGeom>
+          <a:ln w="12700">
+            <a:tailEnd type="triangle"/>
+          </a:ln>
+        </p:spPr>
+        <p:style>
+          <a:lnRef idx="1">
+            <a:schemeClr val="accent1"/>
+          </a:lnRef>
+          <a:fillRef idx="0">
+            <a:schemeClr val="accent1"/>
+          </a:fillRef>
+          <a:effectRef idx="0">
+            <a:schemeClr val="accent1"/>
+          </a:effectRef>
+          <a:fontRef idx="minor">
+            <a:schemeClr val="tx1"/>
+          </a:fontRef>
+        </p:style>
+      </p:cxnSp>
+      <p:sp>
+        <p:nvSpPr>
+          <p:cNvPr id="303" name="テキスト ボックス 302">
+            <a:extLst>
+              <a:ext uri="{FF2B5EF4-FFF2-40B4-BE49-F238E27FC236}">
+                <a16:creationId xmlns:a16="http://schemas.microsoft.com/office/drawing/2014/main" id="{E377244C-29D7-5916-9DE4-873EA6E165BA}"/>
+              </a:ext>
+            </a:extLst>
+          </p:cNvPr>
+          <p:cNvSpPr txBox="1"/>
+          <p:nvPr/>
+        </p:nvSpPr>
+        <p:spPr>
+          <a:xfrm>
+            <a:off x="3959467" y="2710576"/>
+            <a:ext cx="746970" cy="369332"/>
+          </a:xfrm>
+          <a:prstGeom prst="rect">
+            <a:avLst/>
+          </a:prstGeom>
+          <a:noFill/>
+        </p:spPr>
+        <p:txBody>
+          <a:bodyPr wrap="square" rtlCol="0">
+            <a:spAutoFit/>
+          </a:bodyPr>
+          <a:lstStyle/>
+          <a:p>
+            <a:pPr algn="ctr"/>
+            <a:r>
+              <a:rPr lang="en-US" altLang="ja-JP" dirty="0">
+                <a:solidFill>
+                  <a:schemeClr val="accent1"/>
+                </a:solidFill>
+              </a:rPr>
+              <a:t>0.96</a:t>
+            </a:r>
+            <a:endParaRPr kumimoji="1" lang="ja-JP" altLang="en-US" dirty="0">
+              <a:solidFill>
+                <a:schemeClr val="accent1"/>
+              </a:solidFill>
+            </a:endParaRPr>
+          </a:p>
+        </p:txBody>
+      </p:sp>
+      <p:cxnSp>
+        <p:nvCxnSpPr>
+          <p:cNvPr id="304" name="直線矢印コネクタ 303">
+            <a:extLst>
+              <a:ext uri="{FF2B5EF4-FFF2-40B4-BE49-F238E27FC236}">
+                <a16:creationId xmlns:a16="http://schemas.microsoft.com/office/drawing/2014/main" id="{1096ED48-AA4F-D897-F90A-D953CC410848}"/>
+              </a:ext>
+            </a:extLst>
+          </p:cNvPr>
+          <p:cNvCxnSpPr>
+            <a:cxnSpLocks/>
+            <a:stCxn id="126" idx="7"/>
+            <a:endCxn id="119" idx="3"/>
+          </p:cNvCxnSpPr>
+          <p:nvPr/>
+        </p:nvCxnSpPr>
+        <p:spPr>
+          <a:xfrm flipV="1">
+            <a:off x="3744435" y="5202895"/>
+            <a:ext cx="1020094" cy="610508"/>
+          </a:xfrm>
+          <a:prstGeom prst="straightConnector1">
+            <a:avLst/>
+          </a:prstGeom>
+          <a:ln w="12700">
+            <a:tailEnd type="triangle"/>
+          </a:ln>
+        </p:spPr>
+        <p:style>
+          <a:lnRef idx="1">
+            <a:schemeClr val="accent1"/>
+          </a:lnRef>
+          <a:fillRef idx="0">
+            <a:schemeClr val="accent1"/>
+          </a:fillRef>
+          <a:effectRef idx="0">
+            <a:schemeClr val="accent1"/>
+          </a:effectRef>
+          <a:fontRef idx="minor">
+            <a:schemeClr val="tx1"/>
+          </a:fontRef>
+        </p:style>
+      </p:cxnSp>
+      <p:sp>
+        <p:nvSpPr>
+          <p:cNvPr id="307" name="テキスト ボックス 306">
+            <a:extLst>
+              <a:ext uri="{FF2B5EF4-FFF2-40B4-BE49-F238E27FC236}">
+                <a16:creationId xmlns:a16="http://schemas.microsoft.com/office/drawing/2014/main" id="{15C1DF66-EED2-7243-129E-CEE0EC14F1B7}"/>
+              </a:ext>
+            </a:extLst>
+          </p:cNvPr>
+          <p:cNvSpPr txBox="1"/>
+          <p:nvPr/>
+        </p:nvSpPr>
+        <p:spPr>
+          <a:xfrm>
+            <a:off x="3530968" y="5394965"/>
+            <a:ext cx="603775" cy="338554"/>
+          </a:xfrm>
+          <a:prstGeom prst="rect">
+            <a:avLst/>
+          </a:prstGeom>
+          <a:noFill/>
+        </p:spPr>
+        <p:txBody>
+          <a:bodyPr wrap="square" rtlCol="0">
+            <a:spAutoFit/>
+          </a:bodyPr>
+          <a:lstStyle/>
+          <a:p>
+            <a:pPr algn="ctr"/>
+            <a:r>
+              <a:rPr lang="en-US" altLang="ja-JP" sz="1600" dirty="0">
+                <a:solidFill>
+                  <a:schemeClr val="accent1"/>
+                </a:solidFill>
+              </a:rPr>
+              <a:t>0.99</a:t>
+            </a:r>
+            <a:endParaRPr kumimoji="1" lang="ja-JP" altLang="en-US" sz="1600" dirty="0">
+              <a:solidFill>
+                <a:schemeClr val="accent1"/>
+              </a:solidFill>
+            </a:endParaRPr>
+          </a:p>
+        </p:txBody>
+      </p:sp>
+      <p:cxnSp>
+        <p:nvCxnSpPr>
+          <p:cNvPr id="313" name="直線矢印コネクタ 312">
+            <a:extLst>
+              <a:ext uri="{FF2B5EF4-FFF2-40B4-BE49-F238E27FC236}">
+                <a16:creationId xmlns:a16="http://schemas.microsoft.com/office/drawing/2014/main" id="{2D419127-751E-F0D6-3262-3687896D457D}"/>
+              </a:ext>
+            </a:extLst>
+          </p:cNvPr>
+          <p:cNvCxnSpPr>
+            <a:cxnSpLocks/>
+            <a:stCxn id="125" idx="1"/>
+            <a:endCxn id="119" idx="5"/>
+          </p:cNvCxnSpPr>
+          <p:nvPr/>
+        </p:nvCxnSpPr>
+        <p:spPr>
+          <a:xfrm flipH="1" flipV="1">
+            <a:off x="5191463" y="5202895"/>
+            <a:ext cx="1360157" cy="650643"/>
+          </a:xfrm>
+          <a:prstGeom prst="straightConnector1">
+            <a:avLst/>
+          </a:prstGeom>
+          <a:ln w="12700">
+            <a:tailEnd type="triangle"/>
+          </a:ln>
+        </p:spPr>
+        <p:style>
+          <a:lnRef idx="1">
+            <a:schemeClr val="accent1"/>
+          </a:lnRef>
+          <a:fillRef idx="0">
+            <a:schemeClr val="accent1"/>
+          </a:fillRef>
+          <a:effectRef idx="0">
+            <a:schemeClr val="accent1"/>
+          </a:effectRef>
+          <a:fontRef idx="minor">
+            <a:schemeClr val="tx1"/>
+          </a:fontRef>
+        </p:style>
+      </p:cxnSp>
+      <p:sp>
+        <p:nvSpPr>
+          <p:cNvPr id="317" name="テキスト ボックス 316">
+            <a:extLst>
+              <a:ext uri="{FF2B5EF4-FFF2-40B4-BE49-F238E27FC236}">
+                <a16:creationId xmlns:a16="http://schemas.microsoft.com/office/drawing/2014/main" id="{90726A03-D676-F3D6-882C-F8ABEBA73EA2}"/>
+              </a:ext>
+            </a:extLst>
+          </p:cNvPr>
+          <p:cNvSpPr txBox="1"/>
+          <p:nvPr/>
+        </p:nvSpPr>
+        <p:spPr>
+          <a:xfrm>
+            <a:off x="5956653" y="5444738"/>
+            <a:ext cx="603775" cy="338554"/>
+          </a:xfrm>
+          <a:prstGeom prst="rect">
+            <a:avLst/>
+          </a:prstGeom>
+          <a:noFill/>
+        </p:spPr>
+        <p:txBody>
+          <a:bodyPr wrap="square" rtlCol="0">
+            <a:spAutoFit/>
+          </a:bodyPr>
+          <a:lstStyle/>
+          <a:p>
+            <a:pPr algn="ctr"/>
+            <a:r>
+              <a:rPr kumimoji="1" lang="en-US" altLang="ja-JP" sz="1600" dirty="0">
+                <a:solidFill>
+                  <a:schemeClr val="accent1"/>
+                </a:solidFill>
+              </a:rPr>
+              <a:t>1</a:t>
+            </a:r>
+            <a:endParaRPr kumimoji="1" lang="ja-JP" altLang="en-US" sz="1600" dirty="0">
+              <a:solidFill>
+                <a:schemeClr val="accent1"/>
+              </a:solidFill>
+            </a:endParaRPr>
+          </a:p>
+        </p:txBody>
+      </p:sp>
+      <p:cxnSp>
+        <p:nvCxnSpPr>
+          <p:cNvPr id="322" name="直線矢印コネクタ 321">
+            <a:extLst>
+              <a:ext uri="{FF2B5EF4-FFF2-40B4-BE49-F238E27FC236}">
+                <a16:creationId xmlns:a16="http://schemas.microsoft.com/office/drawing/2014/main" id="{06A06893-A961-2460-E159-29F26D6FFFE7}"/>
+              </a:ext>
+            </a:extLst>
+          </p:cNvPr>
+          <p:cNvCxnSpPr>
+            <a:cxnSpLocks/>
+            <a:stCxn id="123" idx="5"/>
+            <a:endCxn id="118" idx="7"/>
+          </p:cNvCxnSpPr>
+          <p:nvPr/>
+        </p:nvCxnSpPr>
+        <p:spPr>
+          <a:xfrm>
+            <a:off x="4558345" y="1201666"/>
+            <a:ext cx="1129005" cy="989926"/>
+          </a:xfrm>
+          <a:prstGeom prst="straightConnector1">
+            <a:avLst/>
+          </a:prstGeom>
+          <a:ln w="12700">
+            <a:tailEnd type="triangle"/>
+          </a:ln>
+        </p:spPr>
+        <p:style>
+          <a:lnRef idx="1">
+            <a:schemeClr val="accent1"/>
+          </a:lnRef>
+          <a:fillRef idx="0">
+            <a:schemeClr val="accent1"/>
+          </a:fillRef>
+          <a:effectRef idx="0">
+            <a:schemeClr val="accent1"/>
+          </a:effectRef>
+          <a:fontRef idx="minor">
+            <a:schemeClr val="tx1"/>
+          </a:fontRef>
+        </p:style>
+      </p:cxnSp>
+      <p:sp>
+        <p:nvSpPr>
+          <p:cNvPr id="333" name="テキスト ボックス 332">
+            <a:extLst>
+              <a:ext uri="{FF2B5EF4-FFF2-40B4-BE49-F238E27FC236}">
+                <a16:creationId xmlns:a16="http://schemas.microsoft.com/office/drawing/2014/main" id="{E09788F7-7292-DDF4-DE6E-47242A78ED5C}"/>
+              </a:ext>
+            </a:extLst>
+          </p:cNvPr>
+          <p:cNvSpPr txBox="1"/>
+          <p:nvPr/>
+        </p:nvSpPr>
+        <p:spPr>
+          <a:xfrm>
+            <a:off x="4824328" y="1313202"/>
+            <a:ext cx="746970" cy="369332"/>
+          </a:xfrm>
+          <a:prstGeom prst="rect">
+            <a:avLst/>
+          </a:prstGeom>
+          <a:noFill/>
+        </p:spPr>
+        <p:txBody>
+          <a:bodyPr wrap="square" rtlCol="0">
+            <a:spAutoFit/>
+          </a:bodyPr>
+          <a:lstStyle/>
+          <a:p>
+            <a:pPr algn="ctr"/>
+            <a:r>
+              <a:rPr lang="en-US" altLang="ja-JP" dirty="0">
+                <a:solidFill>
+                  <a:schemeClr val="accent1"/>
+                </a:solidFill>
+              </a:rPr>
+              <a:t>0.99</a:t>
+            </a:r>
+            <a:endParaRPr kumimoji="1" lang="ja-JP" altLang="en-US" dirty="0">
+              <a:solidFill>
+                <a:schemeClr val="accent1"/>
+              </a:solidFill>
+            </a:endParaRPr>
+          </a:p>
+        </p:txBody>
+      </p:sp>
+      <p:cxnSp>
+        <p:nvCxnSpPr>
+          <p:cNvPr id="334" name="直線矢印コネクタ 333">
+            <a:extLst>
+              <a:ext uri="{FF2B5EF4-FFF2-40B4-BE49-F238E27FC236}">
+                <a16:creationId xmlns:a16="http://schemas.microsoft.com/office/drawing/2014/main" id="{AC56233C-3FC5-A90F-E52C-15B46E624872}"/>
+              </a:ext>
+            </a:extLst>
+          </p:cNvPr>
+          <p:cNvCxnSpPr>
+            <a:cxnSpLocks/>
+            <a:stCxn id="121" idx="7"/>
+            <a:endCxn id="130" idx="1"/>
+          </p:cNvCxnSpPr>
+          <p:nvPr/>
+        </p:nvCxnSpPr>
+        <p:spPr>
+          <a:xfrm flipV="1">
+            <a:off x="7718664" y="3349879"/>
+            <a:ext cx="2033169" cy="329"/>
+          </a:xfrm>
+          <a:prstGeom prst="straightConnector1">
+            <a:avLst/>
+          </a:prstGeom>
+          <a:ln w="12700">
+            <a:tailEnd type="triangle"/>
           </a:ln>
         </p:spPr>
         <p:style>
@@ -9473,32 +11888,216 @@
       </p:cxnSp>
       <p:cxnSp>
         <p:nvCxnSpPr>
-          <p:cNvPr id="24" name="直線コネクタ 23">
-            <a:extLst>
-              <a:ext uri="{FF2B5EF4-FFF2-40B4-BE49-F238E27FC236}">
-                <a16:creationId xmlns:a16="http://schemas.microsoft.com/office/drawing/2014/main" id="{F82A930C-F5AB-FBE4-A327-C027ABD864A4}"/>
+          <p:cNvPr id="337" name="直線矢印コネクタ 336">
+            <a:extLst>
+              <a:ext uri="{FF2B5EF4-FFF2-40B4-BE49-F238E27FC236}">
+                <a16:creationId xmlns:a16="http://schemas.microsoft.com/office/drawing/2014/main" id="{9A98E848-309D-8069-0C72-D00C79095809}"/>
               </a:ext>
             </a:extLst>
           </p:cNvPr>
           <p:cNvCxnSpPr>
             <a:cxnSpLocks/>
-            <a:stCxn id="36" idx="7"/>
-            <a:endCxn id="28" idx="3"/>
+            <a:stCxn id="130" idx="3"/>
+            <a:endCxn id="121" idx="5"/>
           </p:cNvCxnSpPr>
           <p:nvPr/>
         </p:nvCxnSpPr>
         <p:spPr>
-          <a:xfrm flipV="1">
-            <a:off x="6497837" y="3935890"/>
-            <a:ext cx="726341" cy="592179"/>
-          </a:xfrm>
-          <a:prstGeom prst="line">
-            <a:avLst/>
-          </a:prstGeom>
-          <a:ln>
+          <a:xfrm flipH="1">
+            <a:off x="7718664" y="3778996"/>
+            <a:ext cx="2033169" cy="329"/>
+          </a:xfrm>
+          <a:prstGeom prst="straightConnector1">
+            <a:avLst/>
+          </a:prstGeom>
+          <a:ln w="12700">
+            <a:tailEnd type="triangle"/>
+          </a:ln>
+        </p:spPr>
+        <p:style>
+          <a:lnRef idx="1">
+            <a:schemeClr val="accent1"/>
+          </a:lnRef>
+          <a:fillRef idx="0">
+            <a:schemeClr val="accent1"/>
+          </a:fillRef>
+          <a:effectRef idx="0">
+            <a:schemeClr val="accent1"/>
+          </a:effectRef>
+          <a:fontRef idx="minor">
+            <a:schemeClr val="tx1"/>
+          </a:fontRef>
+        </p:style>
+      </p:cxnSp>
+      <p:sp>
+        <p:nvSpPr>
+          <p:cNvPr id="341" name="テキスト ボックス 340">
+            <a:extLst>
+              <a:ext uri="{FF2B5EF4-FFF2-40B4-BE49-F238E27FC236}">
+                <a16:creationId xmlns:a16="http://schemas.microsoft.com/office/drawing/2014/main" id="{5907A6AF-6D0E-6C5C-C341-B020C7625A43}"/>
+              </a:ext>
+            </a:extLst>
+          </p:cNvPr>
+          <p:cNvSpPr txBox="1"/>
+          <p:nvPr/>
+        </p:nvSpPr>
+        <p:spPr>
+          <a:xfrm>
+            <a:off x="8303876" y="3012224"/>
+            <a:ext cx="746970" cy="369332"/>
+          </a:xfrm>
+          <a:prstGeom prst="rect">
+            <a:avLst/>
+          </a:prstGeom>
+          <a:noFill/>
+        </p:spPr>
+        <p:txBody>
+          <a:bodyPr wrap="square" rtlCol="0">
+            <a:spAutoFit/>
+          </a:bodyPr>
+          <a:lstStyle/>
+          <a:p>
+            <a:pPr algn="ctr"/>
+            <a:r>
+              <a:rPr lang="en-US" altLang="ja-JP" dirty="0">
+                <a:solidFill>
+                  <a:schemeClr val="accent1"/>
+                </a:solidFill>
+              </a:rPr>
+              <a:t>0.90</a:t>
+            </a:r>
+            <a:endParaRPr kumimoji="1" lang="ja-JP" altLang="en-US" dirty="0">
+              <a:solidFill>
+                <a:schemeClr val="accent1"/>
+              </a:solidFill>
+            </a:endParaRPr>
+          </a:p>
+        </p:txBody>
+      </p:sp>
+      <p:sp>
+        <p:nvSpPr>
+          <p:cNvPr id="342" name="テキスト ボックス 341">
+            <a:extLst>
+              <a:ext uri="{FF2B5EF4-FFF2-40B4-BE49-F238E27FC236}">
+                <a16:creationId xmlns:a16="http://schemas.microsoft.com/office/drawing/2014/main" id="{B23B57E0-DB53-3C7B-4FCD-FCDB4BD15617}"/>
+              </a:ext>
+            </a:extLst>
+          </p:cNvPr>
+          <p:cNvSpPr txBox="1"/>
+          <p:nvPr/>
+        </p:nvSpPr>
+        <p:spPr>
+          <a:xfrm>
+            <a:off x="8281024" y="3766244"/>
+            <a:ext cx="746970" cy="369332"/>
+          </a:xfrm>
+          <a:prstGeom prst="rect">
+            <a:avLst/>
+          </a:prstGeom>
+          <a:noFill/>
+        </p:spPr>
+        <p:txBody>
+          <a:bodyPr wrap="square" rtlCol="0">
+            <a:spAutoFit/>
+          </a:bodyPr>
+          <a:lstStyle/>
+          <a:p>
+            <a:pPr algn="ctr"/>
+            <a:r>
+              <a:rPr lang="en-US" altLang="ja-JP" dirty="0">
+                <a:solidFill>
+                  <a:schemeClr val="accent1"/>
+                </a:solidFill>
+              </a:rPr>
+              <a:t>0.98</a:t>
+            </a:r>
+            <a:endParaRPr kumimoji="1" lang="ja-JP" altLang="en-US" dirty="0">
+              <a:solidFill>
+                <a:schemeClr val="accent1"/>
+              </a:solidFill>
+            </a:endParaRPr>
+          </a:p>
+        </p:txBody>
+      </p:sp>
+      <p:sp>
+        <p:nvSpPr>
+          <p:cNvPr id="357" name="テキスト ボックス 356">
+            <a:extLst>
+              <a:ext uri="{FF2B5EF4-FFF2-40B4-BE49-F238E27FC236}">
+                <a16:creationId xmlns:a16="http://schemas.microsoft.com/office/drawing/2014/main" id="{17E3D01C-16FB-CE9E-BB2C-57BAE6DEA47A}"/>
+              </a:ext>
+            </a:extLst>
+          </p:cNvPr>
+          <p:cNvSpPr txBox="1"/>
+          <p:nvPr/>
+        </p:nvSpPr>
+        <p:spPr>
+          <a:xfrm>
+            <a:off x="5318281" y="3884328"/>
+            <a:ext cx="746970" cy="369332"/>
+          </a:xfrm>
+          <a:prstGeom prst="rect">
+            <a:avLst/>
+          </a:prstGeom>
+          <a:noFill/>
+        </p:spPr>
+        <p:txBody>
+          <a:bodyPr wrap="square" rtlCol="0">
+            <a:spAutoFit/>
+          </a:bodyPr>
+          <a:lstStyle/>
+          <a:p>
+            <a:pPr algn="ctr"/>
+            <a:r>
+              <a:rPr kumimoji="1" lang="en-US" altLang="ja-JP" dirty="0">
+                <a:solidFill>
+                  <a:schemeClr val="accent2"/>
+                </a:solidFill>
+              </a:rPr>
+              <a:t>0.99</a:t>
+            </a:r>
+            <a:endParaRPr kumimoji="1" lang="ja-JP" altLang="en-US" dirty="0">
+              <a:solidFill>
+                <a:schemeClr val="accent2"/>
+              </a:solidFill>
+            </a:endParaRPr>
+          </a:p>
+        </p:txBody>
+      </p:sp>
+      <p:cxnSp>
+        <p:nvCxnSpPr>
+          <p:cNvPr id="358" name="コネクタ: 曲線 357">
+            <a:extLst>
+              <a:ext uri="{FF2B5EF4-FFF2-40B4-BE49-F238E27FC236}">
+                <a16:creationId xmlns:a16="http://schemas.microsoft.com/office/drawing/2014/main" id="{F961DD98-05D6-8D3E-716C-5E76B2165F68}"/>
+              </a:ext>
+            </a:extLst>
+          </p:cNvPr>
+          <p:cNvCxnSpPr>
+            <a:cxnSpLocks/>
+            <a:stCxn id="130" idx="5"/>
+            <a:endCxn id="130" idx="7"/>
+          </p:cNvCxnSpPr>
+          <p:nvPr/>
+        </p:nvCxnSpPr>
+        <p:spPr>
+          <a:xfrm rot="5400000" flipH="1">
+            <a:off x="9964208" y="3564438"/>
+            <a:ext cx="429117" cy="12700"/>
+          </a:xfrm>
+          <a:prstGeom prst="curvedConnector5">
+            <a:avLst>
+              <a:gd name="adj1" fmla="val -53272"/>
+              <a:gd name="adj2" fmla="val -5046646"/>
+              <a:gd name="adj3" fmla="val 153272"/>
+            </a:avLst>
+          </a:prstGeom>
+          <a:ln w="12700">
             <a:solidFill>
-              <a:schemeClr val="tx1"/>
+              <a:schemeClr val="accent2"/>
             </a:solidFill>
+            <a:prstDash val="sysDash"/>
+            <a:tailEnd type="triangle"/>
           </a:ln>
         </p:spPr>
         <p:style>
@@ -9518,32 +12117,34 @@
       </p:cxnSp>
       <p:cxnSp>
         <p:nvCxnSpPr>
-          <p:cNvPr id="35" name="直線コネクタ 34">
-            <a:extLst>
-              <a:ext uri="{FF2B5EF4-FFF2-40B4-BE49-F238E27FC236}">
-                <a16:creationId xmlns:a16="http://schemas.microsoft.com/office/drawing/2014/main" id="{3394F000-E77A-B6D4-022D-10AACDA928FB}"/>
+          <p:cNvPr id="363" name="直線矢印コネクタ 362">
+            <a:extLst>
+              <a:ext uri="{FF2B5EF4-FFF2-40B4-BE49-F238E27FC236}">
+                <a16:creationId xmlns:a16="http://schemas.microsoft.com/office/drawing/2014/main" id="{507F5C34-D102-1F30-8E39-7600FF9EC8FE}"/>
               </a:ext>
             </a:extLst>
           </p:cNvPr>
           <p:cNvCxnSpPr>
             <a:cxnSpLocks/>
-            <a:stCxn id="58" idx="6"/>
-            <a:endCxn id="50" idx="1"/>
+            <a:stCxn id="130" idx="3"/>
+            <a:endCxn id="128" idx="0"/>
           </p:cNvCxnSpPr>
           <p:nvPr/>
         </p:nvCxnSpPr>
         <p:spPr>
-          <a:xfrm>
-            <a:off x="5368679" y="2024951"/>
-            <a:ext cx="654568" cy="297012"/>
-          </a:xfrm>
-          <a:prstGeom prst="line">
-            <a:avLst/>
-          </a:prstGeom>
-          <a:ln>
+          <a:xfrm flipH="1">
+            <a:off x="8061207" y="3778996"/>
+            <a:ext cx="1690626" cy="898219"/>
+          </a:xfrm>
+          <a:prstGeom prst="straightConnector1">
+            <a:avLst/>
+          </a:prstGeom>
+          <a:ln w="12700">
             <a:solidFill>
-              <a:schemeClr val="tx1"/>
+              <a:schemeClr val="accent2"/>
             </a:solidFill>
+            <a:prstDash val="sysDash"/>
+            <a:tailEnd type="triangle"/>
           </a:ln>
         </p:spPr>
         <p:style>
@@ -9563,31 +12164,1460 @@
       </p:cxnSp>
       <p:cxnSp>
         <p:nvCxnSpPr>
-          <p:cNvPr id="48" name="直線コネクタ 47">
-            <a:extLst>
-              <a:ext uri="{FF2B5EF4-FFF2-40B4-BE49-F238E27FC236}">
-                <a16:creationId xmlns:a16="http://schemas.microsoft.com/office/drawing/2014/main" id="{38153412-84F5-4E64-1F56-01EEB3020D40}"/>
+          <p:cNvPr id="380" name="直線矢印コネクタ 379">
+            <a:extLst>
+              <a:ext uri="{FF2B5EF4-FFF2-40B4-BE49-F238E27FC236}">
+                <a16:creationId xmlns:a16="http://schemas.microsoft.com/office/drawing/2014/main" id="{92BC32B9-FC91-6D0F-CD6A-726841D157A8}"/>
               </a:ext>
             </a:extLst>
           </p:cNvPr>
           <p:cNvCxnSpPr>
             <a:cxnSpLocks/>
-            <a:stCxn id="71" idx="7"/>
+            <a:stCxn id="121" idx="1"/>
+            <a:endCxn id="118" idx="5"/>
           </p:cNvCxnSpPr>
           <p:nvPr/>
         </p:nvCxnSpPr>
         <p:spPr>
+          <a:xfrm flipH="1" flipV="1">
+            <a:off x="5687350" y="2620709"/>
+            <a:ext cx="1604380" cy="729499"/>
+          </a:xfrm>
+          <a:prstGeom prst="straightConnector1">
+            <a:avLst/>
+          </a:prstGeom>
+          <a:ln w="12700">
+            <a:solidFill>
+              <a:schemeClr val="accent2"/>
+            </a:solidFill>
+            <a:prstDash val="sysDash"/>
+            <a:tailEnd type="triangle"/>
+          </a:ln>
+        </p:spPr>
+        <p:style>
+          <a:lnRef idx="1">
+            <a:schemeClr val="accent1"/>
+          </a:lnRef>
+          <a:fillRef idx="0">
+            <a:schemeClr val="accent1"/>
+          </a:fillRef>
+          <a:effectRef idx="0">
+            <a:schemeClr val="accent1"/>
+          </a:effectRef>
+          <a:fontRef idx="minor">
+            <a:schemeClr val="tx1"/>
+          </a:fontRef>
+        </p:style>
+      </p:cxnSp>
+      <p:sp>
+        <p:nvSpPr>
+          <p:cNvPr id="384" name="テキスト ボックス 383">
+            <a:extLst>
+              <a:ext uri="{FF2B5EF4-FFF2-40B4-BE49-F238E27FC236}">
+                <a16:creationId xmlns:a16="http://schemas.microsoft.com/office/drawing/2014/main" id="{61A9A1A9-F8EC-3494-9154-3D2E4ECBA693}"/>
+              </a:ext>
+            </a:extLst>
+          </p:cNvPr>
+          <p:cNvSpPr txBox="1"/>
+          <p:nvPr/>
+        </p:nvSpPr>
+        <p:spPr>
+          <a:xfrm>
+            <a:off x="6084346" y="3014270"/>
+            <a:ext cx="746970" cy="369332"/>
+          </a:xfrm>
+          <a:prstGeom prst="rect">
+            <a:avLst/>
+          </a:prstGeom>
+          <a:noFill/>
+        </p:spPr>
+        <p:txBody>
+          <a:bodyPr wrap="square" rtlCol="0">
+            <a:spAutoFit/>
+          </a:bodyPr>
+          <a:lstStyle/>
+          <a:p>
+            <a:pPr algn="ctr"/>
+            <a:r>
+              <a:rPr kumimoji="1" lang="en-US" altLang="ja-JP" dirty="0">
+                <a:solidFill>
+                  <a:schemeClr val="accent2"/>
+                </a:solidFill>
+              </a:rPr>
+              <a:t>0.99</a:t>
+            </a:r>
+            <a:endParaRPr kumimoji="1" lang="ja-JP" altLang="en-US" dirty="0">
+              <a:solidFill>
+                <a:schemeClr val="accent2"/>
+              </a:solidFill>
+            </a:endParaRPr>
+          </a:p>
+        </p:txBody>
+      </p:sp>
+      <p:cxnSp>
+        <p:nvCxnSpPr>
+          <p:cNvPr id="390" name="直線矢印コネクタ 389">
+            <a:extLst>
+              <a:ext uri="{FF2B5EF4-FFF2-40B4-BE49-F238E27FC236}">
+                <a16:creationId xmlns:a16="http://schemas.microsoft.com/office/drawing/2014/main" id="{4F082148-4A09-0363-0C89-5944C2264729}"/>
+              </a:ext>
+            </a:extLst>
+          </p:cNvPr>
+          <p:cNvCxnSpPr>
+            <a:cxnSpLocks/>
+            <a:stCxn id="129" idx="0"/>
+            <a:endCxn id="393" idx="2"/>
+          </p:cNvCxnSpPr>
+          <p:nvPr/>
+        </p:nvCxnSpPr>
+        <p:spPr>
           <a:xfrm flipV="1">
-            <a:off x="5270592" y="2827499"/>
-            <a:ext cx="797105" cy="352320"/>
-          </a:xfrm>
-          <a:prstGeom prst="line">
-            <a:avLst/>
-          </a:prstGeom>
-          <a:ln>
+            <a:off x="3276033" y="1703856"/>
+            <a:ext cx="495359" cy="404111"/>
+          </a:xfrm>
+          <a:prstGeom prst="straightConnector1">
+            <a:avLst/>
+          </a:prstGeom>
+          <a:ln w="12700">
             <a:solidFill>
-              <a:schemeClr val="tx1"/>
+              <a:schemeClr val="accent2"/>
             </a:solidFill>
+            <a:prstDash val="sysDash"/>
+            <a:tailEnd type="triangle"/>
+          </a:ln>
+        </p:spPr>
+        <p:style>
+          <a:lnRef idx="1">
+            <a:schemeClr val="accent1"/>
+          </a:lnRef>
+          <a:fillRef idx="0">
+            <a:schemeClr val="accent1"/>
+          </a:fillRef>
+          <a:effectRef idx="0">
+            <a:schemeClr val="accent1"/>
+          </a:effectRef>
+          <a:fontRef idx="minor">
+            <a:schemeClr val="tx1"/>
+          </a:fontRef>
+        </p:style>
+      </p:cxnSp>
+      <p:sp>
+        <p:nvSpPr>
+          <p:cNvPr id="393" name="テキスト ボックス 392">
+            <a:extLst>
+              <a:ext uri="{FF2B5EF4-FFF2-40B4-BE49-F238E27FC236}">
+                <a16:creationId xmlns:a16="http://schemas.microsoft.com/office/drawing/2014/main" id="{383E34DF-A9DB-B1AB-BAAD-4E109D8EA763}"/>
+              </a:ext>
+            </a:extLst>
+          </p:cNvPr>
+          <p:cNvSpPr txBox="1"/>
+          <p:nvPr/>
+        </p:nvSpPr>
+        <p:spPr>
+          <a:xfrm>
+            <a:off x="3175749" y="1365302"/>
+            <a:ext cx="1191286" cy="338554"/>
+          </a:xfrm>
+          <a:prstGeom prst="rect">
+            <a:avLst/>
+          </a:prstGeom>
+        </p:spPr>
+        <p:style>
+          <a:lnRef idx="2">
+            <a:schemeClr val="accent2"/>
+          </a:lnRef>
+          <a:fillRef idx="1">
+            <a:schemeClr val="lt1"/>
+          </a:fillRef>
+          <a:effectRef idx="0">
+            <a:schemeClr val="accent2"/>
+          </a:effectRef>
+          <a:fontRef idx="minor">
+            <a:schemeClr val="dk1"/>
+          </a:fontRef>
+        </p:style>
+        <p:txBody>
+          <a:bodyPr wrap="square" rtlCol="0">
+            <a:spAutoFit/>
+          </a:bodyPr>
+          <a:lstStyle/>
+          <a:p>
+            <a:r>
+              <a:rPr lang="en-US" altLang="ja-JP" sz="1600" dirty="0"/>
+              <a:t>f</a:t>
+            </a:r>
+            <a:r>
+              <a:rPr kumimoji="1" lang="en-US" altLang="ja-JP" sz="1600" dirty="0"/>
+              <a:t>or state 6</a:t>
+            </a:r>
+            <a:endParaRPr kumimoji="1" lang="ja-JP" altLang="en-US" sz="1600" dirty="0"/>
+          </a:p>
+        </p:txBody>
+      </p:sp>
+      <p:sp>
+        <p:nvSpPr>
+          <p:cNvPr id="395" name="テキスト ボックス 394">
+            <a:extLst>
+              <a:ext uri="{FF2B5EF4-FFF2-40B4-BE49-F238E27FC236}">
+                <a16:creationId xmlns:a16="http://schemas.microsoft.com/office/drawing/2014/main" id="{4DE974EC-A2F1-3A88-5BFD-58D59C63458F}"/>
+              </a:ext>
+            </a:extLst>
+          </p:cNvPr>
+          <p:cNvSpPr txBox="1"/>
+          <p:nvPr/>
+        </p:nvSpPr>
+        <p:spPr>
+          <a:xfrm>
+            <a:off x="2771924" y="1694590"/>
+            <a:ext cx="746970" cy="369332"/>
+          </a:xfrm>
+          <a:prstGeom prst="rect">
+            <a:avLst/>
+          </a:prstGeom>
+          <a:noFill/>
+        </p:spPr>
+        <p:txBody>
+          <a:bodyPr wrap="square" rtlCol="0">
+            <a:spAutoFit/>
+          </a:bodyPr>
+          <a:lstStyle/>
+          <a:p>
+            <a:pPr algn="ctr"/>
+            <a:r>
+              <a:rPr kumimoji="1" lang="en-US" altLang="ja-JP" dirty="0">
+                <a:solidFill>
+                  <a:schemeClr val="accent2"/>
+                </a:solidFill>
+              </a:rPr>
+              <a:t>0.90</a:t>
+            </a:r>
+            <a:endParaRPr kumimoji="1" lang="ja-JP" altLang="en-US" dirty="0">
+              <a:solidFill>
+                <a:schemeClr val="accent2"/>
+              </a:solidFill>
+            </a:endParaRPr>
+          </a:p>
+        </p:txBody>
+      </p:sp>
+      <p:cxnSp>
+        <p:nvCxnSpPr>
+          <p:cNvPr id="396" name="コネクタ: 曲線 395">
+            <a:extLst>
+              <a:ext uri="{FF2B5EF4-FFF2-40B4-BE49-F238E27FC236}">
+                <a16:creationId xmlns:a16="http://schemas.microsoft.com/office/drawing/2014/main" id="{63E08FC4-E17B-EFA1-BCFC-CC9E426F3599}"/>
+              </a:ext>
+            </a:extLst>
+          </p:cNvPr>
+          <p:cNvCxnSpPr>
+            <a:cxnSpLocks/>
+            <a:stCxn id="128" idx="5"/>
+            <a:endCxn id="128" idx="7"/>
+          </p:cNvCxnSpPr>
+          <p:nvPr/>
+        </p:nvCxnSpPr>
+        <p:spPr>
+          <a:xfrm rot="5400000" flipH="1">
+            <a:off x="8060115" y="4980647"/>
+            <a:ext cx="429117" cy="12700"/>
+          </a:xfrm>
+          <a:prstGeom prst="curvedConnector5">
+            <a:avLst>
+              <a:gd name="adj1" fmla="val -15860"/>
+              <a:gd name="adj2" fmla="val -5618079"/>
+              <a:gd name="adj3" fmla="val 132126"/>
+            </a:avLst>
+          </a:prstGeom>
+          <a:ln w="12700">
+            <a:solidFill>
+              <a:schemeClr val="accent2"/>
+            </a:solidFill>
+            <a:prstDash val="sysDash"/>
+            <a:tailEnd type="triangle"/>
+          </a:ln>
+        </p:spPr>
+        <p:style>
+          <a:lnRef idx="1">
+            <a:schemeClr val="accent1"/>
+          </a:lnRef>
+          <a:fillRef idx="0">
+            <a:schemeClr val="accent1"/>
+          </a:fillRef>
+          <a:effectRef idx="0">
+            <a:schemeClr val="accent1"/>
+          </a:effectRef>
+          <a:fontRef idx="minor">
+            <a:schemeClr val="tx1"/>
+          </a:fontRef>
+        </p:style>
+      </p:cxnSp>
+      <p:sp>
+        <p:nvSpPr>
+          <p:cNvPr id="400" name="テキスト ボックス 399">
+            <a:extLst>
+              <a:ext uri="{FF2B5EF4-FFF2-40B4-BE49-F238E27FC236}">
+                <a16:creationId xmlns:a16="http://schemas.microsoft.com/office/drawing/2014/main" id="{C0BF44CD-DFC8-F459-59D0-08ABECDF78C3}"/>
+              </a:ext>
+            </a:extLst>
+          </p:cNvPr>
+          <p:cNvSpPr txBox="1"/>
+          <p:nvPr/>
+        </p:nvSpPr>
+        <p:spPr>
+          <a:xfrm>
+            <a:off x="8964789" y="4786952"/>
+            <a:ext cx="746970" cy="369332"/>
+          </a:xfrm>
+          <a:prstGeom prst="rect">
+            <a:avLst/>
+          </a:prstGeom>
+          <a:noFill/>
+        </p:spPr>
+        <p:txBody>
+          <a:bodyPr wrap="square" rtlCol="0">
+            <a:spAutoFit/>
+          </a:bodyPr>
+          <a:lstStyle/>
+          <a:p>
+            <a:pPr algn="ctr"/>
+            <a:r>
+              <a:rPr kumimoji="1" lang="en-US" altLang="ja-JP" dirty="0">
+                <a:solidFill>
+                  <a:schemeClr val="accent2"/>
+                </a:solidFill>
+              </a:rPr>
+              <a:t>0.43</a:t>
+            </a:r>
+            <a:endParaRPr kumimoji="1" lang="ja-JP" altLang="en-US" dirty="0">
+              <a:solidFill>
+                <a:schemeClr val="accent2"/>
+              </a:solidFill>
+            </a:endParaRPr>
+          </a:p>
+        </p:txBody>
+      </p:sp>
+      <p:cxnSp>
+        <p:nvCxnSpPr>
+          <p:cNvPr id="401" name="直線矢印コネクタ 400">
+            <a:extLst>
+              <a:ext uri="{FF2B5EF4-FFF2-40B4-BE49-F238E27FC236}">
+                <a16:creationId xmlns:a16="http://schemas.microsoft.com/office/drawing/2014/main" id="{22880FFE-EF8F-86E5-3B1F-9A84C4CFAF82}"/>
+              </a:ext>
+            </a:extLst>
+          </p:cNvPr>
+          <p:cNvCxnSpPr>
+            <a:cxnSpLocks/>
+            <a:stCxn id="128" idx="4"/>
+            <a:endCxn id="404" idx="0"/>
+          </p:cNvCxnSpPr>
+          <p:nvPr/>
+        </p:nvCxnSpPr>
+        <p:spPr>
+          <a:xfrm>
+            <a:off x="8061207" y="5284078"/>
+            <a:ext cx="909412" cy="904393"/>
+          </a:xfrm>
+          <a:prstGeom prst="straightConnector1">
+            <a:avLst/>
+          </a:prstGeom>
+          <a:ln w="12700">
+            <a:solidFill>
+              <a:schemeClr val="accent2"/>
+            </a:solidFill>
+            <a:prstDash val="sysDash"/>
+            <a:tailEnd type="triangle"/>
+          </a:ln>
+        </p:spPr>
+        <p:style>
+          <a:lnRef idx="1">
+            <a:schemeClr val="accent1"/>
+          </a:lnRef>
+          <a:fillRef idx="0">
+            <a:schemeClr val="accent1"/>
+          </a:fillRef>
+          <a:effectRef idx="0">
+            <a:schemeClr val="accent1"/>
+          </a:effectRef>
+          <a:fontRef idx="minor">
+            <a:schemeClr val="tx1"/>
+          </a:fontRef>
+        </p:style>
+      </p:cxnSp>
+      <p:sp>
+        <p:nvSpPr>
+          <p:cNvPr id="404" name="テキスト ボックス 403">
+            <a:extLst>
+              <a:ext uri="{FF2B5EF4-FFF2-40B4-BE49-F238E27FC236}">
+                <a16:creationId xmlns:a16="http://schemas.microsoft.com/office/drawing/2014/main" id="{A55A9C73-A706-0B3A-62A5-7C6359A5D14F}"/>
+              </a:ext>
+            </a:extLst>
+          </p:cNvPr>
+          <p:cNvSpPr txBox="1"/>
+          <p:nvPr/>
+        </p:nvSpPr>
+        <p:spPr>
+          <a:xfrm>
+            <a:off x="8374976" y="6188471"/>
+            <a:ext cx="1191286" cy="338554"/>
+          </a:xfrm>
+          <a:prstGeom prst="rect">
+            <a:avLst/>
+          </a:prstGeom>
+        </p:spPr>
+        <p:style>
+          <a:lnRef idx="2">
+            <a:schemeClr val="accent2"/>
+          </a:lnRef>
+          <a:fillRef idx="1">
+            <a:schemeClr val="lt1"/>
+          </a:fillRef>
+          <a:effectRef idx="0">
+            <a:schemeClr val="accent2"/>
+          </a:effectRef>
+          <a:fontRef idx="minor">
+            <a:schemeClr val="dk1"/>
+          </a:fontRef>
+        </p:style>
+        <p:txBody>
+          <a:bodyPr wrap="square" rtlCol="0">
+            <a:spAutoFit/>
+          </a:bodyPr>
+          <a:lstStyle/>
+          <a:p>
+            <a:r>
+              <a:rPr lang="en-US" altLang="ja-JP" sz="1600" dirty="0"/>
+              <a:t>f</a:t>
+            </a:r>
+            <a:r>
+              <a:rPr kumimoji="1" lang="en-US" altLang="ja-JP" sz="1600" dirty="0"/>
+              <a:t>or state 8</a:t>
+            </a:r>
+            <a:endParaRPr kumimoji="1" lang="ja-JP" altLang="en-US" sz="1600" dirty="0"/>
+          </a:p>
+        </p:txBody>
+      </p:sp>
+      <p:sp>
+        <p:nvSpPr>
+          <p:cNvPr id="408" name="テキスト ボックス 407">
+            <a:extLst>
+              <a:ext uri="{FF2B5EF4-FFF2-40B4-BE49-F238E27FC236}">
+                <a16:creationId xmlns:a16="http://schemas.microsoft.com/office/drawing/2014/main" id="{13D0E9A2-F067-8ED5-9262-A248CD7C1B70}"/>
+              </a:ext>
+            </a:extLst>
+          </p:cNvPr>
+          <p:cNvSpPr txBox="1"/>
+          <p:nvPr/>
+        </p:nvSpPr>
+        <p:spPr>
+          <a:xfrm>
+            <a:off x="8619977" y="5614015"/>
+            <a:ext cx="746970" cy="369332"/>
+          </a:xfrm>
+          <a:prstGeom prst="rect">
+            <a:avLst/>
+          </a:prstGeom>
+          <a:noFill/>
+        </p:spPr>
+        <p:txBody>
+          <a:bodyPr wrap="square" rtlCol="0">
+            <a:spAutoFit/>
+          </a:bodyPr>
+          <a:lstStyle/>
+          <a:p>
+            <a:pPr algn="ctr"/>
+            <a:r>
+              <a:rPr kumimoji="1" lang="en-US" altLang="ja-JP" dirty="0">
+                <a:solidFill>
+                  <a:schemeClr val="accent2"/>
+                </a:solidFill>
+              </a:rPr>
+              <a:t>0.57</a:t>
+            </a:r>
+            <a:endParaRPr kumimoji="1" lang="ja-JP" altLang="en-US" dirty="0">
+              <a:solidFill>
+                <a:schemeClr val="accent2"/>
+              </a:solidFill>
+            </a:endParaRPr>
+          </a:p>
+        </p:txBody>
+      </p:sp>
+      <p:cxnSp>
+        <p:nvCxnSpPr>
+          <p:cNvPr id="411" name="コネクタ: 曲線 410">
+            <a:extLst>
+              <a:ext uri="{FF2B5EF4-FFF2-40B4-BE49-F238E27FC236}">
+                <a16:creationId xmlns:a16="http://schemas.microsoft.com/office/drawing/2014/main" id="{6825E2D6-22F9-85AE-6040-B97C24B0E4C2}"/>
+              </a:ext>
+            </a:extLst>
+          </p:cNvPr>
+          <p:cNvCxnSpPr>
+            <a:cxnSpLocks/>
+            <a:stCxn id="127" idx="1"/>
+            <a:endCxn id="123" idx="2"/>
+          </p:cNvCxnSpPr>
+          <p:nvPr/>
+        </p:nvCxnSpPr>
+        <p:spPr>
+          <a:xfrm rot="5400000" flipH="1" flipV="1">
+            <a:off x="2039134" y="1010414"/>
+            <a:ext cx="2027162" cy="1980550"/>
+          </a:xfrm>
+          <a:prstGeom prst="curvedConnector2">
+            <a:avLst/>
+          </a:prstGeom>
+          <a:ln w="12700">
+            <a:solidFill>
+              <a:schemeClr val="accent2"/>
+            </a:solidFill>
+            <a:prstDash val="sysDash"/>
+            <a:tailEnd type="triangle"/>
+          </a:ln>
+        </p:spPr>
+        <p:style>
+          <a:lnRef idx="1">
+            <a:schemeClr val="accent1"/>
+          </a:lnRef>
+          <a:fillRef idx="0">
+            <a:schemeClr val="accent1"/>
+          </a:fillRef>
+          <a:effectRef idx="0">
+            <a:schemeClr val="accent1"/>
+          </a:effectRef>
+          <a:fontRef idx="minor">
+            <a:schemeClr val="tx1"/>
+          </a:fontRef>
+        </p:style>
+      </p:cxnSp>
+      <p:sp>
+        <p:nvSpPr>
+          <p:cNvPr id="416" name="テキスト ボックス 415">
+            <a:extLst>
+              <a:ext uri="{FF2B5EF4-FFF2-40B4-BE49-F238E27FC236}">
+                <a16:creationId xmlns:a16="http://schemas.microsoft.com/office/drawing/2014/main" id="{FF3D38EA-D4F8-FAC2-D9B7-9526EBB5447A}"/>
+              </a:ext>
+            </a:extLst>
+          </p:cNvPr>
+          <p:cNvSpPr txBox="1"/>
+          <p:nvPr/>
+        </p:nvSpPr>
+        <p:spPr>
+          <a:xfrm>
+            <a:off x="1743632" y="1535920"/>
+            <a:ext cx="746970" cy="369332"/>
+          </a:xfrm>
+          <a:prstGeom prst="rect">
+            <a:avLst/>
+          </a:prstGeom>
+          <a:noFill/>
+        </p:spPr>
+        <p:txBody>
+          <a:bodyPr wrap="square" rtlCol="0">
+            <a:spAutoFit/>
+          </a:bodyPr>
+          <a:lstStyle/>
+          <a:p>
+            <a:pPr algn="ctr"/>
+            <a:r>
+              <a:rPr kumimoji="1" lang="en-US" altLang="ja-JP" dirty="0">
+                <a:solidFill>
+                  <a:schemeClr val="accent2"/>
+                </a:solidFill>
+              </a:rPr>
+              <a:t>0.92</a:t>
+            </a:r>
+            <a:endParaRPr kumimoji="1" lang="ja-JP" altLang="en-US" dirty="0">
+              <a:solidFill>
+                <a:schemeClr val="accent2"/>
+              </a:solidFill>
+            </a:endParaRPr>
+          </a:p>
+        </p:txBody>
+      </p:sp>
+      <p:sp>
+        <p:nvSpPr>
+          <p:cNvPr id="419" name="テキスト ボックス 418">
+            <a:extLst>
+              <a:ext uri="{FF2B5EF4-FFF2-40B4-BE49-F238E27FC236}">
+                <a16:creationId xmlns:a16="http://schemas.microsoft.com/office/drawing/2014/main" id="{190C60C9-7617-A432-2A65-D74A04589377}"/>
+              </a:ext>
+            </a:extLst>
+          </p:cNvPr>
+          <p:cNvSpPr txBox="1"/>
+          <p:nvPr/>
+        </p:nvSpPr>
+        <p:spPr>
+          <a:xfrm>
+            <a:off x="4533044" y="6057489"/>
+            <a:ext cx="1295307" cy="338554"/>
+          </a:xfrm>
+          <a:prstGeom prst="rect">
+            <a:avLst/>
+          </a:prstGeom>
+        </p:spPr>
+        <p:style>
+          <a:lnRef idx="2">
+            <a:schemeClr val="accent2"/>
+          </a:lnRef>
+          <a:fillRef idx="1">
+            <a:schemeClr val="lt1"/>
+          </a:fillRef>
+          <a:effectRef idx="0">
+            <a:schemeClr val="accent2"/>
+          </a:effectRef>
+          <a:fontRef idx="minor">
+            <a:schemeClr val="dk1"/>
+          </a:fontRef>
+        </p:style>
+        <p:txBody>
+          <a:bodyPr wrap="square" rtlCol="0">
+            <a:spAutoFit/>
+          </a:bodyPr>
+          <a:lstStyle/>
+          <a:p>
+            <a:r>
+              <a:rPr lang="en-US" altLang="ja-JP" sz="1600" dirty="0"/>
+              <a:t>f</a:t>
+            </a:r>
+            <a:r>
+              <a:rPr kumimoji="1" lang="en-US" altLang="ja-JP" sz="1600" dirty="0"/>
+              <a:t>or state </a:t>
+            </a:r>
+            <a:r>
+              <a:rPr lang="en-US" altLang="ja-JP" sz="1600" dirty="0"/>
+              <a:t>11</a:t>
+            </a:r>
+            <a:endParaRPr kumimoji="1" lang="ja-JP" altLang="en-US" sz="1600" dirty="0"/>
+          </a:p>
+        </p:txBody>
+      </p:sp>
+      <p:cxnSp>
+        <p:nvCxnSpPr>
+          <p:cNvPr id="420" name="直線矢印コネクタ 419">
+            <a:extLst>
+              <a:ext uri="{FF2B5EF4-FFF2-40B4-BE49-F238E27FC236}">
+                <a16:creationId xmlns:a16="http://schemas.microsoft.com/office/drawing/2014/main" id="{88F9AF9E-9480-9222-33A6-FA460FB9E4B1}"/>
+              </a:ext>
+            </a:extLst>
+          </p:cNvPr>
+          <p:cNvCxnSpPr>
+            <a:cxnSpLocks/>
+            <a:stCxn id="126" idx="6"/>
+            <a:endCxn id="419" idx="1"/>
+          </p:cNvCxnSpPr>
+          <p:nvPr/>
+        </p:nvCxnSpPr>
+        <p:spPr>
+          <a:xfrm>
+            <a:off x="3832856" y="6027962"/>
+            <a:ext cx="700188" cy="198804"/>
+          </a:xfrm>
+          <a:prstGeom prst="straightConnector1">
+            <a:avLst/>
+          </a:prstGeom>
+          <a:ln w="12700">
+            <a:solidFill>
+              <a:schemeClr val="accent2"/>
+            </a:solidFill>
+            <a:prstDash val="sysDash"/>
+            <a:tailEnd type="triangle"/>
+          </a:ln>
+        </p:spPr>
+        <p:style>
+          <a:lnRef idx="1">
+            <a:schemeClr val="accent1"/>
+          </a:lnRef>
+          <a:fillRef idx="0">
+            <a:schemeClr val="accent1"/>
+          </a:fillRef>
+          <a:effectRef idx="0">
+            <a:schemeClr val="accent1"/>
+          </a:effectRef>
+          <a:fontRef idx="minor">
+            <a:schemeClr val="tx1"/>
+          </a:fontRef>
+        </p:style>
+      </p:cxnSp>
+      <p:sp>
+        <p:nvSpPr>
+          <p:cNvPr id="424" name="テキスト ボックス 423">
+            <a:extLst>
+              <a:ext uri="{FF2B5EF4-FFF2-40B4-BE49-F238E27FC236}">
+                <a16:creationId xmlns:a16="http://schemas.microsoft.com/office/drawing/2014/main" id="{8F225252-C931-7577-E331-0453D2647A58}"/>
+              </a:ext>
+            </a:extLst>
+          </p:cNvPr>
+          <p:cNvSpPr txBox="1"/>
+          <p:nvPr/>
+        </p:nvSpPr>
+        <p:spPr>
+          <a:xfrm>
+            <a:off x="3693570" y="6112459"/>
+            <a:ext cx="746970" cy="369332"/>
+          </a:xfrm>
+          <a:prstGeom prst="rect">
+            <a:avLst/>
+          </a:prstGeom>
+          <a:noFill/>
+        </p:spPr>
+        <p:txBody>
+          <a:bodyPr wrap="square" rtlCol="0">
+            <a:spAutoFit/>
+          </a:bodyPr>
+          <a:lstStyle/>
+          <a:p>
+            <a:pPr algn="ctr"/>
+            <a:r>
+              <a:rPr lang="en-US" altLang="ja-JP" dirty="0">
+                <a:solidFill>
+                  <a:schemeClr val="accent2"/>
+                </a:solidFill>
+              </a:rPr>
+              <a:t>0.99</a:t>
+            </a:r>
+            <a:endParaRPr kumimoji="1" lang="ja-JP" altLang="en-US" dirty="0">
+              <a:solidFill>
+                <a:schemeClr val="accent2"/>
+              </a:solidFill>
+            </a:endParaRPr>
+          </a:p>
+        </p:txBody>
+      </p:sp>
+      <p:cxnSp>
+        <p:nvCxnSpPr>
+          <p:cNvPr id="425" name="直線矢印コネクタ 424">
+            <a:extLst>
+              <a:ext uri="{FF2B5EF4-FFF2-40B4-BE49-F238E27FC236}">
+                <a16:creationId xmlns:a16="http://schemas.microsoft.com/office/drawing/2014/main" id="{7FFA7926-2B64-634F-F725-E5715CD49AC9}"/>
+              </a:ext>
+            </a:extLst>
+          </p:cNvPr>
+          <p:cNvCxnSpPr>
+            <a:cxnSpLocks/>
+            <a:stCxn id="125" idx="0"/>
+            <a:endCxn id="122" idx="4"/>
+          </p:cNvCxnSpPr>
+          <p:nvPr/>
+        </p:nvCxnSpPr>
+        <p:spPr>
+          <a:xfrm flipV="1">
+            <a:off x="6765087" y="5288083"/>
+            <a:ext cx="2458" cy="476582"/>
+          </a:xfrm>
+          <a:prstGeom prst="straightConnector1">
+            <a:avLst/>
+          </a:prstGeom>
+          <a:ln w="12700">
+            <a:solidFill>
+              <a:schemeClr val="accent2"/>
+            </a:solidFill>
+            <a:prstDash val="sysDash"/>
+            <a:tailEnd type="triangle"/>
+          </a:ln>
+        </p:spPr>
+        <p:style>
+          <a:lnRef idx="1">
+            <a:schemeClr val="accent1"/>
+          </a:lnRef>
+          <a:fillRef idx="0">
+            <a:schemeClr val="accent1"/>
+          </a:fillRef>
+          <a:effectRef idx="0">
+            <a:schemeClr val="accent1"/>
+          </a:effectRef>
+          <a:fontRef idx="minor">
+            <a:schemeClr val="tx1"/>
+          </a:fontRef>
+        </p:style>
+      </p:cxnSp>
+      <p:sp>
+        <p:nvSpPr>
+          <p:cNvPr id="429" name="テキスト ボックス 428">
+            <a:extLst>
+              <a:ext uri="{FF2B5EF4-FFF2-40B4-BE49-F238E27FC236}">
+                <a16:creationId xmlns:a16="http://schemas.microsoft.com/office/drawing/2014/main" id="{254AE2D8-1C76-B7CD-2FBC-F44275E644AE}"/>
+              </a:ext>
+            </a:extLst>
+          </p:cNvPr>
+          <p:cNvSpPr txBox="1"/>
+          <p:nvPr/>
+        </p:nvSpPr>
+        <p:spPr>
+          <a:xfrm>
+            <a:off x="6660811" y="5484206"/>
+            <a:ext cx="746970" cy="369332"/>
+          </a:xfrm>
+          <a:prstGeom prst="rect">
+            <a:avLst/>
+          </a:prstGeom>
+          <a:noFill/>
+        </p:spPr>
+        <p:txBody>
+          <a:bodyPr wrap="square" rtlCol="0">
+            <a:spAutoFit/>
+          </a:bodyPr>
+          <a:lstStyle/>
+          <a:p>
+            <a:pPr algn="ctr"/>
+            <a:r>
+              <a:rPr kumimoji="1" lang="en-US" altLang="ja-JP" dirty="0">
+                <a:solidFill>
+                  <a:schemeClr val="accent2"/>
+                </a:solidFill>
+              </a:rPr>
+              <a:t>0.99</a:t>
+            </a:r>
+            <a:endParaRPr kumimoji="1" lang="ja-JP" altLang="en-US" dirty="0">
+              <a:solidFill>
+                <a:schemeClr val="accent2"/>
+              </a:solidFill>
+            </a:endParaRPr>
+          </a:p>
+        </p:txBody>
+      </p:sp>
+      <p:sp>
+        <p:nvSpPr>
+          <p:cNvPr id="438" name="テキスト ボックス 437">
+            <a:extLst>
+              <a:ext uri="{FF2B5EF4-FFF2-40B4-BE49-F238E27FC236}">
+                <a16:creationId xmlns:a16="http://schemas.microsoft.com/office/drawing/2014/main" id="{9A7167CA-5B17-C844-4B87-417C79C9FF0B}"/>
+              </a:ext>
+            </a:extLst>
+          </p:cNvPr>
+          <p:cNvSpPr txBox="1"/>
+          <p:nvPr/>
+        </p:nvSpPr>
+        <p:spPr>
+          <a:xfrm>
+            <a:off x="4946730" y="5388976"/>
+            <a:ext cx="746970" cy="369332"/>
+          </a:xfrm>
+          <a:prstGeom prst="rect">
+            <a:avLst/>
+          </a:prstGeom>
+          <a:noFill/>
+        </p:spPr>
+        <p:txBody>
+          <a:bodyPr wrap="square" rtlCol="0">
+            <a:spAutoFit/>
+          </a:bodyPr>
+          <a:lstStyle/>
+          <a:p>
+            <a:pPr algn="ctr"/>
+            <a:r>
+              <a:rPr kumimoji="1" lang="en-US" altLang="ja-JP" dirty="0">
+                <a:solidFill>
+                  <a:schemeClr val="accent2"/>
+                </a:solidFill>
+              </a:rPr>
+              <a:t>0.97</a:t>
+            </a:r>
+            <a:endParaRPr kumimoji="1" lang="ja-JP" altLang="en-US" dirty="0">
+              <a:solidFill>
+                <a:schemeClr val="accent2"/>
+              </a:solidFill>
+            </a:endParaRPr>
+          </a:p>
+        </p:txBody>
+      </p:sp>
+      <p:sp>
+        <p:nvSpPr>
+          <p:cNvPr id="440" name="テキスト ボックス 439">
+            <a:extLst>
+              <a:ext uri="{FF2B5EF4-FFF2-40B4-BE49-F238E27FC236}">
+                <a16:creationId xmlns:a16="http://schemas.microsoft.com/office/drawing/2014/main" id="{1ECB19DE-3DFD-3D8A-10DE-D41617B80C42}"/>
+              </a:ext>
+            </a:extLst>
+          </p:cNvPr>
+          <p:cNvSpPr txBox="1"/>
+          <p:nvPr/>
+        </p:nvSpPr>
+        <p:spPr>
+          <a:xfrm>
+            <a:off x="6323498" y="811335"/>
+            <a:ext cx="1191286" cy="338554"/>
+          </a:xfrm>
+          <a:prstGeom prst="rect">
+            <a:avLst/>
+          </a:prstGeom>
+        </p:spPr>
+        <p:style>
+          <a:lnRef idx="2">
+            <a:schemeClr val="accent2"/>
+          </a:lnRef>
+          <a:fillRef idx="1">
+            <a:schemeClr val="lt1"/>
+          </a:fillRef>
+          <a:effectRef idx="0">
+            <a:schemeClr val="accent2"/>
+          </a:effectRef>
+          <a:fontRef idx="minor">
+            <a:schemeClr val="dk1"/>
+          </a:fontRef>
+        </p:style>
+        <p:txBody>
+          <a:bodyPr wrap="square" rtlCol="0">
+            <a:spAutoFit/>
+          </a:bodyPr>
+          <a:lstStyle/>
+          <a:p>
+            <a:r>
+              <a:rPr lang="en-US" altLang="ja-JP" sz="1600" dirty="0"/>
+              <a:t>f</a:t>
+            </a:r>
+            <a:r>
+              <a:rPr kumimoji="1" lang="en-US" altLang="ja-JP" sz="1600" dirty="0"/>
+              <a:t>or state </a:t>
+            </a:r>
+            <a:r>
+              <a:rPr lang="en-US" altLang="ja-JP" sz="1600" dirty="0"/>
+              <a:t>3</a:t>
+            </a:r>
+            <a:endParaRPr kumimoji="1" lang="ja-JP" altLang="en-US" sz="1600" dirty="0"/>
+          </a:p>
+        </p:txBody>
+      </p:sp>
+      <p:cxnSp>
+        <p:nvCxnSpPr>
+          <p:cNvPr id="441" name="コネクタ: 曲線 440">
+            <a:extLst>
+              <a:ext uri="{FF2B5EF4-FFF2-40B4-BE49-F238E27FC236}">
+                <a16:creationId xmlns:a16="http://schemas.microsoft.com/office/drawing/2014/main" id="{FBCFE296-81C5-AD9E-99FC-6ED6AC787265}"/>
+              </a:ext>
+            </a:extLst>
+          </p:cNvPr>
+          <p:cNvCxnSpPr>
+            <a:cxnSpLocks/>
+            <a:stCxn id="123" idx="7"/>
+            <a:endCxn id="123" idx="1"/>
+          </p:cNvCxnSpPr>
+          <p:nvPr/>
+        </p:nvCxnSpPr>
+        <p:spPr>
+          <a:xfrm rot="16200000" flipV="1">
+            <a:off x="4344878" y="559082"/>
+            <a:ext cx="12700" cy="426934"/>
+          </a:xfrm>
+          <a:prstGeom prst="curvedConnector3">
+            <a:avLst>
+              <a:gd name="adj1" fmla="val 3185496"/>
+            </a:avLst>
+          </a:prstGeom>
+          <a:ln w="12700">
+            <a:solidFill>
+              <a:schemeClr val="accent2"/>
+            </a:solidFill>
+            <a:prstDash val="sysDash"/>
+            <a:tailEnd type="triangle"/>
+          </a:ln>
+        </p:spPr>
+        <p:style>
+          <a:lnRef idx="1">
+            <a:schemeClr val="accent1"/>
+          </a:lnRef>
+          <a:fillRef idx="0">
+            <a:schemeClr val="accent1"/>
+          </a:fillRef>
+          <a:effectRef idx="0">
+            <a:schemeClr val="accent1"/>
+          </a:effectRef>
+          <a:fontRef idx="minor">
+            <a:schemeClr val="tx1"/>
+          </a:fontRef>
+        </p:style>
+      </p:cxnSp>
+      <p:sp>
+        <p:nvSpPr>
+          <p:cNvPr id="446" name="テキスト ボックス 445">
+            <a:extLst>
+              <a:ext uri="{FF2B5EF4-FFF2-40B4-BE49-F238E27FC236}">
+                <a16:creationId xmlns:a16="http://schemas.microsoft.com/office/drawing/2014/main" id="{B64765F3-26FD-2123-4E50-7F9C64F3D993}"/>
+              </a:ext>
+            </a:extLst>
+          </p:cNvPr>
+          <p:cNvSpPr txBox="1"/>
+          <p:nvPr/>
+        </p:nvSpPr>
+        <p:spPr>
+          <a:xfrm>
+            <a:off x="3977743" y="25103"/>
+            <a:ext cx="746970" cy="369332"/>
+          </a:xfrm>
+          <a:prstGeom prst="rect">
+            <a:avLst/>
+          </a:prstGeom>
+          <a:noFill/>
+        </p:spPr>
+        <p:txBody>
+          <a:bodyPr wrap="square" rtlCol="0">
+            <a:spAutoFit/>
+          </a:bodyPr>
+          <a:lstStyle/>
+          <a:p>
+            <a:pPr algn="ctr"/>
+            <a:r>
+              <a:rPr kumimoji="1" lang="en-US" altLang="ja-JP" dirty="0">
+                <a:solidFill>
+                  <a:schemeClr val="accent2"/>
+                </a:solidFill>
+              </a:rPr>
+              <a:t>0.66</a:t>
+            </a:r>
+            <a:endParaRPr kumimoji="1" lang="ja-JP" altLang="en-US" dirty="0">
+              <a:solidFill>
+                <a:schemeClr val="accent2"/>
+              </a:solidFill>
+            </a:endParaRPr>
+          </a:p>
+        </p:txBody>
+      </p:sp>
+      <p:cxnSp>
+        <p:nvCxnSpPr>
+          <p:cNvPr id="453" name="直線矢印コネクタ 452">
+            <a:extLst>
+              <a:ext uri="{FF2B5EF4-FFF2-40B4-BE49-F238E27FC236}">
+                <a16:creationId xmlns:a16="http://schemas.microsoft.com/office/drawing/2014/main" id="{D0D00FEB-5C0B-A6D8-B855-EB84508CA2B0}"/>
+              </a:ext>
+            </a:extLst>
+          </p:cNvPr>
+          <p:cNvCxnSpPr>
+            <a:cxnSpLocks/>
+            <a:stCxn id="123" idx="6"/>
+            <a:endCxn id="440" idx="1"/>
+          </p:cNvCxnSpPr>
+          <p:nvPr/>
+        </p:nvCxnSpPr>
+        <p:spPr>
+          <a:xfrm flipV="1">
+            <a:off x="4646766" y="980612"/>
+            <a:ext cx="1676732" cy="6496"/>
+          </a:xfrm>
+          <a:prstGeom prst="straightConnector1">
+            <a:avLst/>
+          </a:prstGeom>
+          <a:ln w="12700">
+            <a:solidFill>
+              <a:schemeClr val="accent2"/>
+            </a:solidFill>
+            <a:prstDash val="sysDash"/>
+            <a:tailEnd type="triangle"/>
+          </a:ln>
+        </p:spPr>
+        <p:style>
+          <a:lnRef idx="1">
+            <a:schemeClr val="accent1"/>
+          </a:lnRef>
+          <a:fillRef idx="0">
+            <a:schemeClr val="accent1"/>
+          </a:fillRef>
+          <a:effectRef idx="0">
+            <a:schemeClr val="accent1"/>
+          </a:effectRef>
+          <a:fontRef idx="minor">
+            <a:schemeClr val="tx1"/>
+          </a:fontRef>
+        </p:style>
+      </p:cxnSp>
+      <p:sp>
+        <p:nvSpPr>
+          <p:cNvPr id="461" name="テキスト ボックス 460">
+            <a:extLst>
+              <a:ext uri="{FF2B5EF4-FFF2-40B4-BE49-F238E27FC236}">
+                <a16:creationId xmlns:a16="http://schemas.microsoft.com/office/drawing/2014/main" id="{6AC547C5-6D21-7FA2-ADFB-11BE916DF150}"/>
+              </a:ext>
+            </a:extLst>
+          </p:cNvPr>
+          <p:cNvSpPr txBox="1"/>
+          <p:nvPr/>
+        </p:nvSpPr>
+        <p:spPr>
+          <a:xfrm>
+            <a:off x="5072815" y="615479"/>
+            <a:ext cx="746970" cy="369332"/>
+          </a:xfrm>
+          <a:prstGeom prst="rect">
+            <a:avLst/>
+          </a:prstGeom>
+          <a:noFill/>
+        </p:spPr>
+        <p:txBody>
+          <a:bodyPr wrap="square" rtlCol="0">
+            <a:spAutoFit/>
+          </a:bodyPr>
+          <a:lstStyle/>
+          <a:p>
+            <a:pPr algn="ctr"/>
+            <a:r>
+              <a:rPr kumimoji="1" lang="en-US" altLang="ja-JP" dirty="0">
+                <a:solidFill>
+                  <a:schemeClr val="accent2"/>
+                </a:solidFill>
+              </a:rPr>
+              <a:t>0.34</a:t>
+            </a:r>
+            <a:endParaRPr kumimoji="1" lang="ja-JP" altLang="en-US" dirty="0">
+              <a:solidFill>
+                <a:schemeClr val="accent2"/>
+              </a:solidFill>
+            </a:endParaRPr>
+          </a:p>
+        </p:txBody>
+      </p:sp>
+      <p:cxnSp>
+        <p:nvCxnSpPr>
+          <p:cNvPr id="467" name="コネクタ: 曲線 466">
+            <a:extLst>
+              <a:ext uri="{FF2B5EF4-FFF2-40B4-BE49-F238E27FC236}">
+                <a16:creationId xmlns:a16="http://schemas.microsoft.com/office/drawing/2014/main" id="{9CB3CD31-682A-54A4-F661-0315FBD3F79D}"/>
+              </a:ext>
+            </a:extLst>
+          </p:cNvPr>
+          <p:cNvCxnSpPr>
+            <a:cxnSpLocks/>
+            <a:stCxn id="122" idx="7"/>
+            <a:endCxn id="122" idx="1"/>
+          </p:cNvCxnSpPr>
+          <p:nvPr/>
+        </p:nvCxnSpPr>
+        <p:spPr>
+          <a:xfrm rot="16200000" flipV="1">
+            <a:off x="6767545" y="4556626"/>
+            <a:ext cx="12700" cy="426934"/>
+          </a:xfrm>
+          <a:prstGeom prst="curvedConnector3">
+            <a:avLst>
+              <a:gd name="adj1" fmla="val 2878740"/>
+            </a:avLst>
+          </a:prstGeom>
+          <a:ln w="12700">
+            <a:solidFill>
+              <a:schemeClr val="accent2"/>
+            </a:solidFill>
+            <a:prstDash val="sysDash"/>
+            <a:tailEnd type="triangle"/>
+          </a:ln>
+        </p:spPr>
+        <p:style>
+          <a:lnRef idx="1">
+            <a:schemeClr val="accent1"/>
+          </a:lnRef>
+          <a:fillRef idx="0">
+            <a:schemeClr val="accent1"/>
+          </a:fillRef>
+          <a:effectRef idx="0">
+            <a:schemeClr val="accent1"/>
+          </a:effectRef>
+          <a:fontRef idx="minor">
+            <a:schemeClr val="tx1"/>
+          </a:fontRef>
+        </p:style>
+      </p:cxnSp>
+      <p:sp>
+        <p:nvSpPr>
+          <p:cNvPr id="475" name="テキスト ボックス 474">
+            <a:extLst>
+              <a:ext uri="{FF2B5EF4-FFF2-40B4-BE49-F238E27FC236}">
+                <a16:creationId xmlns:a16="http://schemas.microsoft.com/office/drawing/2014/main" id="{3B9D897E-EBA2-5DA9-9CA7-DA265C51B800}"/>
+              </a:ext>
+            </a:extLst>
+          </p:cNvPr>
+          <p:cNvSpPr txBox="1"/>
+          <p:nvPr/>
+        </p:nvSpPr>
+        <p:spPr>
+          <a:xfrm>
+            <a:off x="6377846" y="4101277"/>
+            <a:ext cx="746970" cy="369332"/>
+          </a:xfrm>
+          <a:prstGeom prst="rect">
+            <a:avLst/>
+          </a:prstGeom>
+          <a:noFill/>
+        </p:spPr>
+        <p:txBody>
+          <a:bodyPr wrap="square" rtlCol="0">
+            <a:spAutoFit/>
+          </a:bodyPr>
+          <a:lstStyle/>
+          <a:p>
+            <a:pPr algn="ctr"/>
+            <a:r>
+              <a:rPr kumimoji="1" lang="en-US" altLang="ja-JP" dirty="0">
+                <a:solidFill>
+                  <a:schemeClr val="accent2"/>
+                </a:solidFill>
+              </a:rPr>
+              <a:t>0.91</a:t>
+            </a:r>
+            <a:endParaRPr kumimoji="1" lang="ja-JP" altLang="en-US" dirty="0">
+              <a:solidFill>
+                <a:schemeClr val="accent2"/>
+              </a:solidFill>
+            </a:endParaRPr>
+          </a:p>
+        </p:txBody>
+      </p:sp>
+      <p:cxnSp>
+        <p:nvCxnSpPr>
+          <p:cNvPr id="476" name="コネクタ: 曲線 475">
+            <a:extLst>
+              <a:ext uri="{FF2B5EF4-FFF2-40B4-BE49-F238E27FC236}">
+                <a16:creationId xmlns:a16="http://schemas.microsoft.com/office/drawing/2014/main" id="{2CAF8D0B-70BB-EE00-9478-E3750D5E8C3E}"/>
+              </a:ext>
+            </a:extLst>
+          </p:cNvPr>
+          <p:cNvCxnSpPr>
+            <a:cxnSpLocks/>
+            <a:stCxn id="110" idx="5"/>
+            <a:endCxn id="110" idx="7"/>
+          </p:cNvCxnSpPr>
+          <p:nvPr/>
+        </p:nvCxnSpPr>
+        <p:spPr>
+          <a:xfrm rot="5400000" flipH="1">
+            <a:off x="8537192" y="2411399"/>
+            <a:ext cx="429117" cy="12700"/>
+          </a:xfrm>
+          <a:prstGeom prst="curvedConnector5">
+            <a:avLst>
+              <a:gd name="adj1" fmla="val -22831"/>
+              <a:gd name="adj2" fmla="val -4475228"/>
+              <a:gd name="adj3" fmla="val 126213"/>
+            </a:avLst>
+          </a:prstGeom>
+          <a:ln w="12700">
+            <a:solidFill>
+              <a:schemeClr val="accent2"/>
+            </a:solidFill>
+            <a:prstDash val="sysDash"/>
+            <a:tailEnd type="triangle"/>
+          </a:ln>
+        </p:spPr>
+        <p:style>
+          <a:lnRef idx="1">
+            <a:schemeClr val="accent1"/>
+          </a:lnRef>
+          <a:fillRef idx="0">
+            <a:schemeClr val="accent1"/>
+          </a:fillRef>
+          <a:effectRef idx="0">
+            <a:schemeClr val="accent1"/>
+          </a:effectRef>
+          <a:fontRef idx="minor">
+            <a:schemeClr val="tx1"/>
+          </a:fontRef>
+        </p:style>
+      </p:cxnSp>
+      <p:sp>
+        <p:nvSpPr>
+          <p:cNvPr id="480" name="テキスト ボックス 479">
+            <a:extLst>
+              <a:ext uri="{FF2B5EF4-FFF2-40B4-BE49-F238E27FC236}">
+                <a16:creationId xmlns:a16="http://schemas.microsoft.com/office/drawing/2014/main" id="{58C4B813-5A63-7CB5-41E0-EEFB28E71509}"/>
+              </a:ext>
+            </a:extLst>
+          </p:cNvPr>
+          <p:cNvSpPr txBox="1"/>
+          <p:nvPr/>
+        </p:nvSpPr>
+        <p:spPr>
+          <a:xfrm>
+            <a:off x="9485816" y="2419688"/>
+            <a:ext cx="746970" cy="369332"/>
+          </a:xfrm>
+          <a:prstGeom prst="rect">
+            <a:avLst/>
+          </a:prstGeom>
+          <a:noFill/>
+        </p:spPr>
+        <p:txBody>
+          <a:bodyPr wrap="square" rtlCol="0">
+            <a:spAutoFit/>
+          </a:bodyPr>
+          <a:lstStyle/>
+          <a:p>
+            <a:pPr algn="ctr"/>
+            <a:r>
+              <a:rPr kumimoji="1" lang="en-US" altLang="ja-JP" dirty="0">
+                <a:solidFill>
+                  <a:schemeClr val="accent2"/>
+                </a:solidFill>
+              </a:rPr>
+              <a:t>0.37</a:t>
+            </a:r>
+            <a:endParaRPr kumimoji="1" lang="ja-JP" altLang="en-US" dirty="0">
+              <a:solidFill>
+                <a:schemeClr val="accent2"/>
+              </a:solidFill>
+            </a:endParaRPr>
+          </a:p>
+        </p:txBody>
+      </p:sp>
+      <p:cxnSp>
+        <p:nvCxnSpPr>
+          <p:cNvPr id="484" name="直線矢印コネクタ 483">
+            <a:extLst>
+              <a:ext uri="{FF2B5EF4-FFF2-40B4-BE49-F238E27FC236}">
+                <a16:creationId xmlns:a16="http://schemas.microsoft.com/office/drawing/2014/main" id="{F82592EE-5ECD-5B54-C582-2B53F9E4E4F5}"/>
+              </a:ext>
+            </a:extLst>
+          </p:cNvPr>
+          <p:cNvCxnSpPr>
+            <a:cxnSpLocks/>
+            <a:stCxn id="110" idx="3"/>
+            <a:endCxn id="118" idx="5"/>
+          </p:cNvCxnSpPr>
+          <p:nvPr/>
+        </p:nvCxnSpPr>
+        <p:spPr>
+          <a:xfrm flipH="1" flipV="1">
+            <a:off x="5687350" y="2620709"/>
+            <a:ext cx="2637467" cy="5248"/>
+          </a:xfrm>
+          <a:prstGeom prst="straightConnector1">
+            <a:avLst/>
+          </a:prstGeom>
+          <a:ln w="12700">
+            <a:solidFill>
+              <a:schemeClr val="accent2"/>
+            </a:solidFill>
+            <a:prstDash val="sysDash"/>
+            <a:tailEnd type="triangle"/>
+          </a:ln>
+        </p:spPr>
+        <p:style>
+          <a:lnRef idx="1">
+            <a:schemeClr val="accent1"/>
+          </a:lnRef>
+          <a:fillRef idx="0">
+            <a:schemeClr val="accent1"/>
+          </a:fillRef>
+          <a:effectRef idx="0">
+            <a:schemeClr val="accent1"/>
+          </a:effectRef>
+          <a:fontRef idx="minor">
+            <a:schemeClr val="tx1"/>
+          </a:fontRef>
+        </p:style>
+      </p:cxnSp>
+      <p:sp>
+        <p:nvSpPr>
+          <p:cNvPr id="503" name="テキスト ボックス 502">
+            <a:extLst>
+              <a:ext uri="{FF2B5EF4-FFF2-40B4-BE49-F238E27FC236}">
+                <a16:creationId xmlns:a16="http://schemas.microsoft.com/office/drawing/2014/main" id="{304C38BE-62E8-FF12-9696-14B7CE29F629}"/>
+              </a:ext>
+            </a:extLst>
+          </p:cNvPr>
+          <p:cNvSpPr txBox="1"/>
+          <p:nvPr/>
+        </p:nvSpPr>
+        <p:spPr>
+          <a:xfrm>
+            <a:off x="6660811" y="2312020"/>
+            <a:ext cx="746970" cy="369332"/>
+          </a:xfrm>
+          <a:prstGeom prst="rect">
+            <a:avLst/>
+          </a:prstGeom>
+          <a:noFill/>
+        </p:spPr>
+        <p:txBody>
+          <a:bodyPr wrap="square" rtlCol="0">
+            <a:spAutoFit/>
+          </a:bodyPr>
+          <a:lstStyle/>
+          <a:p>
+            <a:pPr algn="ctr"/>
+            <a:r>
+              <a:rPr kumimoji="1" lang="en-US" altLang="ja-JP" dirty="0">
+                <a:solidFill>
+                  <a:schemeClr val="accent2"/>
+                </a:solidFill>
+              </a:rPr>
+              <a:t>0.37</a:t>
+            </a:r>
+            <a:endParaRPr kumimoji="1" lang="ja-JP" altLang="en-US" dirty="0">
+              <a:solidFill>
+                <a:schemeClr val="accent2"/>
+              </a:solidFill>
+            </a:endParaRPr>
+          </a:p>
+        </p:txBody>
+      </p:sp>
+      <p:sp>
+        <p:nvSpPr>
+          <p:cNvPr id="514" name="テキスト ボックス 513">
+            <a:extLst>
+              <a:ext uri="{FF2B5EF4-FFF2-40B4-BE49-F238E27FC236}">
+                <a16:creationId xmlns:a16="http://schemas.microsoft.com/office/drawing/2014/main" id="{AE1C083B-AB8F-575F-AF91-4AF9CCF010EC}"/>
+              </a:ext>
+            </a:extLst>
+          </p:cNvPr>
+          <p:cNvSpPr txBox="1"/>
+          <p:nvPr/>
+        </p:nvSpPr>
+        <p:spPr>
+          <a:xfrm>
+            <a:off x="4818838" y="3030260"/>
+            <a:ext cx="746970" cy="369332"/>
+          </a:xfrm>
+          <a:prstGeom prst="rect">
+            <a:avLst/>
+          </a:prstGeom>
+          <a:noFill/>
+        </p:spPr>
+        <p:txBody>
+          <a:bodyPr wrap="square" rtlCol="0">
+            <a:spAutoFit/>
+          </a:bodyPr>
+          <a:lstStyle/>
+          <a:p>
+            <a:pPr algn="ctr"/>
+            <a:r>
+              <a:rPr kumimoji="1" lang="en-US" altLang="ja-JP" dirty="0">
+                <a:solidFill>
+                  <a:schemeClr val="accent2"/>
+                </a:solidFill>
+              </a:rPr>
+              <a:t>0.99</a:t>
+            </a:r>
+            <a:endParaRPr kumimoji="1" lang="ja-JP" altLang="en-US" dirty="0">
+              <a:solidFill>
+                <a:schemeClr val="accent2"/>
+              </a:solidFill>
+            </a:endParaRPr>
+          </a:p>
+        </p:txBody>
+      </p:sp>
+      <p:cxnSp>
+        <p:nvCxnSpPr>
+          <p:cNvPr id="519" name="直線矢印コネクタ 518">
+            <a:extLst>
+              <a:ext uri="{FF2B5EF4-FFF2-40B4-BE49-F238E27FC236}">
+                <a16:creationId xmlns:a16="http://schemas.microsoft.com/office/drawing/2014/main" id="{A6E96A1D-699F-F53A-4961-5E33B62F2295}"/>
+              </a:ext>
+            </a:extLst>
+          </p:cNvPr>
+          <p:cNvCxnSpPr>
+            <a:cxnSpLocks/>
+            <a:stCxn id="118" idx="3"/>
+            <a:endCxn id="131" idx="7"/>
+          </p:cNvCxnSpPr>
+          <p:nvPr/>
+        </p:nvCxnSpPr>
+        <p:spPr>
+          <a:xfrm flipH="1">
+            <a:off x="4633927" y="2620709"/>
+            <a:ext cx="626489" cy="925012"/>
+          </a:xfrm>
+          <a:prstGeom prst="straightConnector1">
+            <a:avLst/>
+          </a:prstGeom>
+          <a:ln w="12700">
+            <a:solidFill>
+              <a:schemeClr val="accent2"/>
+            </a:solidFill>
+            <a:prstDash val="sysDash"/>
+            <a:tailEnd type="triangle"/>
           </a:ln>
         </p:spPr>
         <p:style>
@@ -9607,32 +13637,863 @@
       </p:cxnSp>
       <p:cxnSp>
         <p:nvCxnSpPr>
-          <p:cNvPr id="66" name="直線コネクタ 65">
-            <a:extLst>
-              <a:ext uri="{FF2B5EF4-FFF2-40B4-BE49-F238E27FC236}">
-                <a16:creationId xmlns:a16="http://schemas.microsoft.com/office/drawing/2014/main" id="{0D73DC1B-4788-4BEA-BCD5-5A95101381AA}"/>
+          <p:cNvPr id="523" name="コネクタ: 曲線 522">
+            <a:extLst>
+              <a:ext uri="{FF2B5EF4-FFF2-40B4-BE49-F238E27FC236}">
+                <a16:creationId xmlns:a16="http://schemas.microsoft.com/office/drawing/2014/main" id="{141FB2E5-1D48-9E08-311D-331CAAF0BF12}"/>
               </a:ext>
             </a:extLst>
           </p:cNvPr>
           <p:cNvCxnSpPr>
             <a:cxnSpLocks/>
-            <a:stCxn id="62" idx="6"/>
-            <a:endCxn id="58" idx="2"/>
+            <a:stCxn id="119" idx="7"/>
+            <a:endCxn id="119" idx="1"/>
           </p:cNvCxnSpPr>
           <p:nvPr/>
         </p:nvCxnSpPr>
         <p:spPr>
-          <a:xfrm>
-            <a:off x="4145318" y="2024951"/>
-            <a:ext cx="553588" cy="0"/>
-          </a:xfrm>
-          <a:prstGeom prst="line">
-            <a:avLst/>
-          </a:prstGeom>
-          <a:ln>
+          <a:xfrm rot="16200000" flipV="1">
+            <a:off x="4977996" y="4560311"/>
+            <a:ext cx="12700" cy="426934"/>
+          </a:xfrm>
+          <a:prstGeom prst="curvedConnector3">
+            <a:avLst>
+              <a:gd name="adj1" fmla="val 2956929"/>
+            </a:avLst>
+          </a:prstGeom>
+          <a:ln w="12700">
             <a:solidFill>
-              <a:schemeClr val="tx1"/>
+              <a:schemeClr val="accent2"/>
             </a:solidFill>
+            <a:prstDash val="sysDash"/>
+            <a:tailEnd type="triangle"/>
+          </a:ln>
+        </p:spPr>
+        <p:style>
+          <a:lnRef idx="1">
+            <a:schemeClr val="accent1"/>
+          </a:lnRef>
+          <a:fillRef idx="0">
+            <a:schemeClr val="accent1"/>
+          </a:fillRef>
+          <a:effectRef idx="0">
+            <a:schemeClr val="accent1"/>
+          </a:effectRef>
+          <a:fontRef idx="minor">
+            <a:schemeClr val="tx1"/>
+          </a:fontRef>
+        </p:style>
+      </p:cxnSp>
+      <p:sp>
+        <p:nvSpPr>
+          <p:cNvPr id="530" name="テキスト ボックス 529">
+            <a:extLst>
+              <a:ext uri="{FF2B5EF4-FFF2-40B4-BE49-F238E27FC236}">
+                <a16:creationId xmlns:a16="http://schemas.microsoft.com/office/drawing/2014/main" id="{8BEA41FC-0C63-7D59-9056-37C41D5A56EC}"/>
+              </a:ext>
+            </a:extLst>
+          </p:cNvPr>
+          <p:cNvSpPr txBox="1"/>
+          <p:nvPr/>
+        </p:nvSpPr>
+        <p:spPr>
+          <a:xfrm>
+            <a:off x="4620180" y="4056578"/>
+            <a:ext cx="746970" cy="369332"/>
+          </a:xfrm>
+          <a:prstGeom prst="rect">
+            <a:avLst/>
+          </a:prstGeom>
+          <a:noFill/>
+        </p:spPr>
+        <p:txBody>
+          <a:bodyPr wrap="square" rtlCol="0">
+            <a:spAutoFit/>
+          </a:bodyPr>
+          <a:lstStyle/>
+          <a:p>
+            <a:pPr algn="ctr"/>
+            <a:r>
+              <a:rPr kumimoji="1" lang="en-US" altLang="ja-JP" dirty="0">
+                <a:solidFill>
+                  <a:schemeClr val="accent2"/>
+                </a:solidFill>
+              </a:rPr>
+              <a:t>0.92</a:t>
+            </a:r>
+            <a:endParaRPr kumimoji="1" lang="ja-JP" altLang="en-US" dirty="0">
+              <a:solidFill>
+                <a:schemeClr val="accent2"/>
+              </a:solidFill>
+            </a:endParaRPr>
+          </a:p>
+        </p:txBody>
+      </p:sp>
+      <p:cxnSp>
+        <p:nvCxnSpPr>
+          <p:cNvPr id="542" name="コネクタ: 曲線 541">
+            <a:extLst>
+              <a:ext uri="{FF2B5EF4-FFF2-40B4-BE49-F238E27FC236}">
+                <a16:creationId xmlns:a16="http://schemas.microsoft.com/office/drawing/2014/main" id="{5C817B85-BDF6-BAC9-40BB-DE685AFFE214}"/>
+              </a:ext>
+            </a:extLst>
+          </p:cNvPr>
+          <p:cNvCxnSpPr>
+            <a:cxnSpLocks/>
+            <a:stCxn id="120" idx="4"/>
+            <a:endCxn id="128" idx="4"/>
+          </p:cNvCxnSpPr>
+          <p:nvPr/>
+        </p:nvCxnSpPr>
+        <p:spPr>
+          <a:xfrm rot="5400000" flipH="1" flipV="1">
+            <a:off x="4650106" y="2905571"/>
+            <a:ext cx="1032593" cy="5789607"/>
+          </a:xfrm>
+          <a:prstGeom prst="curvedConnector3">
+            <a:avLst>
+              <a:gd name="adj1" fmla="val -39005"/>
+            </a:avLst>
+          </a:prstGeom>
+          <a:ln w="12700">
+            <a:solidFill>
+              <a:schemeClr val="accent2"/>
+            </a:solidFill>
+            <a:prstDash val="sysDash"/>
+            <a:tailEnd type="triangle"/>
+          </a:ln>
+        </p:spPr>
+        <p:style>
+          <a:lnRef idx="1">
+            <a:schemeClr val="accent1"/>
+          </a:lnRef>
+          <a:fillRef idx="0">
+            <a:schemeClr val="accent1"/>
+          </a:fillRef>
+          <a:effectRef idx="0">
+            <a:schemeClr val="accent1"/>
+          </a:effectRef>
+          <a:fontRef idx="minor">
+            <a:schemeClr val="tx1"/>
+          </a:fontRef>
+        </p:style>
+      </p:cxnSp>
+      <p:sp>
+        <p:nvSpPr>
+          <p:cNvPr id="552" name="テキスト ボックス 551">
+            <a:extLst>
+              <a:ext uri="{FF2B5EF4-FFF2-40B4-BE49-F238E27FC236}">
+                <a16:creationId xmlns:a16="http://schemas.microsoft.com/office/drawing/2014/main" id="{2CC8437F-E034-90BD-DCAE-EDCFF72E7F58}"/>
+              </a:ext>
+            </a:extLst>
+          </p:cNvPr>
+          <p:cNvSpPr txBox="1"/>
+          <p:nvPr/>
+        </p:nvSpPr>
+        <p:spPr>
+          <a:xfrm>
+            <a:off x="7131712" y="6206119"/>
+            <a:ext cx="746970" cy="369332"/>
+          </a:xfrm>
+          <a:prstGeom prst="rect">
+            <a:avLst/>
+          </a:prstGeom>
+          <a:noFill/>
+        </p:spPr>
+        <p:txBody>
+          <a:bodyPr wrap="square" rtlCol="0">
+            <a:spAutoFit/>
+          </a:bodyPr>
+          <a:lstStyle/>
+          <a:p>
+            <a:pPr algn="ctr"/>
+            <a:r>
+              <a:rPr kumimoji="1" lang="en-US" altLang="ja-JP" dirty="0">
+                <a:solidFill>
+                  <a:schemeClr val="accent2"/>
+                </a:solidFill>
+              </a:rPr>
+              <a:t>0.99</a:t>
+            </a:r>
+            <a:endParaRPr kumimoji="1" lang="ja-JP" altLang="en-US" dirty="0">
+              <a:solidFill>
+                <a:schemeClr val="accent2"/>
+              </a:solidFill>
+            </a:endParaRPr>
+          </a:p>
+        </p:txBody>
+      </p:sp>
+      <p:sp>
+        <p:nvSpPr>
+          <p:cNvPr id="555" name="テキスト ボックス 554">
+            <a:extLst>
+              <a:ext uri="{FF2B5EF4-FFF2-40B4-BE49-F238E27FC236}">
+                <a16:creationId xmlns:a16="http://schemas.microsoft.com/office/drawing/2014/main" id="{E8A0C469-6367-478F-D14F-C8A34BD07A40}"/>
+              </a:ext>
+            </a:extLst>
+          </p:cNvPr>
+          <p:cNvSpPr txBox="1"/>
+          <p:nvPr/>
+        </p:nvSpPr>
+        <p:spPr>
+          <a:xfrm>
+            <a:off x="8807179" y="4209614"/>
+            <a:ext cx="746970" cy="369332"/>
+          </a:xfrm>
+          <a:prstGeom prst="rect">
+            <a:avLst/>
+          </a:prstGeom>
+          <a:noFill/>
+        </p:spPr>
+        <p:txBody>
+          <a:bodyPr wrap="square" rtlCol="0">
+            <a:spAutoFit/>
+          </a:bodyPr>
+          <a:lstStyle/>
+          <a:p>
+            <a:pPr algn="ctr"/>
+            <a:r>
+              <a:rPr kumimoji="1" lang="en-US" altLang="ja-JP" dirty="0">
+                <a:solidFill>
+                  <a:schemeClr val="accent2"/>
+                </a:solidFill>
+              </a:rPr>
+              <a:t>0.53</a:t>
+            </a:r>
+            <a:endParaRPr kumimoji="1" lang="ja-JP" altLang="en-US" dirty="0">
+              <a:solidFill>
+                <a:schemeClr val="accent2"/>
+              </a:solidFill>
+            </a:endParaRPr>
+          </a:p>
+        </p:txBody>
+      </p:sp>
+      <p:sp>
+        <p:nvSpPr>
+          <p:cNvPr id="574" name="テキスト ボックス 573">
+            <a:extLst>
+              <a:ext uri="{FF2B5EF4-FFF2-40B4-BE49-F238E27FC236}">
+                <a16:creationId xmlns:a16="http://schemas.microsoft.com/office/drawing/2014/main" id="{A07C1690-AB8A-D985-EC51-4A23A5C71C78}"/>
+              </a:ext>
+            </a:extLst>
+          </p:cNvPr>
+          <p:cNvSpPr txBox="1"/>
+          <p:nvPr/>
+        </p:nvSpPr>
+        <p:spPr>
+          <a:xfrm>
+            <a:off x="9469127" y="2851195"/>
+            <a:ext cx="1148080" cy="461665"/>
+          </a:xfrm>
+          <a:prstGeom prst="rect">
+            <a:avLst/>
+          </a:prstGeom>
+          <a:noFill/>
+        </p:spPr>
+        <p:txBody>
+          <a:bodyPr wrap="square" rtlCol="0">
+            <a:spAutoFit/>
+          </a:bodyPr>
+          <a:lstStyle/>
+          <a:p>
+            <a:r>
+              <a:rPr kumimoji="1" lang="en-US" altLang="ja-JP" sz="1200" dirty="0" err="1"/>
+              <a:t>GlcNAc</a:t>
+            </a:r>
+            <a:r>
+              <a:rPr kumimoji="1" lang="en-US" altLang="ja-JP" sz="1200" dirty="0"/>
+              <a:t> 0.74</a:t>
+            </a:r>
+          </a:p>
+          <a:p>
+            <a:r>
+              <a:rPr lang="en-US" altLang="ja-JP" sz="1200" dirty="0" err="1"/>
+              <a:t>Glc</a:t>
+            </a:r>
+            <a:r>
+              <a:rPr kumimoji="1" lang="en-US" altLang="ja-JP" sz="1200" dirty="0"/>
+              <a:t> 0.18</a:t>
+            </a:r>
+          </a:p>
+        </p:txBody>
+      </p:sp>
+      <p:sp>
+        <p:nvSpPr>
+          <p:cNvPr id="577" name="テキスト ボックス 576">
+            <a:extLst>
+              <a:ext uri="{FF2B5EF4-FFF2-40B4-BE49-F238E27FC236}">
+                <a16:creationId xmlns:a16="http://schemas.microsoft.com/office/drawing/2014/main" id="{4EE6612D-21C1-C4BB-B36E-DC72D562D43B}"/>
+              </a:ext>
+            </a:extLst>
+          </p:cNvPr>
+          <p:cNvSpPr txBox="1"/>
+          <p:nvPr/>
+        </p:nvSpPr>
+        <p:spPr>
+          <a:xfrm>
+            <a:off x="2916507" y="2731548"/>
+            <a:ext cx="1046002" cy="461665"/>
+          </a:xfrm>
+          <a:prstGeom prst="rect">
+            <a:avLst/>
+          </a:prstGeom>
+          <a:noFill/>
+        </p:spPr>
+        <p:txBody>
+          <a:bodyPr wrap="square" rtlCol="0">
+            <a:spAutoFit/>
+          </a:bodyPr>
+          <a:lstStyle/>
+          <a:p>
+            <a:r>
+              <a:rPr lang="en-US" altLang="ja-JP" sz="1200" dirty="0" err="1"/>
+              <a:t>Fuc</a:t>
+            </a:r>
+            <a:r>
+              <a:rPr kumimoji="1" lang="en-US" altLang="ja-JP" sz="1200" dirty="0"/>
+              <a:t> 0.85</a:t>
+            </a:r>
+          </a:p>
+          <a:p>
+            <a:r>
+              <a:rPr kumimoji="1" lang="en-US" altLang="ja-JP" sz="1200" dirty="0"/>
+              <a:t>D-</a:t>
+            </a:r>
+            <a:r>
+              <a:rPr kumimoji="1" lang="en-US" altLang="ja-JP" sz="1200" dirty="0" err="1"/>
+              <a:t>Fuc</a:t>
+            </a:r>
+            <a:r>
+              <a:rPr kumimoji="1" lang="en-US" altLang="ja-JP" sz="1200" dirty="0"/>
+              <a:t> 0.14</a:t>
+            </a:r>
+          </a:p>
+        </p:txBody>
+      </p:sp>
+      <p:sp>
+        <p:nvSpPr>
+          <p:cNvPr id="578" name="テキスト ボックス 577">
+            <a:extLst>
+              <a:ext uri="{FF2B5EF4-FFF2-40B4-BE49-F238E27FC236}">
+                <a16:creationId xmlns:a16="http://schemas.microsoft.com/office/drawing/2014/main" id="{6E1B2AC3-4772-8BF2-9D74-D8A1CA4C53D1}"/>
+              </a:ext>
+            </a:extLst>
+          </p:cNvPr>
+          <p:cNvSpPr txBox="1"/>
+          <p:nvPr/>
+        </p:nvSpPr>
+        <p:spPr>
+          <a:xfrm>
+            <a:off x="8205135" y="5272095"/>
+            <a:ext cx="1148080" cy="276999"/>
+          </a:xfrm>
+          <a:prstGeom prst="rect">
+            <a:avLst/>
+          </a:prstGeom>
+          <a:noFill/>
+        </p:spPr>
+        <p:txBody>
+          <a:bodyPr wrap="square" rtlCol="0">
+            <a:spAutoFit/>
+          </a:bodyPr>
+          <a:lstStyle/>
+          <a:p>
+            <a:r>
+              <a:rPr kumimoji="1" lang="en-US" altLang="ja-JP" sz="1200" dirty="0" err="1"/>
+              <a:t>GlcNAc</a:t>
+            </a:r>
+            <a:r>
+              <a:rPr kumimoji="1" lang="en-US" altLang="ja-JP" sz="1200" dirty="0"/>
+              <a:t> 0.95</a:t>
+            </a:r>
+          </a:p>
+        </p:txBody>
+      </p:sp>
+      <p:sp>
+        <p:nvSpPr>
+          <p:cNvPr id="579" name="テキスト ボックス 578">
+            <a:extLst>
+              <a:ext uri="{FF2B5EF4-FFF2-40B4-BE49-F238E27FC236}">
+                <a16:creationId xmlns:a16="http://schemas.microsoft.com/office/drawing/2014/main" id="{70F8099B-9FDF-119C-E110-A9AA8BF251F8}"/>
+              </a:ext>
+            </a:extLst>
+          </p:cNvPr>
+          <p:cNvSpPr txBox="1"/>
+          <p:nvPr/>
+        </p:nvSpPr>
+        <p:spPr>
+          <a:xfrm>
+            <a:off x="1166729" y="3130004"/>
+            <a:ext cx="852415" cy="276999"/>
+          </a:xfrm>
+          <a:prstGeom prst="rect">
+            <a:avLst/>
+          </a:prstGeom>
+          <a:noFill/>
+        </p:spPr>
+        <p:txBody>
+          <a:bodyPr wrap="square" rtlCol="0">
+            <a:spAutoFit/>
+          </a:bodyPr>
+          <a:lstStyle/>
+          <a:p>
+            <a:r>
+              <a:rPr kumimoji="1" lang="en-US" altLang="ja-JP" sz="1200" dirty="0" err="1"/>
+              <a:t>GlcNAc</a:t>
+            </a:r>
+            <a:r>
+              <a:rPr kumimoji="1" lang="en-US" altLang="ja-JP" sz="1200" dirty="0"/>
+              <a:t> 1</a:t>
+            </a:r>
+          </a:p>
+        </p:txBody>
+      </p:sp>
+      <p:sp>
+        <p:nvSpPr>
+          <p:cNvPr id="580" name="テキスト ボックス 579">
+            <a:extLst>
+              <a:ext uri="{FF2B5EF4-FFF2-40B4-BE49-F238E27FC236}">
+                <a16:creationId xmlns:a16="http://schemas.microsoft.com/office/drawing/2014/main" id="{22B352CF-B989-82C3-20B9-D56D3C5B6A76}"/>
+              </a:ext>
+            </a:extLst>
+          </p:cNvPr>
+          <p:cNvSpPr txBox="1"/>
+          <p:nvPr/>
+        </p:nvSpPr>
+        <p:spPr>
+          <a:xfrm>
+            <a:off x="3174858" y="6341448"/>
+            <a:ext cx="852415" cy="276999"/>
+          </a:xfrm>
+          <a:prstGeom prst="rect">
+            <a:avLst/>
+          </a:prstGeom>
+          <a:noFill/>
+        </p:spPr>
+        <p:txBody>
+          <a:bodyPr wrap="square" rtlCol="0">
+            <a:spAutoFit/>
+          </a:bodyPr>
+          <a:lstStyle/>
+          <a:p>
+            <a:r>
+              <a:rPr kumimoji="1" lang="en-US" altLang="ja-JP" sz="1200" dirty="0" err="1"/>
+              <a:t>GlcNAc</a:t>
+            </a:r>
+            <a:r>
+              <a:rPr kumimoji="1" lang="en-US" altLang="ja-JP" sz="1200" dirty="0"/>
+              <a:t> 1</a:t>
+            </a:r>
+          </a:p>
+        </p:txBody>
+      </p:sp>
+      <p:sp>
+        <p:nvSpPr>
+          <p:cNvPr id="581" name="テキスト ボックス 580">
+            <a:extLst>
+              <a:ext uri="{FF2B5EF4-FFF2-40B4-BE49-F238E27FC236}">
+                <a16:creationId xmlns:a16="http://schemas.microsoft.com/office/drawing/2014/main" id="{CF3FABBC-F943-4923-0674-4ACEF371A86D}"/>
+              </a:ext>
+            </a:extLst>
+          </p:cNvPr>
+          <p:cNvSpPr txBox="1"/>
+          <p:nvPr/>
+        </p:nvSpPr>
+        <p:spPr>
+          <a:xfrm>
+            <a:off x="6377846" y="6487123"/>
+            <a:ext cx="852415" cy="276999"/>
+          </a:xfrm>
+          <a:prstGeom prst="rect">
+            <a:avLst/>
+          </a:prstGeom>
+          <a:noFill/>
+        </p:spPr>
+        <p:txBody>
+          <a:bodyPr wrap="square" rtlCol="0">
+            <a:spAutoFit/>
+          </a:bodyPr>
+          <a:lstStyle/>
+          <a:p>
+            <a:r>
+              <a:rPr kumimoji="1" lang="en-US" altLang="ja-JP" sz="1200" dirty="0" err="1"/>
+              <a:t>GlcNAc</a:t>
+            </a:r>
+            <a:r>
+              <a:rPr kumimoji="1" lang="en-US" altLang="ja-JP" sz="1200" dirty="0"/>
+              <a:t> 1</a:t>
+            </a:r>
+          </a:p>
+        </p:txBody>
+      </p:sp>
+      <p:sp>
+        <p:nvSpPr>
+          <p:cNvPr id="582" name="テキスト ボックス 581">
+            <a:extLst>
+              <a:ext uri="{FF2B5EF4-FFF2-40B4-BE49-F238E27FC236}">
+                <a16:creationId xmlns:a16="http://schemas.microsoft.com/office/drawing/2014/main" id="{B23DBDD8-F9FC-8DA1-EAB9-019DC924A531}"/>
+              </a:ext>
+            </a:extLst>
+          </p:cNvPr>
+          <p:cNvSpPr txBox="1"/>
+          <p:nvPr/>
+        </p:nvSpPr>
+        <p:spPr>
+          <a:xfrm>
+            <a:off x="1983890" y="4779315"/>
+            <a:ext cx="1148080" cy="461665"/>
+          </a:xfrm>
+          <a:prstGeom prst="rect">
+            <a:avLst/>
+          </a:prstGeom>
+          <a:noFill/>
+        </p:spPr>
+        <p:txBody>
+          <a:bodyPr wrap="square" rtlCol="0">
+            <a:spAutoFit/>
+          </a:bodyPr>
+          <a:lstStyle/>
+          <a:p>
+            <a:r>
+              <a:rPr kumimoji="1" lang="en-US" altLang="ja-JP" sz="1200" dirty="0" err="1"/>
+              <a:t>GlcNAc</a:t>
+            </a:r>
+            <a:r>
+              <a:rPr kumimoji="1" lang="en-US" altLang="ja-JP" sz="1200" dirty="0"/>
+              <a:t> 0.71</a:t>
+            </a:r>
+          </a:p>
+          <a:p>
+            <a:r>
+              <a:rPr kumimoji="1" lang="en-US" altLang="ja-JP" sz="1200" dirty="0" err="1"/>
+              <a:t>Fuc</a:t>
+            </a:r>
+            <a:r>
+              <a:rPr kumimoji="1" lang="en-US" altLang="ja-JP" sz="1200" dirty="0"/>
+              <a:t> 0.21</a:t>
+            </a:r>
+          </a:p>
+        </p:txBody>
+      </p:sp>
+      <p:sp>
+        <p:nvSpPr>
+          <p:cNvPr id="583" name="テキスト ボックス 582">
+            <a:extLst>
+              <a:ext uri="{FF2B5EF4-FFF2-40B4-BE49-F238E27FC236}">
+                <a16:creationId xmlns:a16="http://schemas.microsoft.com/office/drawing/2014/main" id="{766687B8-5250-A41A-E3EF-72E6938B6F07}"/>
+              </a:ext>
+            </a:extLst>
+          </p:cNvPr>
+          <p:cNvSpPr txBox="1"/>
+          <p:nvPr/>
+        </p:nvSpPr>
+        <p:spPr>
+          <a:xfrm>
+            <a:off x="3002406" y="710952"/>
+            <a:ext cx="1110840" cy="276999"/>
+          </a:xfrm>
+          <a:prstGeom prst="rect">
+            <a:avLst/>
+          </a:prstGeom>
+          <a:noFill/>
+        </p:spPr>
+        <p:txBody>
+          <a:bodyPr wrap="square" rtlCol="0">
+            <a:spAutoFit/>
+          </a:bodyPr>
+          <a:lstStyle/>
+          <a:p>
+            <a:r>
+              <a:rPr kumimoji="1" lang="en-US" altLang="ja-JP" sz="1200" dirty="0" err="1"/>
+              <a:t>GlcNAc</a:t>
+            </a:r>
+            <a:r>
+              <a:rPr kumimoji="1" lang="en-US" altLang="ja-JP" sz="1200" dirty="0"/>
+              <a:t> 0.93</a:t>
+            </a:r>
+          </a:p>
+        </p:txBody>
+      </p:sp>
+      <p:sp>
+        <p:nvSpPr>
+          <p:cNvPr id="584" name="テキスト ボックス 583">
+            <a:extLst>
+              <a:ext uri="{FF2B5EF4-FFF2-40B4-BE49-F238E27FC236}">
+                <a16:creationId xmlns:a16="http://schemas.microsoft.com/office/drawing/2014/main" id="{15582A68-E1F9-0FC4-6B8C-33E453F542CC}"/>
+              </a:ext>
+            </a:extLst>
+          </p:cNvPr>
+          <p:cNvSpPr txBox="1"/>
+          <p:nvPr/>
+        </p:nvSpPr>
+        <p:spPr>
+          <a:xfrm>
+            <a:off x="6778364" y="5233848"/>
+            <a:ext cx="946292" cy="276999"/>
+          </a:xfrm>
+          <a:prstGeom prst="rect">
+            <a:avLst/>
+          </a:prstGeom>
+          <a:noFill/>
+        </p:spPr>
+        <p:txBody>
+          <a:bodyPr wrap="square" rtlCol="0">
+            <a:spAutoFit/>
+          </a:bodyPr>
+          <a:lstStyle/>
+          <a:p>
+            <a:r>
+              <a:rPr lang="en-US" altLang="ja-JP" sz="1200" dirty="0"/>
+              <a:t>Man</a:t>
+            </a:r>
+            <a:r>
+              <a:rPr kumimoji="1" lang="en-US" altLang="ja-JP" sz="1200" dirty="0"/>
+              <a:t> 0.98</a:t>
+            </a:r>
+          </a:p>
+        </p:txBody>
+      </p:sp>
+      <p:sp>
+        <p:nvSpPr>
+          <p:cNvPr id="585" name="テキスト ボックス 584">
+            <a:extLst>
+              <a:ext uri="{FF2B5EF4-FFF2-40B4-BE49-F238E27FC236}">
+                <a16:creationId xmlns:a16="http://schemas.microsoft.com/office/drawing/2014/main" id="{BFBADD6F-008B-6249-F54A-4368CFAAA5CF}"/>
+              </a:ext>
+            </a:extLst>
+          </p:cNvPr>
+          <p:cNvSpPr txBox="1"/>
+          <p:nvPr/>
+        </p:nvSpPr>
+        <p:spPr>
+          <a:xfrm>
+            <a:off x="8019670" y="1534579"/>
+            <a:ext cx="1148080" cy="461665"/>
+          </a:xfrm>
+          <a:prstGeom prst="rect">
+            <a:avLst/>
+          </a:prstGeom>
+          <a:noFill/>
+        </p:spPr>
+        <p:txBody>
+          <a:bodyPr wrap="square" rtlCol="0">
+            <a:spAutoFit/>
+          </a:bodyPr>
+          <a:lstStyle/>
+          <a:p>
+            <a:r>
+              <a:rPr lang="en-US" altLang="ja-JP" sz="1200" dirty="0"/>
+              <a:t>Neu5Ac</a:t>
+            </a:r>
+            <a:r>
+              <a:rPr kumimoji="1" lang="en-US" altLang="ja-JP" sz="1200" dirty="0"/>
+              <a:t> 0.57</a:t>
+            </a:r>
+          </a:p>
+          <a:p>
+            <a:r>
+              <a:rPr kumimoji="1" lang="en-US" altLang="ja-JP" sz="1200" dirty="0"/>
+              <a:t>Neu5Gc 0.14</a:t>
+            </a:r>
+          </a:p>
+        </p:txBody>
+      </p:sp>
+      <p:sp>
+        <p:nvSpPr>
+          <p:cNvPr id="586" name="テキスト ボックス 585">
+            <a:extLst>
+              <a:ext uri="{FF2B5EF4-FFF2-40B4-BE49-F238E27FC236}">
+                <a16:creationId xmlns:a16="http://schemas.microsoft.com/office/drawing/2014/main" id="{0F0C7D3C-2318-7D85-9D50-9A204FB870D3}"/>
+              </a:ext>
+            </a:extLst>
+          </p:cNvPr>
+          <p:cNvSpPr txBox="1"/>
+          <p:nvPr/>
+        </p:nvSpPr>
+        <p:spPr>
+          <a:xfrm>
+            <a:off x="5738059" y="2280788"/>
+            <a:ext cx="795691" cy="276999"/>
+          </a:xfrm>
+          <a:prstGeom prst="rect">
+            <a:avLst/>
+          </a:prstGeom>
+          <a:noFill/>
+        </p:spPr>
+        <p:txBody>
+          <a:bodyPr wrap="square" rtlCol="0">
+            <a:spAutoFit/>
+          </a:bodyPr>
+          <a:lstStyle/>
+          <a:p>
+            <a:r>
+              <a:rPr kumimoji="1" lang="en-US" altLang="ja-JP" sz="1200" dirty="0"/>
+              <a:t>Gal 0.93</a:t>
+            </a:r>
+          </a:p>
+        </p:txBody>
+      </p:sp>
+      <p:sp>
+        <p:nvSpPr>
+          <p:cNvPr id="587" name="テキスト ボックス 586">
+            <a:extLst>
+              <a:ext uri="{FF2B5EF4-FFF2-40B4-BE49-F238E27FC236}">
+                <a16:creationId xmlns:a16="http://schemas.microsoft.com/office/drawing/2014/main" id="{B1300238-4351-B24E-3C82-DB43423BE1AE}"/>
+              </a:ext>
+            </a:extLst>
+          </p:cNvPr>
+          <p:cNvSpPr txBox="1"/>
+          <p:nvPr/>
+        </p:nvSpPr>
+        <p:spPr>
+          <a:xfrm>
+            <a:off x="3843426" y="5037178"/>
+            <a:ext cx="946292" cy="276999"/>
+          </a:xfrm>
+          <a:prstGeom prst="rect">
+            <a:avLst/>
+          </a:prstGeom>
+          <a:noFill/>
+        </p:spPr>
+        <p:txBody>
+          <a:bodyPr wrap="square" rtlCol="0">
+            <a:spAutoFit/>
+          </a:bodyPr>
+          <a:lstStyle/>
+          <a:p>
+            <a:r>
+              <a:rPr lang="en-US" altLang="ja-JP" sz="1200" dirty="0"/>
+              <a:t>Man</a:t>
+            </a:r>
+            <a:r>
+              <a:rPr kumimoji="1" lang="en-US" altLang="ja-JP" sz="1200" dirty="0"/>
+              <a:t> 0.99</a:t>
+            </a:r>
+          </a:p>
+        </p:txBody>
+      </p:sp>
+      <p:sp>
+        <p:nvSpPr>
+          <p:cNvPr id="588" name="テキスト ボックス 587">
+            <a:extLst>
+              <a:ext uri="{FF2B5EF4-FFF2-40B4-BE49-F238E27FC236}">
+                <a16:creationId xmlns:a16="http://schemas.microsoft.com/office/drawing/2014/main" id="{CB234A9C-3E18-A8A0-0978-3C56090DC3CA}"/>
+              </a:ext>
+            </a:extLst>
+          </p:cNvPr>
+          <p:cNvSpPr txBox="1"/>
+          <p:nvPr/>
+        </p:nvSpPr>
+        <p:spPr>
+          <a:xfrm>
+            <a:off x="1205154" y="5919176"/>
+            <a:ext cx="852415" cy="276999"/>
+          </a:xfrm>
+          <a:prstGeom prst="rect">
+            <a:avLst/>
+          </a:prstGeom>
+          <a:noFill/>
+        </p:spPr>
+        <p:txBody>
+          <a:bodyPr wrap="square" rtlCol="0">
+            <a:spAutoFit/>
+          </a:bodyPr>
+          <a:lstStyle/>
+          <a:p>
+            <a:r>
+              <a:rPr kumimoji="1" lang="en-US" altLang="ja-JP" sz="1200" dirty="0" err="1"/>
+              <a:t>GlcNAc</a:t>
+            </a:r>
+            <a:r>
+              <a:rPr kumimoji="1" lang="en-US" altLang="ja-JP" sz="1200" dirty="0"/>
+              <a:t> 1</a:t>
+            </a:r>
+          </a:p>
+        </p:txBody>
+      </p:sp>
+      <p:sp>
+        <p:nvSpPr>
+          <p:cNvPr id="589" name="テキスト ボックス 588">
+            <a:extLst>
+              <a:ext uri="{FF2B5EF4-FFF2-40B4-BE49-F238E27FC236}">
+                <a16:creationId xmlns:a16="http://schemas.microsoft.com/office/drawing/2014/main" id="{00329A54-8E67-8E3B-2FD3-251E5A87CCDB}"/>
+              </a:ext>
+            </a:extLst>
+          </p:cNvPr>
+          <p:cNvSpPr txBox="1"/>
+          <p:nvPr/>
+        </p:nvSpPr>
+        <p:spPr>
+          <a:xfrm>
+            <a:off x="7100223" y="2809048"/>
+            <a:ext cx="829121" cy="461665"/>
+          </a:xfrm>
+          <a:prstGeom prst="rect">
+            <a:avLst/>
+          </a:prstGeom>
+          <a:noFill/>
+        </p:spPr>
+        <p:txBody>
+          <a:bodyPr wrap="square" rtlCol="0">
+            <a:spAutoFit/>
+          </a:bodyPr>
+          <a:lstStyle/>
+          <a:p>
+            <a:r>
+              <a:rPr lang="en-US" altLang="ja-JP" sz="1200" dirty="0" err="1"/>
+              <a:t>Fuc</a:t>
+            </a:r>
+            <a:r>
+              <a:rPr kumimoji="1" lang="en-US" altLang="ja-JP" sz="1200" dirty="0"/>
+              <a:t> 0.76</a:t>
+            </a:r>
+          </a:p>
+          <a:p>
+            <a:r>
+              <a:rPr lang="en-US" altLang="ja-JP" sz="1200" dirty="0" err="1"/>
+              <a:t>Glc</a:t>
+            </a:r>
+            <a:r>
+              <a:rPr lang="en-US" altLang="ja-JP" sz="1200" dirty="0"/>
+              <a:t> </a:t>
+            </a:r>
+            <a:r>
+              <a:rPr kumimoji="1" lang="en-US" altLang="ja-JP" sz="1200" dirty="0"/>
+              <a:t>0.10</a:t>
+            </a:r>
+          </a:p>
+        </p:txBody>
+      </p:sp>
+      <p:cxnSp>
+        <p:nvCxnSpPr>
+          <p:cNvPr id="343" name="直線矢印コネクタ 342">
+            <a:extLst>
+              <a:ext uri="{FF2B5EF4-FFF2-40B4-BE49-F238E27FC236}">
+                <a16:creationId xmlns:a16="http://schemas.microsoft.com/office/drawing/2014/main" id="{58642459-B6AA-2E6A-5024-122AEB2EF058}"/>
+              </a:ext>
+            </a:extLst>
+          </p:cNvPr>
+          <p:cNvCxnSpPr>
+            <a:cxnSpLocks/>
+            <a:stCxn id="131" idx="6"/>
+            <a:endCxn id="122" idx="1"/>
+          </p:cNvCxnSpPr>
+          <p:nvPr/>
+        </p:nvCxnSpPr>
+        <p:spPr>
+          <a:xfrm>
+            <a:off x="4722348" y="3760280"/>
+            <a:ext cx="1831730" cy="1009813"/>
+          </a:xfrm>
+          <a:prstGeom prst="straightConnector1">
+            <a:avLst/>
+          </a:prstGeom>
+          <a:ln w="12700">
+            <a:solidFill>
+              <a:schemeClr val="accent2"/>
+            </a:solidFill>
+            <a:prstDash val="sysDash"/>
+            <a:tailEnd type="triangle"/>
           </a:ln>
         </p:spPr>
         <p:style>
@@ -9652,31 +14513,30 @@
       </p:cxnSp>
       <p:cxnSp>
         <p:nvCxnSpPr>
-          <p:cNvPr id="89" name="直線コネクタ 88">
-            <a:extLst>
-              <a:ext uri="{FF2B5EF4-FFF2-40B4-BE49-F238E27FC236}">
-                <a16:creationId xmlns:a16="http://schemas.microsoft.com/office/drawing/2014/main" id="{219E3501-C614-A6C3-7C21-28CF0F8C4DF5}"/>
+          <p:cNvPr id="7" name="直線矢印コネクタ 6">
+            <a:extLst>
+              <a:ext uri="{FF2B5EF4-FFF2-40B4-BE49-F238E27FC236}">
+                <a16:creationId xmlns:a16="http://schemas.microsoft.com/office/drawing/2014/main" id="{91B62093-7087-4973-5FB1-9E0542DF09AE}"/>
               </a:ext>
             </a:extLst>
           </p:cNvPr>
           <p:cNvCxnSpPr>
             <a:cxnSpLocks/>
-            <a:stCxn id="64" idx="6"/>
+            <a:stCxn id="122" idx="3"/>
+            <a:endCxn id="119" idx="5"/>
           </p:cNvCxnSpPr>
           <p:nvPr/>
         </p:nvCxnSpPr>
         <p:spPr>
-          <a:xfrm>
-            <a:off x="2925183" y="2024951"/>
-            <a:ext cx="555341" cy="1705"/>
-          </a:xfrm>
-          <a:prstGeom prst="line">
-            <a:avLst/>
-          </a:prstGeom>
-          <a:ln>
-            <a:solidFill>
-              <a:schemeClr val="tx1"/>
-            </a:solidFill>
+          <a:xfrm flipH="1">
+            <a:off x="5191463" y="5199210"/>
+            <a:ext cx="1362615" cy="3685"/>
+          </a:xfrm>
+          <a:prstGeom prst="straightConnector1">
+            <a:avLst/>
+          </a:prstGeom>
+          <a:ln w="12700">
+            <a:tailEnd type="triangle"/>
           </a:ln>
         </p:spPr>
         <p:style>
@@ -9694,281 +14554,12 @@
           </a:fontRef>
         </p:style>
       </p:cxnSp>
-      <p:cxnSp>
-        <p:nvCxnSpPr>
-          <p:cNvPr id="92" name="直線コネクタ 91">
-            <a:extLst>
-              <a:ext uri="{FF2B5EF4-FFF2-40B4-BE49-F238E27FC236}">
-                <a16:creationId xmlns:a16="http://schemas.microsoft.com/office/drawing/2014/main" id="{F0188C79-281A-7EB4-B7A7-0B74E0A01B6C}"/>
-              </a:ext>
-            </a:extLst>
-          </p:cNvPr>
-          <p:cNvCxnSpPr>
-            <a:cxnSpLocks/>
-            <a:stCxn id="75" idx="6"/>
-          </p:cNvCxnSpPr>
-          <p:nvPr/>
-        </p:nvCxnSpPr>
-        <p:spPr>
-          <a:xfrm>
-            <a:off x="4143859" y="3419290"/>
-            <a:ext cx="542175" cy="5386"/>
-          </a:xfrm>
-          <a:prstGeom prst="line">
-            <a:avLst/>
-          </a:prstGeom>
-          <a:ln>
-            <a:solidFill>
-              <a:schemeClr val="tx1"/>
-            </a:solidFill>
-          </a:ln>
-        </p:spPr>
-        <p:style>
-          <a:lnRef idx="1">
-            <a:schemeClr val="accent1"/>
-          </a:lnRef>
-          <a:fillRef idx="0">
-            <a:schemeClr val="accent1"/>
-          </a:fillRef>
-          <a:effectRef idx="0">
-            <a:schemeClr val="accent1"/>
-          </a:effectRef>
-          <a:fontRef idx="minor">
-            <a:schemeClr val="tx1"/>
-          </a:fontRef>
-        </p:style>
-      </p:cxnSp>
-      <p:cxnSp>
-        <p:nvCxnSpPr>
-          <p:cNvPr id="94" name="直線コネクタ 93">
-            <a:extLst>
-              <a:ext uri="{FF2B5EF4-FFF2-40B4-BE49-F238E27FC236}">
-                <a16:creationId xmlns:a16="http://schemas.microsoft.com/office/drawing/2014/main" id="{2A3434F9-101A-C370-87D9-B8A615A1B98C}"/>
-              </a:ext>
-            </a:extLst>
-          </p:cNvPr>
-          <p:cNvCxnSpPr>
-            <a:cxnSpLocks/>
-            <a:stCxn id="78" idx="6"/>
-            <a:endCxn id="75" idx="2"/>
-          </p:cNvCxnSpPr>
-          <p:nvPr/>
-        </p:nvCxnSpPr>
-        <p:spPr>
-          <a:xfrm>
-            <a:off x="2922934" y="3419290"/>
-            <a:ext cx="551152" cy="0"/>
-          </a:xfrm>
-          <a:prstGeom prst="line">
-            <a:avLst/>
-          </a:prstGeom>
-          <a:ln>
-            <a:solidFill>
-              <a:schemeClr val="tx1"/>
-            </a:solidFill>
-          </a:ln>
-        </p:spPr>
-        <p:style>
-          <a:lnRef idx="1">
-            <a:schemeClr val="accent1"/>
-          </a:lnRef>
-          <a:fillRef idx="0">
-            <a:schemeClr val="accent1"/>
-          </a:fillRef>
-          <a:effectRef idx="0">
-            <a:schemeClr val="accent1"/>
-          </a:effectRef>
-          <a:fontRef idx="minor">
-            <a:schemeClr val="tx1"/>
-          </a:fontRef>
-        </p:style>
-      </p:cxnSp>
-      <p:cxnSp>
-        <p:nvCxnSpPr>
-          <p:cNvPr id="101" name="直線コネクタ 100">
-            <a:extLst>
-              <a:ext uri="{FF2B5EF4-FFF2-40B4-BE49-F238E27FC236}">
-                <a16:creationId xmlns:a16="http://schemas.microsoft.com/office/drawing/2014/main" id="{662F5556-2EA0-97A9-8869-4603EFD5B92B}"/>
-              </a:ext>
-            </a:extLst>
-          </p:cNvPr>
-          <p:cNvCxnSpPr>
-            <a:cxnSpLocks/>
-            <a:stCxn id="44" idx="6"/>
-            <a:endCxn id="41" idx="2"/>
-          </p:cNvCxnSpPr>
-          <p:nvPr/>
-        </p:nvCxnSpPr>
-        <p:spPr>
-          <a:xfrm>
-            <a:off x="4178787" y="4756581"/>
-            <a:ext cx="566910" cy="0"/>
-          </a:xfrm>
-          <a:prstGeom prst="line">
-            <a:avLst/>
-          </a:prstGeom>
-          <a:ln>
-            <a:solidFill>
-              <a:schemeClr val="tx1"/>
-            </a:solidFill>
-          </a:ln>
-        </p:spPr>
-        <p:style>
-          <a:lnRef idx="1">
-            <a:schemeClr val="accent1"/>
-          </a:lnRef>
-          <a:fillRef idx="0">
-            <a:schemeClr val="accent1"/>
-          </a:fillRef>
-          <a:effectRef idx="0">
-            <a:schemeClr val="accent1"/>
-          </a:effectRef>
-          <a:fontRef idx="minor">
-            <a:schemeClr val="tx1"/>
-          </a:fontRef>
-        </p:style>
-      </p:cxnSp>
-      <p:cxnSp>
-        <p:nvCxnSpPr>
-          <p:cNvPr id="103" name="直線コネクタ 102">
-            <a:extLst>
-              <a:ext uri="{FF2B5EF4-FFF2-40B4-BE49-F238E27FC236}">
-                <a16:creationId xmlns:a16="http://schemas.microsoft.com/office/drawing/2014/main" id="{69C44B0D-BF3C-6EB1-41C9-F231BD414390}"/>
-              </a:ext>
-            </a:extLst>
-          </p:cNvPr>
-          <p:cNvCxnSpPr>
-            <a:cxnSpLocks/>
-            <a:stCxn id="47" idx="6"/>
-            <a:endCxn id="44" idx="2"/>
-          </p:cNvCxnSpPr>
-          <p:nvPr/>
-        </p:nvCxnSpPr>
-        <p:spPr>
-          <a:xfrm>
-            <a:off x="2958974" y="4756581"/>
-            <a:ext cx="557907" cy="0"/>
-          </a:xfrm>
-          <a:prstGeom prst="line">
-            <a:avLst/>
-          </a:prstGeom>
-          <a:ln>
-            <a:solidFill>
-              <a:schemeClr val="tx1"/>
-            </a:solidFill>
-          </a:ln>
-        </p:spPr>
-        <p:style>
-          <a:lnRef idx="1">
-            <a:schemeClr val="accent1"/>
-          </a:lnRef>
-          <a:fillRef idx="0">
-            <a:schemeClr val="accent1"/>
-          </a:fillRef>
-          <a:effectRef idx="0">
-            <a:schemeClr val="accent1"/>
-          </a:effectRef>
-          <a:fontRef idx="minor">
-            <a:schemeClr val="tx1"/>
-          </a:fontRef>
-        </p:style>
-      </p:cxnSp>
-      <p:cxnSp>
-        <p:nvCxnSpPr>
-          <p:cNvPr id="3" name="直線コネクタ 2">
-            <a:extLst>
-              <a:ext uri="{FF2B5EF4-FFF2-40B4-BE49-F238E27FC236}">
-                <a16:creationId xmlns:a16="http://schemas.microsoft.com/office/drawing/2014/main" id="{77AFF6F8-9CA7-9910-00AE-6EAC8F2AB456}"/>
-              </a:ext>
-            </a:extLst>
-          </p:cNvPr>
-          <p:cNvCxnSpPr>
-            <a:cxnSpLocks/>
-            <a:stCxn id="69" idx="6"/>
-            <a:endCxn id="64" idx="2"/>
-          </p:cNvCxnSpPr>
-          <p:nvPr/>
-        </p:nvCxnSpPr>
-        <p:spPr>
-          <a:xfrm>
-            <a:off x="1698928" y="2024951"/>
-            <a:ext cx="556482" cy="0"/>
-          </a:xfrm>
-          <a:prstGeom prst="line">
-            <a:avLst/>
-          </a:prstGeom>
-          <a:ln>
-            <a:solidFill>
-              <a:schemeClr val="tx1"/>
-            </a:solidFill>
-          </a:ln>
-        </p:spPr>
-        <p:style>
-          <a:lnRef idx="1">
-            <a:schemeClr val="accent1"/>
-          </a:lnRef>
-          <a:fillRef idx="0">
-            <a:schemeClr val="accent1"/>
-          </a:fillRef>
-          <a:effectRef idx="0">
-            <a:schemeClr val="accent1"/>
-          </a:effectRef>
-          <a:fontRef idx="minor">
-            <a:schemeClr val="tx1"/>
-          </a:fontRef>
-        </p:style>
-      </p:cxnSp>
-      <p:cxnSp>
-        <p:nvCxnSpPr>
-          <p:cNvPr id="8" name="直線コネクタ 7">
-            <a:extLst>
-              <a:ext uri="{FF2B5EF4-FFF2-40B4-BE49-F238E27FC236}">
-                <a16:creationId xmlns:a16="http://schemas.microsoft.com/office/drawing/2014/main" id="{580E5ABF-203F-5B48-A798-845CE32C6FD7}"/>
-              </a:ext>
-            </a:extLst>
-          </p:cNvPr>
-          <p:cNvCxnSpPr>
-            <a:cxnSpLocks/>
-            <a:stCxn id="41" idx="6"/>
-            <a:endCxn id="36" idx="2"/>
-          </p:cNvCxnSpPr>
-          <p:nvPr/>
-        </p:nvCxnSpPr>
-        <p:spPr>
-          <a:xfrm>
-            <a:off x="5407603" y="4756581"/>
-            <a:ext cx="518547" cy="0"/>
-          </a:xfrm>
-          <a:prstGeom prst="line">
-            <a:avLst/>
-          </a:prstGeom>
-          <a:ln>
-            <a:solidFill>
-              <a:schemeClr val="tx1"/>
-            </a:solidFill>
-          </a:ln>
-        </p:spPr>
-        <p:style>
-          <a:lnRef idx="1">
-            <a:schemeClr val="accent1"/>
-          </a:lnRef>
-          <a:fillRef idx="0">
-            <a:schemeClr val="accent1"/>
-          </a:fillRef>
-          <a:effectRef idx="0">
-            <a:schemeClr val="accent1"/>
-          </a:effectRef>
-          <a:fontRef idx="minor">
-            <a:schemeClr val="tx1"/>
-          </a:fontRef>
-        </p:style>
-      </p:cxnSp>
-      <p:sp>
-        <p:nvSpPr>
-          <p:cNvPr id="17" name="テキスト ボックス 16">
-            <a:extLst>
-              <a:ext uri="{FF2B5EF4-FFF2-40B4-BE49-F238E27FC236}">
-                <a16:creationId xmlns:a16="http://schemas.microsoft.com/office/drawing/2014/main" id="{77F8248F-EC1B-F5BD-3376-79D13122BF0D}"/>
+      <p:sp>
+        <p:nvSpPr>
+          <p:cNvPr id="13" name="テキスト ボックス 12">
+            <a:extLst>
+              <a:ext uri="{FF2B5EF4-FFF2-40B4-BE49-F238E27FC236}">
+                <a16:creationId xmlns:a16="http://schemas.microsoft.com/office/drawing/2014/main" id="{B436B8D7-628D-1237-9580-D96D50077B3B}"/>
               </a:ext>
             </a:extLst>
           </p:cNvPr>
@@ -9977,8 +14568,8 @@
         </p:nvSpPr>
         <p:spPr>
           <a:xfrm>
-            <a:off x="1930400" y="296753"/>
-            <a:ext cx="8331200" cy="923330"/>
+            <a:off x="5967313" y="5200680"/>
+            <a:ext cx="603775" cy="338554"/>
           </a:xfrm>
           <a:prstGeom prst="rect">
             <a:avLst/>
@@ -9991,1022 +14582,18 @@
           </a:bodyPr>
           <a:lstStyle/>
           <a:p>
-            <a:r>
-              <a:rPr lang="en-US" altLang="ja-JP" b="0" i="0" dirty="0">
+            <a:pPr algn="ctr"/>
+            <a:r>
+              <a:rPr lang="en-US" altLang="ja-JP" sz="1600" dirty="0">
                 <a:solidFill>
-                  <a:srgbClr val="212121"/>
-                </a:solidFill>
-                <a:effectLst/>
-                <a:latin typeface="Courier New" panose="02070309020205020404" pitchFamily="49" charset="0"/>
-              </a:rPr>
-              <a:t>High mannose</a:t>
-            </a:r>
-          </a:p>
-          <a:p>
-            <a:r>
-              <a:rPr lang="en-US" altLang="ja-JP" b="0" i="0" dirty="0">
-                <a:solidFill>
-                  <a:srgbClr val="212121"/>
-                </a:solidFill>
-                <a:effectLst/>
-                <a:latin typeface="Courier New" panose="02070309020205020404" pitchFamily="49" charset="0"/>
-              </a:rPr>
-              <a:t>The probability that all labels are outputted along the most likely state transition: -12.136661573752203</a:t>
-            </a:r>
-            <a:r>
-              <a:rPr lang="ja-JP" altLang="en-US" b="0" i="0" dirty="0">
-                <a:solidFill>
-                  <a:srgbClr val="212121"/>
-                </a:solidFill>
-                <a:effectLst/>
-                <a:latin typeface="Courier New" panose="02070309020205020404" pitchFamily="49" charset="0"/>
-              </a:rPr>
-              <a:t>（対数表示）</a:t>
-            </a:r>
-            <a:endParaRPr kumimoji="1" lang="ja-JP" altLang="en-US" dirty="0"/>
-          </a:p>
-        </p:txBody>
-      </p:sp>
-      <p:pic>
-        <p:nvPicPr>
-          <p:cNvPr id="1026" name="Picture 2">
-            <a:extLst>
-              <a:ext uri="{FF2B5EF4-FFF2-40B4-BE49-F238E27FC236}">
-                <a16:creationId xmlns:a16="http://schemas.microsoft.com/office/drawing/2014/main" id="{DA98605D-938E-2862-AD24-EF2570C1E252}"/>
-              </a:ext>
-            </a:extLst>
-          </p:cNvPr>
-          <p:cNvPicPr>
-            <a:picLocks noChangeAspect="1" noChangeArrowheads="1"/>
-          </p:cNvPicPr>
-          <p:nvPr/>
-        </p:nvPicPr>
-        <p:blipFill>
-          <a:blip r:embed="rId2">
-            <a:extLst>
-              <a:ext uri="{28A0092B-C50C-407E-A947-70E740481C1C}">
-                <a14:useLocalDpi xmlns:a14="http://schemas.microsoft.com/office/drawing/2010/main" val="0"/>
-              </a:ext>
-            </a:extLst>
-          </a:blip>
-          <a:srcRect/>
-          <a:stretch>
-            <a:fillRect/>
-          </a:stretch>
-        </p:blipFill>
-        <p:spPr bwMode="auto">
-          <a:xfrm>
-            <a:off x="6971112" y="4539198"/>
-            <a:ext cx="4147083" cy="1840492"/>
-          </a:xfrm>
-          <a:prstGeom prst="rect">
-            <a:avLst/>
-          </a:prstGeom>
-          <a:noFill/>
-          <a:extLst>
-            <a:ext uri="{909E8E84-426E-40DD-AFC4-6F175D3DCCD1}">
-              <a14:hiddenFill xmlns:a14="http://schemas.microsoft.com/office/drawing/2010/main">
-                <a:solidFill>
-                  <a:srgbClr val="FFFFFF"/>
-                </a:solidFill>
-              </a14:hiddenFill>
-            </a:ext>
-          </a:extLst>
-        </p:spPr>
-      </p:pic>
-      <p:sp>
-        <p:nvSpPr>
-          <p:cNvPr id="9" name="テキスト ボックス 8">
-            <a:extLst>
-              <a:ext uri="{FF2B5EF4-FFF2-40B4-BE49-F238E27FC236}">
-                <a16:creationId xmlns:a16="http://schemas.microsoft.com/office/drawing/2014/main" id="{6C1493F6-39E2-FE09-6421-EF8A271869AC}"/>
-              </a:ext>
-            </a:extLst>
-          </p:cNvPr>
-          <p:cNvSpPr txBox="1"/>
-          <p:nvPr/>
-        </p:nvSpPr>
-        <p:spPr>
-          <a:xfrm>
-            <a:off x="8874825" y="6192890"/>
-            <a:ext cx="974889" cy="369332"/>
-          </a:xfrm>
-          <a:prstGeom prst="rect">
-            <a:avLst/>
-          </a:prstGeom>
-          <a:noFill/>
-        </p:spPr>
-        <p:txBody>
-          <a:bodyPr wrap="square">
-            <a:spAutoFit/>
-          </a:bodyPr>
-          <a:lstStyle/>
-          <a:p>
-            <a:pPr algn="l"/>
-            <a:r>
-              <a:rPr lang="en-US" altLang="ja-JP" b="1" i="0" dirty="0">
-                <a:solidFill>
-                  <a:srgbClr val="000000"/>
-                </a:solidFill>
-                <a:effectLst/>
-                <a:latin typeface="arial" panose="020B0604020202020204" pitchFamily="34" charset="0"/>
-              </a:rPr>
-              <a:t>SNFG</a:t>
-            </a:r>
-          </a:p>
-        </p:txBody>
-      </p:sp>
-      <p:sp>
-        <p:nvSpPr>
-          <p:cNvPr id="26" name="楕円 25">
-            <a:extLst>
-              <a:ext uri="{FF2B5EF4-FFF2-40B4-BE49-F238E27FC236}">
-                <a16:creationId xmlns:a16="http://schemas.microsoft.com/office/drawing/2014/main" id="{251F1BCE-0A3F-3E77-D28D-E1C30410FEF1}"/>
-              </a:ext>
-            </a:extLst>
-          </p:cNvPr>
-          <p:cNvSpPr/>
-          <p:nvPr/>
-        </p:nvSpPr>
-        <p:spPr>
-          <a:xfrm>
-            <a:off x="8335353" y="3386205"/>
-            <a:ext cx="661906" cy="646330"/>
-          </a:xfrm>
-          <a:prstGeom prst="ellipse">
-            <a:avLst/>
-          </a:prstGeom>
-          <a:noFill/>
-          <a:ln>
-            <a:solidFill>
-              <a:schemeClr val="tx1"/>
-            </a:solidFill>
-          </a:ln>
-        </p:spPr>
-        <p:style>
-          <a:lnRef idx="2">
-            <a:schemeClr val="accent1">
-              <a:shade val="50000"/>
-            </a:schemeClr>
-          </a:lnRef>
-          <a:fillRef idx="1">
-            <a:schemeClr val="accent1"/>
-          </a:fillRef>
-          <a:effectRef idx="0">
-            <a:schemeClr val="accent1"/>
-          </a:effectRef>
-          <a:fontRef idx="minor">
-            <a:schemeClr val="lt1"/>
-          </a:fontRef>
-        </p:style>
-        <p:txBody>
-          <a:bodyPr rtlCol="0" anchor="ctr"/>
-          <a:lstStyle/>
-          <a:p>
-            <a:pPr algn="ctr"/>
-            <a:r>
-              <a:rPr lang="en-US" altLang="ja-JP" dirty="0">
-                <a:solidFill>
-                  <a:schemeClr val="tx1"/>
+                  <a:schemeClr val="accent1"/>
                 </a:solidFill>
               </a:rPr>
-              <a:t>7</a:t>
-            </a:r>
-            <a:endParaRPr kumimoji="1" lang="ja-JP" altLang="en-US" dirty="0">
+              <a:t>0.12</a:t>
+            </a:r>
+            <a:endParaRPr kumimoji="1" lang="ja-JP" altLang="en-US" sz="1600" dirty="0">
               <a:solidFill>
-                <a:schemeClr val="tx1"/>
-              </a:solidFill>
-            </a:endParaRPr>
-          </a:p>
-        </p:txBody>
-      </p:sp>
-      <p:sp>
-        <p:nvSpPr>
-          <p:cNvPr id="28" name="楕円 27">
-            <a:extLst>
-              <a:ext uri="{FF2B5EF4-FFF2-40B4-BE49-F238E27FC236}">
-                <a16:creationId xmlns:a16="http://schemas.microsoft.com/office/drawing/2014/main" id="{8F6AE66A-1137-F4D8-41F0-CCD3DB1A5A0B}"/>
-              </a:ext>
-            </a:extLst>
-          </p:cNvPr>
-          <p:cNvSpPr/>
-          <p:nvPr/>
-        </p:nvSpPr>
-        <p:spPr>
-          <a:xfrm>
-            <a:off x="7127244" y="3384213"/>
-            <a:ext cx="661906" cy="646330"/>
-          </a:xfrm>
-          <a:prstGeom prst="ellipse">
-            <a:avLst/>
-          </a:prstGeom>
-          <a:noFill/>
-          <a:ln>
-            <a:solidFill>
-              <a:schemeClr val="tx1"/>
-            </a:solidFill>
-          </a:ln>
-        </p:spPr>
-        <p:style>
-          <a:lnRef idx="2">
-            <a:schemeClr val="accent1">
-              <a:shade val="50000"/>
-            </a:schemeClr>
-          </a:lnRef>
-          <a:fillRef idx="1">
-            <a:schemeClr val="accent1"/>
-          </a:fillRef>
-          <a:effectRef idx="0">
-            <a:schemeClr val="accent1"/>
-          </a:effectRef>
-          <a:fontRef idx="minor">
-            <a:schemeClr val="lt1"/>
-          </a:fontRef>
-        </p:style>
-        <p:txBody>
-          <a:bodyPr rtlCol="0" anchor="ctr"/>
-          <a:lstStyle/>
-          <a:p>
-            <a:pPr algn="ctr"/>
-            <a:r>
-              <a:rPr lang="en-US" altLang="ja-JP" dirty="0">
-                <a:solidFill>
-                  <a:schemeClr val="tx1"/>
-                </a:solidFill>
-              </a:rPr>
-              <a:t>12</a:t>
-            </a:r>
-            <a:endParaRPr kumimoji="1" lang="ja-JP" altLang="en-US" dirty="0">
-              <a:solidFill>
-                <a:schemeClr val="tx1"/>
-              </a:solidFill>
-            </a:endParaRPr>
-          </a:p>
-        </p:txBody>
-      </p:sp>
-      <p:sp>
-        <p:nvSpPr>
-          <p:cNvPr id="36" name="楕円 35">
-            <a:extLst>
-              <a:ext uri="{FF2B5EF4-FFF2-40B4-BE49-F238E27FC236}">
-                <a16:creationId xmlns:a16="http://schemas.microsoft.com/office/drawing/2014/main" id="{F7921F41-386F-A194-B777-0D3AB36A6177}"/>
-              </a:ext>
-            </a:extLst>
-          </p:cNvPr>
-          <p:cNvSpPr/>
-          <p:nvPr/>
-        </p:nvSpPr>
-        <p:spPr>
-          <a:xfrm>
-            <a:off x="5926150" y="4433416"/>
-            <a:ext cx="669773" cy="646330"/>
-          </a:xfrm>
-          <a:prstGeom prst="ellipse">
-            <a:avLst/>
-          </a:prstGeom>
-          <a:noFill/>
-          <a:ln>
-            <a:solidFill>
-              <a:schemeClr val="tx1"/>
-            </a:solidFill>
-          </a:ln>
-        </p:spPr>
-        <p:style>
-          <a:lnRef idx="2">
-            <a:schemeClr val="accent1">
-              <a:shade val="50000"/>
-            </a:schemeClr>
-          </a:lnRef>
-          <a:fillRef idx="1">
-            <a:schemeClr val="accent1"/>
-          </a:fillRef>
-          <a:effectRef idx="0">
-            <a:schemeClr val="accent1"/>
-          </a:effectRef>
-          <a:fontRef idx="minor">
-            <a:schemeClr val="lt1"/>
-          </a:fontRef>
-        </p:style>
-        <p:txBody>
-          <a:bodyPr rtlCol="0" anchor="ctr"/>
-          <a:lstStyle/>
-          <a:p>
-            <a:pPr algn="ctr"/>
-            <a:r>
-              <a:rPr lang="en-US" altLang="ja-JP" dirty="0">
-                <a:solidFill>
-                  <a:schemeClr val="tx1"/>
-                </a:solidFill>
-              </a:rPr>
-              <a:t>9</a:t>
-            </a:r>
-            <a:endParaRPr kumimoji="1" lang="ja-JP" altLang="en-US" dirty="0">
-              <a:solidFill>
-                <a:schemeClr val="tx1"/>
-              </a:solidFill>
-            </a:endParaRPr>
-          </a:p>
-        </p:txBody>
-      </p:sp>
-      <p:sp>
-        <p:nvSpPr>
-          <p:cNvPr id="41" name="楕円 40">
-            <a:extLst>
-              <a:ext uri="{FF2B5EF4-FFF2-40B4-BE49-F238E27FC236}">
-                <a16:creationId xmlns:a16="http://schemas.microsoft.com/office/drawing/2014/main" id="{15904443-21F0-6D9F-423A-96759786D309}"/>
-              </a:ext>
-            </a:extLst>
-          </p:cNvPr>
-          <p:cNvSpPr/>
-          <p:nvPr/>
-        </p:nvSpPr>
-        <p:spPr>
-          <a:xfrm>
-            <a:off x="4745697" y="4433416"/>
-            <a:ext cx="661906" cy="646330"/>
-          </a:xfrm>
-          <a:prstGeom prst="ellipse">
-            <a:avLst/>
-          </a:prstGeom>
-          <a:noFill/>
-          <a:ln>
-            <a:solidFill>
-              <a:schemeClr val="tx1"/>
-            </a:solidFill>
-          </a:ln>
-        </p:spPr>
-        <p:style>
-          <a:lnRef idx="2">
-            <a:schemeClr val="accent1">
-              <a:shade val="50000"/>
-            </a:schemeClr>
-          </a:lnRef>
-          <a:fillRef idx="1">
-            <a:schemeClr val="accent1"/>
-          </a:fillRef>
-          <a:effectRef idx="0">
-            <a:schemeClr val="accent1"/>
-          </a:effectRef>
-          <a:fontRef idx="minor">
-            <a:schemeClr val="lt1"/>
-          </a:fontRef>
-        </p:style>
-        <p:txBody>
-          <a:bodyPr rtlCol="0" anchor="ctr"/>
-          <a:lstStyle/>
-          <a:p>
-            <a:pPr algn="ctr"/>
-            <a:r>
-              <a:rPr lang="en-US" altLang="ja-JP" dirty="0">
-                <a:solidFill>
-                  <a:schemeClr val="tx1"/>
-                </a:solidFill>
-              </a:rPr>
-              <a:t>12</a:t>
-            </a:r>
-            <a:endParaRPr kumimoji="1" lang="ja-JP" altLang="en-US" dirty="0">
-              <a:solidFill>
-                <a:schemeClr val="tx1"/>
-              </a:solidFill>
-            </a:endParaRPr>
-          </a:p>
-        </p:txBody>
-      </p:sp>
-      <p:sp>
-        <p:nvSpPr>
-          <p:cNvPr id="44" name="楕円 43">
-            <a:extLst>
-              <a:ext uri="{FF2B5EF4-FFF2-40B4-BE49-F238E27FC236}">
-                <a16:creationId xmlns:a16="http://schemas.microsoft.com/office/drawing/2014/main" id="{EF9EB1DB-E33B-378F-A089-B957857D60FE}"/>
-              </a:ext>
-            </a:extLst>
-          </p:cNvPr>
-          <p:cNvSpPr/>
-          <p:nvPr/>
-        </p:nvSpPr>
-        <p:spPr>
-          <a:xfrm>
-            <a:off x="3516881" y="4433416"/>
-            <a:ext cx="661906" cy="646330"/>
-          </a:xfrm>
-          <a:prstGeom prst="ellipse">
-            <a:avLst/>
-          </a:prstGeom>
-          <a:noFill/>
-          <a:ln>
-            <a:solidFill>
-              <a:schemeClr val="tx1"/>
-            </a:solidFill>
-          </a:ln>
-        </p:spPr>
-        <p:style>
-          <a:lnRef idx="2">
-            <a:schemeClr val="accent1">
-              <a:shade val="50000"/>
-            </a:schemeClr>
-          </a:lnRef>
-          <a:fillRef idx="1">
-            <a:schemeClr val="accent1"/>
-          </a:fillRef>
-          <a:effectRef idx="0">
-            <a:schemeClr val="accent1"/>
-          </a:effectRef>
-          <a:fontRef idx="minor">
-            <a:schemeClr val="lt1"/>
-          </a:fontRef>
-        </p:style>
-        <p:txBody>
-          <a:bodyPr rtlCol="0" anchor="ctr"/>
-          <a:lstStyle/>
-          <a:p>
-            <a:pPr algn="ctr"/>
-            <a:r>
-              <a:rPr lang="en-US" altLang="ja-JP" dirty="0">
-                <a:solidFill>
-                  <a:schemeClr val="tx1"/>
-                </a:solidFill>
-              </a:rPr>
-              <a:t>9</a:t>
-            </a:r>
-            <a:endParaRPr kumimoji="1" lang="ja-JP" altLang="en-US" dirty="0">
-              <a:solidFill>
-                <a:schemeClr val="tx1"/>
-              </a:solidFill>
-            </a:endParaRPr>
-          </a:p>
-        </p:txBody>
-      </p:sp>
-      <p:sp>
-        <p:nvSpPr>
-          <p:cNvPr id="47" name="楕円 46">
-            <a:extLst>
-              <a:ext uri="{FF2B5EF4-FFF2-40B4-BE49-F238E27FC236}">
-                <a16:creationId xmlns:a16="http://schemas.microsoft.com/office/drawing/2014/main" id="{A68D361E-A77B-783E-4F73-CE2DD0C8B9A4}"/>
-              </a:ext>
-            </a:extLst>
-          </p:cNvPr>
-          <p:cNvSpPr/>
-          <p:nvPr/>
-        </p:nvSpPr>
-        <p:spPr>
-          <a:xfrm>
-            <a:off x="2297068" y="4433416"/>
-            <a:ext cx="661906" cy="646330"/>
-          </a:xfrm>
-          <a:prstGeom prst="ellipse">
-            <a:avLst/>
-          </a:prstGeom>
-          <a:noFill/>
-          <a:ln>
-            <a:solidFill>
-              <a:schemeClr val="tx1"/>
-            </a:solidFill>
-          </a:ln>
-        </p:spPr>
-        <p:style>
-          <a:lnRef idx="2">
-            <a:schemeClr val="accent1">
-              <a:shade val="50000"/>
-            </a:schemeClr>
-          </a:lnRef>
-          <a:fillRef idx="1">
-            <a:schemeClr val="accent1"/>
-          </a:fillRef>
-          <a:effectRef idx="0">
-            <a:schemeClr val="accent1"/>
-          </a:effectRef>
-          <a:fontRef idx="minor">
-            <a:schemeClr val="lt1"/>
-          </a:fontRef>
-        </p:style>
-        <p:txBody>
-          <a:bodyPr rtlCol="0" anchor="ctr"/>
-          <a:lstStyle/>
-          <a:p>
-            <a:pPr algn="ctr"/>
-            <a:r>
-              <a:rPr lang="en-US" altLang="ja-JP" dirty="0">
-                <a:solidFill>
-                  <a:schemeClr val="tx1"/>
-                </a:solidFill>
-              </a:rPr>
-              <a:t>12</a:t>
-            </a:r>
-            <a:endParaRPr kumimoji="1" lang="ja-JP" altLang="en-US" dirty="0">
-              <a:solidFill>
-                <a:schemeClr val="tx1"/>
-              </a:solidFill>
-            </a:endParaRPr>
-          </a:p>
-        </p:txBody>
-      </p:sp>
-      <p:sp>
-        <p:nvSpPr>
-          <p:cNvPr id="50" name="楕円 49">
-            <a:extLst>
-              <a:ext uri="{FF2B5EF4-FFF2-40B4-BE49-F238E27FC236}">
-                <a16:creationId xmlns:a16="http://schemas.microsoft.com/office/drawing/2014/main" id="{B086405C-D7CE-C5AA-FF90-701DE10D363B}"/>
-              </a:ext>
-            </a:extLst>
-          </p:cNvPr>
-          <p:cNvSpPr/>
-          <p:nvPr/>
-        </p:nvSpPr>
-        <p:spPr>
-          <a:xfrm>
-            <a:off x="5925161" y="2227310"/>
-            <a:ext cx="669773" cy="646330"/>
-          </a:xfrm>
-          <a:prstGeom prst="ellipse">
-            <a:avLst/>
-          </a:prstGeom>
-          <a:noFill/>
-          <a:ln>
-            <a:solidFill>
-              <a:schemeClr val="tx1"/>
-            </a:solidFill>
-          </a:ln>
-        </p:spPr>
-        <p:style>
-          <a:lnRef idx="2">
-            <a:schemeClr val="accent1">
-              <a:shade val="50000"/>
-            </a:schemeClr>
-          </a:lnRef>
-          <a:fillRef idx="1">
-            <a:schemeClr val="accent1"/>
-          </a:fillRef>
-          <a:effectRef idx="0">
-            <a:schemeClr val="accent1"/>
-          </a:effectRef>
-          <a:fontRef idx="minor">
-            <a:schemeClr val="lt1"/>
-          </a:fontRef>
-        </p:style>
-        <p:txBody>
-          <a:bodyPr rtlCol="0" anchor="ctr"/>
-          <a:lstStyle/>
-          <a:p>
-            <a:pPr algn="ctr"/>
-            <a:r>
-              <a:rPr lang="en-US" altLang="ja-JP" dirty="0">
-                <a:solidFill>
-                  <a:schemeClr val="tx1"/>
-                </a:solidFill>
-              </a:rPr>
-              <a:t>9</a:t>
-            </a:r>
-            <a:endParaRPr kumimoji="1" lang="ja-JP" altLang="en-US" dirty="0">
-              <a:solidFill>
-                <a:schemeClr val="tx1"/>
-              </a:solidFill>
-            </a:endParaRPr>
-          </a:p>
-        </p:txBody>
-      </p:sp>
-      <p:sp>
-        <p:nvSpPr>
-          <p:cNvPr id="58" name="楕円 57">
-            <a:extLst>
-              <a:ext uri="{FF2B5EF4-FFF2-40B4-BE49-F238E27FC236}">
-                <a16:creationId xmlns:a16="http://schemas.microsoft.com/office/drawing/2014/main" id="{887D2F27-4B94-49C4-15EF-11D62797B4B9}"/>
-              </a:ext>
-            </a:extLst>
-          </p:cNvPr>
-          <p:cNvSpPr/>
-          <p:nvPr/>
-        </p:nvSpPr>
-        <p:spPr>
-          <a:xfrm>
-            <a:off x="4698906" y="1701786"/>
-            <a:ext cx="669773" cy="646330"/>
-          </a:xfrm>
-          <a:prstGeom prst="ellipse">
-            <a:avLst/>
-          </a:prstGeom>
-          <a:noFill/>
-          <a:ln>
-            <a:solidFill>
-              <a:schemeClr val="tx1"/>
-            </a:solidFill>
-          </a:ln>
-        </p:spPr>
-        <p:style>
-          <a:lnRef idx="2">
-            <a:schemeClr val="accent1">
-              <a:shade val="50000"/>
-            </a:schemeClr>
-          </a:lnRef>
-          <a:fillRef idx="1">
-            <a:schemeClr val="accent1"/>
-          </a:fillRef>
-          <a:effectRef idx="0">
-            <a:schemeClr val="accent1"/>
-          </a:effectRef>
-          <a:fontRef idx="minor">
-            <a:schemeClr val="lt1"/>
-          </a:fontRef>
-        </p:style>
-        <p:txBody>
-          <a:bodyPr rtlCol="0" anchor="ctr"/>
-          <a:lstStyle/>
-          <a:p>
-            <a:pPr algn="ctr"/>
-            <a:r>
-              <a:rPr lang="en-US" altLang="ja-JP" dirty="0">
-                <a:solidFill>
-                  <a:schemeClr val="tx1"/>
-                </a:solidFill>
-              </a:rPr>
-              <a:t>12</a:t>
-            </a:r>
-            <a:endParaRPr kumimoji="1" lang="ja-JP" altLang="en-US" dirty="0">
-              <a:solidFill>
-                <a:schemeClr val="tx1"/>
-              </a:solidFill>
-            </a:endParaRPr>
-          </a:p>
-        </p:txBody>
-      </p:sp>
-      <p:sp>
-        <p:nvSpPr>
-          <p:cNvPr id="62" name="楕円 61">
-            <a:extLst>
-              <a:ext uri="{FF2B5EF4-FFF2-40B4-BE49-F238E27FC236}">
-                <a16:creationId xmlns:a16="http://schemas.microsoft.com/office/drawing/2014/main" id="{DBB22A8C-4A15-E0C2-5655-2DA08609F36B}"/>
-              </a:ext>
-            </a:extLst>
-          </p:cNvPr>
-          <p:cNvSpPr/>
-          <p:nvPr/>
-        </p:nvSpPr>
-        <p:spPr>
-          <a:xfrm>
-            <a:off x="3475545" y="1701786"/>
-            <a:ext cx="669773" cy="646330"/>
-          </a:xfrm>
-          <a:prstGeom prst="ellipse">
-            <a:avLst/>
-          </a:prstGeom>
-          <a:noFill/>
-          <a:ln>
-            <a:solidFill>
-              <a:schemeClr val="tx1"/>
-            </a:solidFill>
-          </a:ln>
-        </p:spPr>
-        <p:style>
-          <a:lnRef idx="2">
-            <a:schemeClr val="accent1">
-              <a:shade val="50000"/>
-            </a:schemeClr>
-          </a:lnRef>
-          <a:fillRef idx="1">
-            <a:schemeClr val="accent1"/>
-          </a:fillRef>
-          <a:effectRef idx="0">
-            <a:schemeClr val="accent1"/>
-          </a:effectRef>
-          <a:fontRef idx="minor">
-            <a:schemeClr val="lt1"/>
-          </a:fontRef>
-        </p:style>
-        <p:txBody>
-          <a:bodyPr rtlCol="0" anchor="ctr"/>
-          <a:lstStyle/>
-          <a:p>
-            <a:pPr algn="ctr"/>
-            <a:r>
-              <a:rPr lang="en-US" altLang="ja-JP" dirty="0">
-                <a:solidFill>
-                  <a:schemeClr val="tx1"/>
-                </a:solidFill>
-              </a:rPr>
-              <a:t>9</a:t>
-            </a:r>
-            <a:endParaRPr kumimoji="1" lang="ja-JP" altLang="en-US" dirty="0">
-              <a:solidFill>
-                <a:schemeClr val="tx1"/>
-              </a:solidFill>
-            </a:endParaRPr>
-          </a:p>
-        </p:txBody>
-      </p:sp>
-      <p:sp>
-        <p:nvSpPr>
-          <p:cNvPr id="64" name="楕円 63">
-            <a:extLst>
-              <a:ext uri="{FF2B5EF4-FFF2-40B4-BE49-F238E27FC236}">
-                <a16:creationId xmlns:a16="http://schemas.microsoft.com/office/drawing/2014/main" id="{0EF9880D-DB1B-D84C-FE92-02417BFFAE0C}"/>
-              </a:ext>
-            </a:extLst>
-          </p:cNvPr>
-          <p:cNvSpPr/>
-          <p:nvPr/>
-        </p:nvSpPr>
-        <p:spPr>
-          <a:xfrm>
-            <a:off x="2255410" y="1701786"/>
-            <a:ext cx="669773" cy="646330"/>
-          </a:xfrm>
-          <a:prstGeom prst="ellipse">
-            <a:avLst/>
-          </a:prstGeom>
-          <a:noFill/>
-          <a:ln>
-            <a:solidFill>
-              <a:schemeClr val="tx1"/>
-            </a:solidFill>
-          </a:ln>
-        </p:spPr>
-        <p:style>
-          <a:lnRef idx="2">
-            <a:schemeClr val="accent1">
-              <a:shade val="50000"/>
-            </a:schemeClr>
-          </a:lnRef>
-          <a:fillRef idx="1">
-            <a:schemeClr val="accent1"/>
-          </a:fillRef>
-          <a:effectRef idx="0">
-            <a:schemeClr val="accent1"/>
-          </a:effectRef>
-          <a:fontRef idx="minor">
-            <a:schemeClr val="lt1"/>
-          </a:fontRef>
-        </p:style>
-        <p:txBody>
-          <a:bodyPr rtlCol="0" anchor="ctr"/>
-          <a:lstStyle/>
-          <a:p>
-            <a:pPr algn="ctr"/>
-            <a:r>
-              <a:rPr lang="en-US" altLang="ja-JP" dirty="0">
-                <a:solidFill>
-                  <a:schemeClr val="tx1"/>
-                </a:solidFill>
-              </a:rPr>
-              <a:t>12</a:t>
-            </a:r>
-            <a:endParaRPr kumimoji="1" lang="ja-JP" altLang="en-US" dirty="0">
-              <a:solidFill>
-                <a:schemeClr val="tx1"/>
-              </a:solidFill>
-            </a:endParaRPr>
-          </a:p>
-        </p:txBody>
-      </p:sp>
-      <p:sp>
-        <p:nvSpPr>
-          <p:cNvPr id="69" name="楕円 68">
-            <a:extLst>
-              <a:ext uri="{FF2B5EF4-FFF2-40B4-BE49-F238E27FC236}">
-                <a16:creationId xmlns:a16="http://schemas.microsoft.com/office/drawing/2014/main" id="{7691BD2E-6D40-177A-1175-D5BCC2C4AAA9}"/>
-              </a:ext>
-            </a:extLst>
-          </p:cNvPr>
-          <p:cNvSpPr/>
-          <p:nvPr/>
-        </p:nvSpPr>
-        <p:spPr>
-          <a:xfrm>
-            <a:off x="1029155" y="1701786"/>
-            <a:ext cx="669773" cy="646330"/>
-          </a:xfrm>
-          <a:prstGeom prst="ellipse">
-            <a:avLst/>
-          </a:prstGeom>
-          <a:noFill/>
-          <a:ln>
-            <a:solidFill>
-              <a:schemeClr val="tx1"/>
-            </a:solidFill>
-          </a:ln>
-        </p:spPr>
-        <p:style>
-          <a:lnRef idx="2">
-            <a:schemeClr val="accent1">
-              <a:shade val="50000"/>
-            </a:schemeClr>
-          </a:lnRef>
-          <a:fillRef idx="1">
-            <a:schemeClr val="accent1"/>
-          </a:fillRef>
-          <a:effectRef idx="0">
-            <a:schemeClr val="accent1"/>
-          </a:effectRef>
-          <a:fontRef idx="minor">
-            <a:schemeClr val="lt1"/>
-          </a:fontRef>
-        </p:style>
-        <p:txBody>
-          <a:bodyPr rtlCol="0" anchor="ctr"/>
-          <a:lstStyle/>
-          <a:p>
-            <a:pPr algn="ctr"/>
-            <a:r>
-              <a:rPr lang="en-US" altLang="ja-JP" dirty="0">
-                <a:solidFill>
-                  <a:schemeClr val="tx1"/>
-                </a:solidFill>
-              </a:rPr>
-              <a:t>9</a:t>
-            </a:r>
-            <a:endParaRPr kumimoji="1" lang="ja-JP" altLang="en-US" dirty="0">
-              <a:solidFill>
-                <a:schemeClr val="tx1"/>
-              </a:solidFill>
-            </a:endParaRPr>
-          </a:p>
-        </p:txBody>
-      </p:sp>
-      <p:sp>
-        <p:nvSpPr>
-          <p:cNvPr id="71" name="楕円 70">
-            <a:extLst>
-              <a:ext uri="{FF2B5EF4-FFF2-40B4-BE49-F238E27FC236}">
-                <a16:creationId xmlns:a16="http://schemas.microsoft.com/office/drawing/2014/main" id="{932F4425-5335-ACE0-940D-30562ACCD9C0}"/>
-              </a:ext>
-            </a:extLst>
-          </p:cNvPr>
-          <p:cNvSpPr/>
-          <p:nvPr/>
-        </p:nvSpPr>
-        <p:spPr>
-          <a:xfrm>
-            <a:off x="4698905" y="3085166"/>
-            <a:ext cx="669773" cy="646330"/>
-          </a:xfrm>
-          <a:prstGeom prst="ellipse">
-            <a:avLst/>
-          </a:prstGeom>
-          <a:noFill/>
-          <a:ln>
-            <a:solidFill>
-              <a:schemeClr val="tx1"/>
-            </a:solidFill>
-          </a:ln>
-        </p:spPr>
-        <p:style>
-          <a:lnRef idx="2">
-            <a:schemeClr val="accent1">
-              <a:shade val="50000"/>
-            </a:schemeClr>
-          </a:lnRef>
-          <a:fillRef idx="1">
-            <a:schemeClr val="accent1"/>
-          </a:fillRef>
-          <a:effectRef idx="0">
-            <a:schemeClr val="accent1"/>
-          </a:effectRef>
-          <a:fontRef idx="minor">
-            <a:schemeClr val="lt1"/>
-          </a:fontRef>
-        </p:style>
-        <p:txBody>
-          <a:bodyPr rtlCol="0" anchor="ctr"/>
-          <a:lstStyle/>
-          <a:p>
-            <a:pPr algn="ctr"/>
-            <a:r>
-              <a:rPr lang="en-US" altLang="ja-JP" dirty="0">
-                <a:solidFill>
-                  <a:schemeClr val="tx1"/>
-                </a:solidFill>
-              </a:rPr>
-              <a:t>12</a:t>
-            </a:r>
-            <a:endParaRPr kumimoji="1" lang="ja-JP" altLang="en-US" dirty="0">
-              <a:solidFill>
-                <a:schemeClr val="tx1"/>
-              </a:solidFill>
-            </a:endParaRPr>
-          </a:p>
-        </p:txBody>
-      </p:sp>
-      <p:sp>
-        <p:nvSpPr>
-          <p:cNvPr id="75" name="楕円 74">
-            <a:extLst>
-              <a:ext uri="{FF2B5EF4-FFF2-40B4-BE49-F238E27FC236}">
-                <a16:creationId xmlns:a16="http://schemas.microsoft.com/office/drawing/2014/main" id="{0F9DF357-3BFC-9E23-6E7E-82113AB591DD}"/>
-              </a:ext>
-            </a:extLst>
-          </p:cNvPr>
-          <p:cNvSpPr/>
-          <p:nvPr/>
-        </p:nvSpPr>
-        <p:spPr>
-          <a:xfrm>
-            <a:off x="3474086" y="3096125"/>
-            <a:ext cx="669773" cy="646330"/>
-          </a:xfrm>
-          <a:prstGeom prst="ellipse">
-            <a:avLst/>
-          </a:prstGeom>
-          <a:noFill/>
-          <a:ln>
-            <a:solidFill>
-              <a:schemeClr val="tx1"/>
-            </a:solidFill>
-          </a:ln>
-        </p:spPr>
-        <p:style>
-          <a:lnRef idx="2">
-            <a:schemeClr val="accent1">
-              <a:shade val="50000"/>
-            </a:schemeClr>
-          </a:lnRef>
-          <a:fillRef idx="1">
-            <a:schemeClr val="accent1"/>
-          </a:fillRef>
-          <a:effectRef idx="0">
-            <a:schemeClr val="accent1"/>
-          </a:effectRef>
-          <a:fontRef idx="minor">
-            <a:schemeClr val="lt1"/>
-          </a:fontRef>
-        </p:style>
-        <p:txBody>
-          <a:bodyPr rtlCol="0" anchor="ctr"/>
-          <a:lstStyle/>
-          <a:p>
-            <a:pPr algn="ctr"/>
-            <a:r>
-              <a:rPr lang="en-US" altLang="ja-JP" dirty="0">
-                <a:solidFill>
-                  <a:schemeClr val="tx1"/>
-                </a:solidFill>
-              </a:rPr>
-              <a:t>9</a:t>
-            </a:r>
-            <a:endParaRPr kumimoji="1" lang="ja-JP" altLang="en-US" dirty="0">
-              <a:solidFill>
-                <a:schemeClr val="tx1"/>
-              </a:solidFill>
-            </a:endParaRPr>
-          </a:p>
-        </p:txBody>
-      </p:sp>
-      <p:sp>
-        <p:nvSpPr>
-          <p:cNvPr id="78" name="楕円 77">
-            <a:extLst>
-              <a:ext uri="{FF2B5EF4-FFF2-40B4-BE49-F238E27FC236}">
-                <a16:creationId xmlns:a16="http://schemas.microsoft.com/office/drawing/2014/main" id="{3EF3B43C-EBCF-1158-4EA7-BF0ACCCA5B60}"/>
-              </a:ext>
-            </a:extLst>
-          </p:cNvPr>
-          <p:cNvSpPr/>
-          <p:nvPr/>
-        </p:nvSpPr>
-        <p:spPr>
-          <a:xfrm>
-            <a:off x="2253161" y="3096125"/>
-            <a:ext cx="669773" cy="646330"/>
-          </a:xfrm>
-          <a:prstGeom prst="ellipse">
-            <a:avLst/>
-          </a:prstGeom>
-          <a:noFill/>
-          <a:ln>
-            <a:solidFill>
-              <a:schemeClr val="tx1"/>
-            </a:solidFill>
-          </a:ln>
-        </p:spPr>
-        <p:style>
-          <a:lnRef idx="2">
-            <a:schemeClr val="accent1">
-              <a:shade val="50000"/>
-            </a:schemeClr>
-          </a:lnRef>
-          <a:fillRef idx="1">
-            <a:schemeClr val="accent1"/>
-          </a:fillRef>
-          <a:effectRef idx="0">
-            <a:schemeClr val="accent1"/>
-          </a:effectRef>
-          <a:fontRef idx="minor">
-            <a:schemeClr val="lt1"/>
-          </a:fontRef>
-        </p:style>
-        <p:txBody>
-          <a:bodyPr rtlCol="0" anchor="ctr"/>
-          <a:lstStyle/>
-          <a:p>
-            <a:pPr algn="ctr"/>
-            <a:r>
-              <a:rPr lang="en-US" altLang="ja-JP" dirty="0">
-                <a:solidFill>
-                  <a:schemeClr val="tx1"/>
-                </a:solidFill>
-              </a:rPr>
-              <a:t>12</a:t>
-            </a:r>
-            <a:endParaRPr kumimoji="1" lang="ja-JP" altLang="en-US" dirty="0">
-              <a:solidFill>
-                <a:schemeClr val="tx1"/>
+                <a:schemeClr val="accent1"/>
               </a:solidFill>
             </a:endParaRPr>
           </a:p>
@@ -11015,7 +14602,7 @@
     </p:spTree>
     <p:extLst>
       <p:ext uri="{BB962C8B-B14F-4D97-AF65-F5344CB8AC3E}">
-        <p14:creationId xmlns:p14="http://schemas.microsoft.com/office/powerpoint/2010/main" val="1488004092"/>
+        <p14:creationId xmlns:p14="http://schemas.microsoft.com/office/powerpoint/2010/main" val="4448340"/>
       </p:ext>
     </p:extLst>
   </p:cSld>
@@ -11042,6 +14629,1776 @@
           <a:chExt cx="0" cy="0"/>
         </a:xfrm>
       </p:grpSpPr>
+      <p:sp>
+        <p:nvSpPr>
+          <p:cNvPr id="2" name="楕円 1">
+            <a:extLst>
+              <a:ext uri="{FF2B5EF4-FFF2-40B4-BE49-F238E27FC236}">
+                <a16:creationId xmlns:a16="http://schemas.microsoft.com/office/drawing/2014/main" id="{99E2A3C1-8E54-23CE-CFCA-6E9E50E0826B}"/>
+              </a:ext>
+            </a:extLst>
+          </p:cNvPr>
+          <p:cNvSpPr/>
+          <p:nvPr/>
+        </p:nvSpPr>
+        <p:spPr>
+          <a:xfrm>
+            <a:off x="9529569" y="3386205"/>
+            <a:ext cx="661906" cy="646330"/>
+          </a:xfrm>
+          <a:prstGeom prst="ellipse">
+            <a:avLst/>
+          </a:prstGeom>
+          <a:noFill/>
+          <a:ln>
+            <a:solidFill>
+              <a:schemeClr val="tx1"/>
+            </a:solidFill>
+          </a:ln>
+        </p:spPr>
+        <p:style>
+          <a:lnRef idx="2">
+            <a:schemeClr val="accent1">
+              <a:shade val="50000"/>
+            </a:schemeClr>
+          </a:lnRef>
+          <a:fillRef idx="1">
+            <a:schemeClr val="accent1"/>
+          </a:fillRef>
+          <a:effectRef idx="0">
+            <a:schemeClr val="accent1"/>
+          </a:effectRef>
+          <a:fontRef idx="minor">
+            <a:schemeClr val="lt1"/>
+          </a:fontRef>
+        </p:style>
+        <p:txBody>
+          <a:bodyPr rtlCol="0" anchor="ctr"/>
+          <a:lstStyle/>
+          <a:p>
+            <a:pPr algn="ctr"/>
+            <a:r>
+              <a:rPr kumimoji="1" lang="en-US" altLang="ja-JP" dirty="0">
+                <a:solidFill>
+                  <a:schemeClr val="tx1"/>
+                </a:solidFill>
+              </a:rPr>
+              <a:t>4</a:t>
+            </a:r>
+            <a:endParaRPr kumimoji="1" lang="ja-JP" altLang="en-US" dirty="0">
+              <a:solidFill>
+                <a:schemeClr val="tx1"/>
+              </a:solidFill>
+            </a:endParaRPr>
+          </a:p>
+        </p:txBody>
+      </p:sp>
+      <p:cxnSp>
+        <p:nvCxnSpPr>
+          <p:cNvPr id="4" name="直線コネクタ 3">
+            <a:extLst>
+              <a:ext uri="{FF2B5EF4-FFF2-40B4-BE49-F238E27FC236}">
+                <a16:creationId xmlns:a16="http://schemas.microsoft.com/office/drawing/2014/main" id="{6F147F4B-8FAC-056D-BC9B-BF5397D939A4}"/>
+              </a:ext>
+            </a:extLst>
+          </p:cNvPr>
+          <p:cNvCxnSpPr>
+            <a:cxnSpLocks/>
+            <a:stCxn id="26" idx="6"/>
+            <a:endCxn id="2" idx="2"/>
+          </p:cNvCxnSpPr>
+          <p:nvPr/>
+        </p:nvCxnSpPr>
+        <p:spPr>
+          <a:xfrm>
+            <a:off x="8997259" y="3709370"/>
+            <a:ext cx="532310" cy="0"/>
+          </a:xfrm>
+          <a:prstGeom prst="line">
+            <a:avLst/>
+          </a:prstGeom>
+          <a:ln>
+            <a:solidFill>
+              <a:schemeClr val="tx1"/>
+            </a:solidFill>
+          </a:ln>
+        </p:spPr>
+        <p:style>
+          <a:lnRef idx="1">
+            <a:schemeClr val="accent1"/>
+          </a:lnRef>
+          <a:fillRef idx="0">
+            <a:schemeClr val="accent1"/>
+          </a:fillRef>
+          <a:effectRef idx="0">
+            <a:schemeClr val="accent1"/>
+          </a:effectRef>
+          <a:fontRef idx="minor">
+            <a:schemeClr val="tx1"/>
+          </a:fontRef>
+        </p:style>
+      </p:cxnSp>
+      <p:cxnSp>
+        <p:nvCxnSpPr>
+          <p:cNvPr id="16" name="直線コネクタ 15">
+            <a:extLst>
+              <a:ext uri="{FF2B5EF4-FFF2-40B4-BE49-F238E27FC236}">
+                <a16:creationId xmlns:a16="http://schemas.microsoft.com/office/drawing/2014/main" id="{3A4231B4-3565-5623-E3D4-DFF863B012DB}"/>
+              </a:ext>
+            </a:extLst>
+          </p:cNvPr>
+          <p:cNvCxnSpPr>
+            <a:cxnSpLocks/>
+            <a:stCxn id="28" idx="6"/>
+            <a:endCxn id="26" idx="2"/>
+          </p:cNvCxnSpPr>
+          <p:nvPr/>
+        </p:nvCxnSpPr>
+        <p:spPr>
+          <a:xfrm>
+            <a:off x="7789150" y="3707378"/>
+            <a:ext cx="546203" cy="1992"/>
+          </a:xfrm>
+          <a:prstGeom prst="line">
+            <a:avLst/>
+          </a:prstGeom>
+          <a:ln>
+            <a:solidFill>
+              <a:schemeClr val="tx1"/>
+            </a:solidFill>
+          </a:ln>
+        </p:spPr>
+        <p:style>
+          <a:lnRef idx="1">
+            <a:schemeClr val="accent1"/>
+          </a:lnRef>
+          <a:fillRef idx="0">
+            <a:schemeClr val="accent1"/>
+          </a:fillRef>
+          <a:effectRef idx="0">
+            <a:schemeClr val="accent1"/>
+          </a:effectRef>
+          <a:fontRef idx="minor">
+            <a:schemeClr val="tx1"/>
+          </a:fontRef>
+        </p:style>
+      </p:cxnSp>
+      <p:cxnSp>
+        <p:nvCxnSpPr>
+          <p:cNvPr id="21" name="直線コネクタ 20">
+            <a:extLst>
+              <a:ext uri="{FF2B5EF4-FFF2-40B4-BE49-F238E27FC236}">
+                <a16:creationId xmlns:a16="http://schemas.microsoft.com/office/drawing/2014/main" id="{5070F677-61C6-9C9B-5F79-303AFF26D89A}"/>
+              </a:ext>
+            </a:extLst>
+          </p:cNvPr>
+          <p:cNvCxnSpPr>
+            <a:cxnSpLocks/>
+            <a:stCxn id="50" idx="5"/>
+            <a:endCxn id="28" idx="1"/>
+          </p:cNvCxnSpPr>
+          <p:nvPr/>
+        </p:nvCxnSpPr>
+        <p:spPr>
+          <a:xfrm>
+            <a:off x="6496848" y="2778987"/>
+            <a:ext cx="727330" cy="699879"/>
+          </a:xfrm>
+          <a:prstGeom prst="line">
+            <a:avLst/>
+          </a:prstGeom>
+          <a:ln>
+            <a:solidFill>
+              <a:schemeClr val="tx1"/>
+            </a:solidFill>
+          </a:ln>
+        </p:spPr>
+        <p:style>
+          <a:lnRef idx="1">
+            <a:schemeClr val="accent1"/>
+          </a:lnRef>
+          <a:fillRef idx="0">
+            <a:schemeClr val="accent1"/>
+          </a:fillRef>
+          <a:effectRef idx="0">
+            <a:schemeClr val="accent1"/>
+          </a:effectRef>
+          <a:fontRef idx="minor">
+            <a:schemeClr val="tx1"/>
+          </a:fontRef>
+        </p:style>
+      </p:cxnSp>
+      <p:cxnSp>
+        <p:nvCxnSpPr>
+          <p:cNvPr id="24" name="直線コネクタ 23">
+            <a:extLst>
+              <a:ext uri="{FF2B5EF4-FFF2-40B4-BE49-F238E27FC236}">
+                <a16:creationId xmlns:a16="http://schemas.microsoft.com/office/drawing/2014/main" id="{F82A930C-F5AB-FBE4-A327-C027ABD864A4}"/>
+              </a:ext>
+            </a:extLst>
+          </p:cNvPr>
+          <p:cNvCxnSpPr>
+            <a:cxnSpLocks/>
+            <a:stCxn id="36" idx="7"/>
+            <a:endCxn id="28" idx="3"/>
+          </p:cNvCxnSpPr>
+          <p:nvPr/>
+        </p:nvCxnSpPr>
+        <p:spPr>
+          <a:xfrm flipV="1">
+            <a:off x="6497837" y="3935890"/>
+            <a:ext cx="726341" cy="592179"/>
+          </a:xfrm>
+          <a:prstGeom prst="line">
+            <a:avLst/>
+          </a:prstGeom>
+          <a:ln>
+            <a:solidFill>
+              <a:schemeClr val="tx1"/>
+            </a:solidFill>
+          </a:ln>
+        </p:spPr>
+        <p:style>
+          <a:lnRef idx="1">
+            <a:schemeClr val="accent1"/>
+          </a:lnRef>
+          <a:fillRef idx="0">
+            <a:schemeClr val="accent1"/>
+          </a:fillRef>
+          <a:effectRef idx="0">
+            <a:schemeClr val="accent1"/>
+          </a:effectRef>
+          <a:fontRef idx="minor">
+            <a:schemeClr val="tx1"/>
+          </a:fontRef>
+        </p:style>
+      </p:cxnSp>
+      <p:cxnSp>
+        <p:nvCxnSpPr>
+          <p:cNvPr id="35" name="直線コネクタ 34">
+            <a:extLst>
+              <a:ext uri="{FF2B5EF4-FFF2-40B4-BE49-F238E27FC236}">
+                <a16:creationId xmlns:a16="http://schemas.microsoft.com/office/drawing/2014/main" id="{3394F000-E77A-B6D4-022D-10AACDA928FB}"/>
+              </a:ext>
+            </a:extLst>
+          </p:cNvPr>
+          <p:cNvCxnSpPr>
+            <a:cxnSpLocks/>
+            <a:stCxn id="58" idx="6"/>
+            <a:endCxn id="50" idx="1"/>
+          </p:cNvCxnSpPr>
+          <p:nvPr/>
+        </p:nvCxnSpPr>
+        <p:spPr>
+          <a:xfrm>
+            <a:off x="5368679" y="2024951"/>
+            <a:ext cx="654568" cy="297012"/>
+          </a:xfrm>
+          <a:prstGeom prst="line">
+            <a:avLst/>
+          </a:prstGeom>
+          <a:ln>
+            <a:solidFill>
+              <a:schemeClr val="tx1"/>
+            </a:solidFill>
+          </a:ln>
+        </p:spPr>
+        <p:style>
+          <a:lnRef idx="1">
+            <a:schemeClr val="accent1"/>
+          </a:lnRef>
+          <a:fillRef idx="0">
+            <a:schemeClr val="accent1"/>
+          </a:fillRef>
+          <a:effectRef idx="0">
+            <a:schemeClr val="accent1"/>
+          </a:effectRef>
+          <a:fontRef idx="minor">
+            <a:schemeClr val="tx1"/>
+          </a:fontRef>
+        </p:style>
+      </p:cxnSp>
+      <p:cxnSp>
+        <p:nvCxnSpPr>
+          <p:cNvPr id="48" name="直線コネクタ 47">
+            <a:extLst>
+              <a:ext uri="{FF2B5EF4-FFF2-40B4-BE49-F238E27FC236}">
+                <a16:creationId xmlns:a16="http://schemas.microsoft.com/office/drawing/2014/main" id="{38153412-84F5-4E64-1F56-01EEB3020D40}"/>
+              </a:ext>
+            </a:extLst>
+          </p:cNvPr>
+          <p:cNvCxnSpPr>
+            <a:cxnSpLocks/>
+            <a:stCxn id="71" idx="7"/>
+          </p:cNvCxnSpPr>
+          <p:nvPr/>
+        </p:nvCxnSpPr>
+        <p:spPr>
+          <a:xfrm flipV="1">
+            <a:off x="5270592" y="2827499"/>
+            <a:ext cx="797105" cy="352320"/>
+          </a:xfrm>
+          <a:prstGeom prst="line">
+            <a:avLst/>
+          </a:prstGeom>
+          <a:ln>
+            <a:solidFill>
+              <a:schemeClr val="tx1"/>
+            </a:solidFill>
+          </a:ln>
+        </p:spPr>
+        <p:style>
+          <a:lnRef idx="1">
+            <a:schemeClr val="accent1"/>
+          </a:lnRef>
+          <a:fillRef idx="0">
+            <a:schemeClr val="accent1"/>
+          </a:fillRef>
+          <a:effectRef idx="0">
+            <a:schemeClr val="accent1"/>
+          </a:effectRef>
+          <a:fontRef idx="minor">
+            <a:schemeClr val="tx1"/>
+          </a:fontRef>
+        </p:style>
+      </p:cxnSp>
+      <p:cxnSp>
+        <p:nvCxnSpPr>
+          <p:cNvPr id="66" name="直線コネクタ 65">
+            <a:extLst>
+              <a:ext uri="{FF2B5EF4-FFF2-40B4-BE49-F238E27FC236}">
+                <a16:creationId xmlns:a16="http://schemas.microsoft.com/office/drawing/2014/main" id="{0D73DC1B-4788-4BEA-BCD5-5A95101381AA}"/>
+              </a:ext>
+            </a:extLst>
+          </p:cNvPr>
+          <p:cNvCxnSpPr>
+            <a:cxnSpLocks/>
+            <a:stCxn id="62" idx="6"/>
+            <a:endCxn id="58" idx="2"/>
+          </p:cNvCxnSpPr>
+          <p:nvPr/>
+        </p:nvCxnSpPr>
+        <p:spPr>
+          <a:xfrm>
+            <a:off x="4145318" y="2024951"/>
+            <a:ext cx="553588" cy="0"/>
+          </a:xfrm>
+          <a:prstGeom prst="line">
+            <a:avLst/>
+          </a:prstGeom>
+          <a:ln>
+            <a:solidFill>
+              <a:schemeClr val="tx1"/>
+            </a:solidFill>
+          </a:ln>
+        </p:spPr>
+        <p:style>
+          <a:lnRef idx="1">
+            <a:schemeClr val="accent1"/>
+          </a:lnRef>
+          <a:fillRef idx="0">
+            <a:schemeClr val="accent1"/>
+          </a:fillRef>
+          <a:effectRef idx="0">
+            <a:schemeClr val="accent1"/>
+          </a:effectRef>
+          <a:fontRef idx="minor">
+            <a:schemeClr val="tx1"/>
+          </a:fontRef>
+        </p:style>
+      </p:cxnSp>
+      <p:cxnSp>
+        <p:nvCxnSpPr>
+          <p:cNvPr id="89" name="直線コネクタ 88">
+            <a:extLst>
+              <a:ext uri="{FF2B5EF4-FFF2-40B4-BE49-F238E27FC236}">
+                <a16:creationId xmlns:a16="http://schemas.microsoft.com/office/drawing/2014/main" id="{219E3501-C614-A6C3-7C21-28CF0F8C4DF5}"/>
+              </a:ext>
+            </a:extLst>
+          </p:cNvPr>
+          <p:cNvCxnSpPr>
+            <a:cxnSpLocks/>
+            <a:stCxn id="64" idx="6"/>
+          </p:cNvCxnSpPr>
+          <p:nvPr/>
+        </p:nvCxnSpPr>
+        <p:spPr>
+          <a:xfrm>
+            <a:off x="2925183" y="2024951"/>
+            <a:ext cx="555341" cy="1705"/>
+          </a:xfrm>
+          <a:prstGeom prst="line">
+            <a:avLst/>
+          </a:prstGeom>
+          <a:ln>
+            <a:solidFill>
+              <a:schemeClr val="tx1"/>
+            </a:solidFill>
+          </a:ln>
+        </p:spPr>
+        <p:style>
+          <a:lnRef idx="1">
+            <a:schemeClr val="accent1"/>
+          </a:lnRef>
+          <a:fillRef idx="0">
+            <a:schemeClr val="accent1"/>
+          </a:fillRef>
+          <a:effectRef idx="0">
+            <a:schemeClr val="accent1"/>
+          </a:effectRef>
+          <a:fontRef idx="minor">
+            <a:schemeClr val="tx1"/>
+          </a:fontRef>
+        </p:style>
+      </p:cxnSp>
+      <p:cxnSp>
+        <p:nvCxnSpPr>
+          <p:cNvPr id="92" name="直線コネクタ 91">
+            <a:extLst>
+              <a:ext uri="{FF2B5EF4-FFF2-40B4-BE49-F238E27FC236}">
+                <a16:creationId xmlns:a16="http://schemas.microsoft.com/office/drawing/2014/main" id="{F0188C79-281A-7EB4-B7A7-0B74E0A01B6C}"/>
+              </a:ext>
+            </a:extLst>
+          </p:cNvPr>
+          <p:cNvCxnSpPr>
+            <a:cxnSpLocks/>
+            <a:stCxn id="75" idx="6"/>
+          </p:cNvCxnSpPr>
+          <p:nvPr/>
+        </p:nvCxnSpPr>
+        <p:spPr>
+          <a:xfrm>
+            <a:off x="4143859" y="3419290"/>
+            <a:ext cx="542175" cy="5386"/>
+          </a:xfrm>
+          <a:prstGeom prst="line">
+            <a:avLst/>
+          </a:prstGeom>
+          <a:ln>
+            <a:solidFill>
+              <a:schemeClr val="tx1"/>
+            </a:solidFill>
+          </a:ln>
+        </p:spPr>
+        <p:style>
+          <a:lnRef idx="1">
+            <a:schemeClr val="accent1"/>
+          </a:lnRef>
+          <a:fillRef idx="0">
+            <a:schemeClr val="accent1"/>
+          </a:fillRef>
+          <a:effectRef idx="0">
+            <a:schemeClr val="accent1"/>
+          </a:effectRef>
+          <a:fontRef idx="minor">
+            <a:schemeClr val="tx1"/>
+          </a:fontRef>
+        </p:style>
+      </p:cxnSp>
+      <p:cxnSp>
+        <p:nvCxnSpPr>
+          <p:cNvPr id="94" name="直線コネクタ 93">
+            <a:extLst>
+              <a:ext uri="{FF2B5EF4-FFF2-40B4-BE49-F238E27FC236}">
+                <a16:creationId xmlns:a16="http://schemas.microsoft.com/office/drawing/2014/main" id="{2A3434F9-101A-C370-87D9-B8A615A1B98C}"/>
+              </a:ext>
+            </a:extLst>
+          </p:cNvPr>
+          <p:cNvCxnSpPr>
+            <a:cxnSpLocks/>
+            <a:stCxn id="78" idx="6"/>
+            <a:endCxn id="75" idx="2"/>
+          </p:cNvCxnSpPr>
+          <p:nvPr/>
+        </p:nvCxnSpPr>
+        <p:spPr>
+          <a:xfrm>
+            <a:off x="2922934" y="3419290"/>
+            <a:ext cx="551152" cy="0"/>
+          </a:xfrm>
+          <a:prstGeom prst="line">
+            <a:avLst/>
+          </a:prstGeom>
+          <a:ln>
+            <a:solidFill>
+              <a:schemeClr val="tx1"/>
+            </a:solidFill>
+          </a:ln>
+        </p:spPr>
+        <p:style>
+          <a:lnRef idx="1">
+            <a:schemeClr val="accent1"/>
+          </a:lnRef>
+          <a:fillRef idx="0">
+            <a:schemeClr val="accent1"/>
+          </a:fillRef>
+          <a:effectRef idx="0">
+            <a:schemeClr val="accent1"/>
+          </a:effectRef>
+          <a:fontRef idx="minor">
+            <a:schemeClr val="tx1"/>
+          </a:fontRef>
+        </p:style>
+      </p:cxnSp>
+      <p:cxnSp>
+        <p:nvCxnSpPr>
+          <p:cNvPr id="101" name="直線コネクタ 100">
+            <a:extLst>
+              <a:ext uri="{FF2B5EF4-FFF2-40B4-BE49-F238E27FC236}">
+                <a16:creationId xmlns:a16="http://schemas.microsoft.com/office/drawing/2014/main" id="{662F5556-2EA0-97A9-8869-4603EFD5B92B}"/>
+              </a:ext>
+            </a:extLst>
+          </p:cNvPr>
+          <p:cNvCxnSpPr>
+            <a:cxnSpLocks/>
+            <a:stCxn id="44" idx="6"/>
+            <a:endCxn id="41" idx="2"/>
+          </p:cNvCxnSpPr>
+          <p:nvPr/>
+        </p:nvCxnSpPr>
+        <p:spPr>
+          <a:xfrm>
+            <a:off x="4178787" y="4756581"/>
+            <a:ext cx="566910" cy="0"/>
+          </a:xfrm>
+          <a:prstGeom prst="line">
+            <a:avLst/>
+          </a:prstGeom>
+          <a:ln>
+            <a:solidFill>
+              <a:schemeClr val="tx1"/>
+            </a:solidFill>
+          </a:ln>
+        </p:spPr>
+        <p:style>
+          <a:lnRef idx="1">
+            <a:schemeClr val="accent1"/>
+          </a:lnRef>
+          <a:fillRef idx="0">
+            <a:schemeClr val="accent1"/>
+          </a:fillRef>
+          <a:effectRef idx="0">
+            <a:schemeClr val="accent1"/>
+          </a:effectRef>
+          <a:fontRef idx="minor">
+            <a:schemeClr val="tx1"/>
+          </a:fontRef>
+        </p:style>
+      </p:cxnSp>
+      <p:cxnSp>
+        <p:nvCxnSpPr>
+          <p:cNvPr id="103" name="直線コネクタ 102">
+            <a:extLst>
+              <a:ext uri="{FF2B5EF4-FFF2-40B4-BE49-F238E27FC236}">
+                <a16:creationId xmlns:a16="http://schemas.microsoft.com/office/drawing/2014/main" id="{69C44B0D-BF3C-6EB1-41C9-F231BD414390}"/>
+              </a:ext>
+            </a:extLst>
+          </p:cNvPr>
+          <p:cNvCxnSpPr>
+            <a:cxnSpLocks/>
+            <a:stCxn id="47" idx="6"/>
+            <a:endCxn id="44" idx="2"/>
+          </p:cNvCxnSpPr>
+          <p:nvPr/>
+        </p:nvCxnSpPr>
+        <p:spPr>
+          <a:xfrm>
+            <a:off x="2958974" y="4756581"/>
+            <a:ext cx="557907" cy="0"/>
+          </a:xfrm>
+          <a:prstGeom prst="line">
+            <a:avLst/>
+          </a:prstGeom>
+          <a:ln>
+            <a:solidFill>
+              <a:schemeClr val="tx1"/>
+            </a:solidFill>
+          </a:ln>
+        </p:spPr>
+        <p:style>
+          <a:lnRef idx="1">
+            <a:schemeClr val="accent1"/>
+          </a:lnRef>
+          <a:fillRef idx="0">
+            <a:schemeClr val="accent1"/>
+          </a:fillRef>
+          <a:effectRef idx="0">
+            <a:schemeClr val="accent1"/>
+          </a:effectRef>
+          <a:fontRef idx="minor">
+            <a:schemeClr val="tx1"/>
+          </a:fontRef>
+        </p:style>
+      </p:cxnSp>
+      <p:cxnSp>
+        <p:nvCxnSpPr>
+          <p:cNvPr id="3" name="直線コネクタ 2">
+            <a:extLst>
+              <a:ext uri="{FF2B5EF4-FFF2-40B4-BE49-F238E27FC236}">
+                <a16:creationId xmlns:a16="http://schemas.microsoft.com/office/drawing/2014/main" id="{77AFF6F8-9CA7-9910-00AE-6EAC8F2AB456}"/>
+              </a:ext>
+            </a:extLst>
+          </p:cNvPr>
+          <p:cNvCxnSpPr>
+            <a:cxnSpLocks/>
+            <a:stCxn id="69" idx="6"/>
+            <a:endCxn id="64" idx="2"/>
+          </p:cNvCxnSpPr>
+          <p:nvPr/>
+        </p:nvCxnSpPr>
+        <p:spPr>
+          <a:xfrm>
+            <a:off x="1698928" y="2024951"/>
+            <a:ext cx="556482" cy="0"/>
+          </a:xfrm>
+          <a:prstGeom prst="line">
+            <a:avLst/>
+          </a:prstGeom>
+          <a:ln>
+            <a:solidFill>
+              <a:schemeClr val="tx1"/>
+            </a:solidFill>
+          </a:ln>
+        </p:spPr>
+        <p:style>
+          <a:lnRef idx="1">
+            <a:schemeClr val="accent1"/>
+          </a:lnRef>
+          <a:fillRef idx="0">
+            <a:schemeClr val="accent1"/>
+          </a:fillRef>
+          <a:effectRef idx="0">
+            <a:schemeClr val="accent1"/>
+          </a:effectRef>
+          <a:fontRef idx="minor">
+            <a:schemeClr val="tx1"/>
+          </a:fontRef>
+        </p:style>
+      </p:cxnSp>
+      <p:cxnSp>
+        <p:nvCxnSpPr>
+          <p:cNvPr id="8" name="直線コネクタ 7">
+            <a:extLst>
+              <a:ext uri="{FF2B5EF4-FFF2-40B4-BE49-F238E27FC236}">
+                <a16:creationId xmlns:a16="http://schemas.microsoft.com/office/drawing/2014/main" id="{580E5ABF-203F-5B48-A798-845CE32C6FD7}"/>
+              </a:ext>
+            </a:extLst>
+          </p:cNvPr>
+          <p:cNvCxnSpPr>
+            <a:cxnSpLocks/>
+            <a:stCxn id="41" idx="6"/>
+            <a:endCxn id="36" idx="2"/>
+          </p:cNvCxnSpPr>
+          <p:nvPr/>
+        </p:nvCxnSpPr>
+        <p:spPr>
+          <a:xfrm>
+            <a:off x="5407603" y="4756581"/>
+            <a:ext cx="518547" cy="0"/>
+          </a:xfrm>
+          <a:prstGeom prst="line">
+            <a:avLst/>
+          </a:prstGeom>
+          <a:ln>
+            <a:solidFill>
+              <a:schemeClr val="tx1"/>
+            </a:solidFill>
+          </a:ln>
+        </p:spPr>
+        <p:style>
+          <a:lnRef idx="1">
+            <a:schemeClr val="accent1"/>
+          </a:lnRef>
+          <a:fillRef idx="0">
+            <a:schemeClr val="accent1"/>
+          </a:fillRef>
+          <a:effectRef idx="0">
+            <a:schemeClr val="accent1"/>
+          </a:effectRef>
+          <a:fontRef idx="minor">
+            <a:schemeClr val="tx1"/>
+          </a:fontRef>
+        </p:style>
+      </p:cxnSp>
+      <p:sp>
+        <p:nvSpPr>
+          <p:cNvPr id="17" name="テキスト ボックス 16">
+            <a:extLst>
+              <a:ext uri="{FF2B5EF4-FFF2-40B4-BE49-F238E27FC236}">
+                <a16:creationId xmlns:a16="http://schemas.microsoft.com/office/drawing/2014/main" id="{77F8248F-EC1B-F5BD-3376-79D13122BF0D}"/>
+              </a:ext>
+            </a:extLst>
+          </p:cNvPr>
+          <p:cNvSpPr txBox="1"/>
+          <p:nvPr/>
+        </p:nvSpPr>
+        <p:spPr>
+          <a:xfrm>
+            <a:off x="1930400" y="296753"/>
+            <a:ext cx="8331200" cy="923330"/>
+          </a:xfrm>
+          <a:prstGeom prst="rect">
+            <a:avLst/>
+          </a:prstGeom>
+          <a:noFill/>
+        </p:spPr>
+        <p:txBody>
+          <a:bodyPr wrap="square" rtlCol="0">
+            <a:spAutoFit/>
+          </a:bodyPr>
+          <a:lstStyle/>
+          <a:p>
+            <a:r>
+              <a:rPr lang="en-US" altLang="ja-JP" b="0" i="0" dirty="0">
+                <a:solidFill>
+                  <a:srgbClr val="212121"/>
+                </a:solidFill>
+                <a:effectLst/>
+                <a:latin typeface="Courier New" panose="02070309020205020404" pitchFamily="49" charset="0"/>
+              </a:rPr>
+              <a:t>High mannose</a:t>
+            </a:r>
+          </a:p>
+          <a:p>
+            <a:r>
+              <a:rPr lang="en-US" altLang="ja-JP" b="0" i="0" dirty="0">
+                <a:solidFill>
+                  <a:srgbClr val="212121"/>
+                </a:solidFill>
+                <a:effectLst/>
+                <a:latin typeface="Courier New" panose="02070309020205020404" pitchFamily="49" charset="0"/>
+              </a:rPr>
+              <a:t>The probability that all labels are outputted along the most likely state transition: -12.136661573752203</a:t>
+            </a:r>
+            <a:r>
+              <a:rPr lang="ja-JP" altLang="en-US" b="0" i="0" dirty="0">
+                <a:solidFill>
+                  <a:srgbClr val="212121"/>
+                </a:solidFill>
+                <a:effectLst/>
+                <a:latin typeface="Courier New" panose="02070309020205020404" pitchFamily="49" charset="0"/>
+              </a:rPr>
+              <a:t>（対数表示）</a:t>
+            </a:r>
+            <a:endParaRPr kumimoji="1" lang="ja-JP" altLang="en-US" dirty="0"/>
+          </a:p>
+        </p:txBody>
+      </p:sp>
+      <p:pic>
+        <p:nvPicPr>
+          <p:cNvPr id="1026" name="Picture 2">
+            <a:extLst>
+              <a:ext uri="{FF2B5EF4-FFF2-40B4-BE49-F238E27FC236}">
+                <a16:creationId xmlns:a16="http://schemas.microsoft.com/office/drawing/2014/main" id="{DA98605D-938E-2862-AD24-EF2570C1E252}"/>
+              </a:ext>
+            </a:extLst>
+          </p:cNvPr>
+          <p:cNvPicPr>
+            <a:picLocks noChangeAspect="1" noChangeArrowheads="1"/>
+          </p:cNvPicPr>
+          <p:nvPr/>
+        </p:nvPicPr>
+        <p:blipFill>
+          <a:blip r:embed="rId2">
+            <a:extLst>
+              <a:ext uri="{28A0092B-C50C-407E-A947-70E740481C1C}">
+                <a14:useLocalDpi xmlns:a14="http://schemas.microsoft.com/office/drawing/2010/main" val="0"/>
+              </a:ext>
+            </a:extLst>
+          </a:blip>
+          <a:srcRect/>
+          <a:stretch>
+            <a:fillRect/>
+          </a:stretch>
+        </p:blipFill>
+        <p:spPr bwMode="auto">
+          <a:xfrm>
+            <a:off x="6971112" y="4539198"/>
+            <a:ext cx="4147083" cy="1840492"/>
+          </a:xfrm>
+          <a:prstGeom prst="rect">
+            <a:avLst/>
+          </a:prstGeom>
+          <a:noFill/>
+          <a:extLst>
+            <a:ext uri="{909E8E84-426E-40DD-AFC4-6F175D3DCCD1}">
+              <a14:hiddenFill xmlns:a14="http://schemas.microsoft.com/office/drawing/2010/main">
+                <a:solidFill>
+                  <a:srgbClr val="FFFFFF"/>
+                </a:solidFill>
+              </a14:hiddenFill>
+            </a:ext>
+          </a:extLst>
+        </p:spPr>
+      </p:pic>
+      <p:sp>
+        <p:nvSpPr>
+          <p:cNvPr id="9" name="テキスト ボックス 8">
+            <a:extLst>
+              <a:ext uri="{FF2B5EF4-FFF2-40B4-BE49-F238E27FC236}">
+                <a16:creationId xmlns:a16="http://schemas.microsoft.com/office/drawing/2014/main" id="{6C1493F6-39E2-FE09-6421-EF8A271869AC}"/>
+              </a:ext>
+            </a:extLst>
+          </p:cNvPr>
+          <p:cNvSpPr txBox="1"/>
+          <p:nvPr/>
+        </p:nvSpPr>
+        <p:spPr>
+          <a:xfrm>
+            <a:off x="8874825" y="6192890"/>
+            <a:ext cx="974889" cy="369332"/>
+          </a:xfrm>
+          <a:prstGeom prst="rect">
+            <a:avLst/>
+          </a:prstGeom>
+          <a:noFill/>
+        </p:spPr>
+        <p:txBody>
+          <a:bodyPr wrap="square">
+            <a:spAutoFit/>
+          </a:bodyPr>
+          <a:lstStyle/>
+          <a:p>
+            <a:pPr algn="l"/>
+            <a:r>
+              <a:rPr lang="en-US" altLang="ja-JP" b="1" i="0" dirty="0">
+                <a:solidFill>
+                  <a:srgbClr val="000000"/>
+                </a:solidFill>
+                <a:effectLst/>
+                <a:latin typeface="arial" panose="020B0604020202020204" pitchFamily="34" charset="0"/>
+              </a:rPr>
+              <a:t>SNFG</a:t>
+            </a:r>
+          </a:p>
+        </p:txBody>
+      </p:sp>
+      <p:sp>
+        <p:nvSpPr>
+          <p:cNvPr id="26" name="楕円 25">
+            <a:extLst>
+              <a:ext uri="{FF2B5EF4-FFF2-40B4-BE49-F238E27FC236}">
+                <a16:creationId xmlns:a16="http://schemas.microsoft.com/office/drawing/2014/main" id="{251F1BCE-0A3F-3E77-D28D-E1C30410FEF1}"/>
+              </a:ext>
+            </a:extLst>
+          </p:cNvPr>
+          <p:cNvSpPr/>
+          <p:nvPr/>
+        </p:nvSpPr>
+        <p:spPr>
+          <a:xfrm>
+            <a:off x="8335353" y="3386205"/>
+            <a:ext cx="661906" cy="646330"/>
+          </a:xfrm>
+          <a:prstGeom prst="ellipse">
+            <a:avLst/>
+          </a:prstGeom>
+          <a:noFill/>
+          <a:ln>
+            <a:solidFill>
+              <a:schemeClr val="tx1"/>
+            </a:solidFill>
+          </a:ln>
+        </p:spPr>
+        <p:style>
+          <a:lnRef idx="2">
+            <a:schemeClr val="accent1">
+              <a:shade val="50000"/>
+            </a:schemeClr>
+          </a:lnRef>
+          <a:fillRef idx="1">
+            <a:schemeClr val="accent1"/>
+          </a:fillRef>
+          <a:effectRef idx="0">
+            <a:schemeClr val="accent1"/>
+          </a:effectRef>
+          <a:fontRef idx="minor">
+            <a:schemeClr val="lt1"/>
+          </a:fontRef>
+        </p:style>
+        <p:txBody>
+          <a:bodyPr rtlCol="0" anchor="ctr"/>
+          <a:lstStyle/>
+          <a:p>
+            <a:pPr algn="ctr"/>
+            <a:r>
+              <a:rPr lang="en-US" altLang="ja-JP" dirty="0">
+                <a:solidFill>
+                  <a:schemeClr val="tx1"/>
+                </a:solidFill>
+              </a:rPr>
+              <a:t>7</a:t>
+            </a:r>
+            <a:endParaRPr kumimoji="1" lang="ja-JP" altLang="en-US" dirty="0">
+              <a:solidFill>
+                <a:schemeClr val="tx1"/>
+              </a:solidFill>
+            </a:endParaRPr>
+          </a:p>
+        </p:txBody>
+      </p:sp>
+      <p:sp>
+        <p:nvSpPr>
+          <p:cNvPr id="28" name="楕円 27">
+            <a:extLst>
+              <a:ext uri="{FF2B5EF4-FFF2-40B4-BE49-F238E27FC236}">
+                <a16:creationId xmlns:a16="http://schemas.microsoft.com/office/drawing/2014/main" id="{8F6AE66A-1137-F4D8-41F0-CCD3DB1A5A0B}"/>
+              </a:ext>
+            </a:extLst>
+          </p:cNvPr>
+          <p:cNvSpPr/>
+          <p:nvPr/>
+        </p:nvSpPr>
+        <p:spPr>
+          <a:xfrm>
+            <a:off x="7127244" y="3384213"/>
+            <a:ext cx="661906" cy="646330"/>
+          </a:xfrm>
+          <a:prstGeom prst="ellipse">
+            <a:avLst/>
+          </a:prstGeom>
+          <a:noFill/>
+          <a:ln>
+            <a:solidFill>
+              <a:schemeClr val="tx1"/>
+            </a:solidFill>
+          </a:ln>
+        </p:spPr>
+        <p:style>
+          <a:lnRef idx="2">
+            <a:schemeClr val="accent1">
+              <a:shade val="50000"/>
+            </a:schemeClr>
+          </a:lnRef>
+          <a:fillRef idx="1">
+            <a:schemeClr val="accent1"/>
+          </a:fillRef>
+          <a:effectRef idx="0">
+            <a:schemeClr val="accent1"/>
+          </a:effectRef>
+          <a:fontRef idx="minor">
+            <a:schemeClr val="lt1"/>
+          </a:fontRef>
+        </p:style>
+        <p:txBody>
+          <a:bodyPr rtlCol="0" anchor="ctr"/>
+          <a:lstStyle/>
+          <a:p>
+            <a:pPr algn="ctr"/>
+            <a:r>
+              <a:rPr lang="en-US" altLang="ja-JP" dirty="0">
+                <a:solidFill>
+                  <a:schemeClr val="tx1"/>
+                </a:solidFill>
+              </a:rPr>
+              <a:t>12</a:t>
+            </a:r>
+            <a:endParaRPr kumimoji="1" lang="ja-JP" altLang="en-US" dirty="0">
+              <a:solidFill>
+                <a:schemeClr val="tx1"/>
+              </a:solidFill>
+            </a:endParaRPr>
+          </a:p>
+        </p:txBody>
+      </p:sp>
+      <p:sp>
+        <p:nvSpPr>
+          <p:cNvPr id="36" name="楕円 35">
+            <a:extLst>
+              <a:ext uri="{FF2B5EF4-FFF2-40B4-BE49-F238E27FC236}">
+                <a16:creationId xmlns:a16="http://schemas.microsoft.com/office/drawing/2014/main" id="{F7921F41-386F-A194-B777-0D3AB36A6177}"/>
+              </a:ext>
+            </a:extLst>
+          </p:cNvPr>
+          <p:cNvSpPr/>
+          <p:nvPr/>
+        </p:nvSpPr>
+        <p:spPr>
+          <a:xfrm>
+            <a:off x="5926150" y="4433416"/>
+            <a:ext cx="669773" cy="646330"/>
+          </a:xfrm>
+          <a:prstGeom prst="ellipse">
+            <a:avLst/>
+          </a:prstGeom>
+          <a:noFill/>
+          <a:ln>
+            <a:solidFill>
+              <a:schemeClr val="tx1"/>
+            </a:solidFill>
+          </a:ln>
+        </p:spPr>
+        <p:style>
+          <a:lnRef idx="2">
+            <a:schemeClr val="accent1">
+              <a:shade val="50000"/>
+            </a:schemeClr>
+          </a:lnRef>
+          <a:fillRef idx="1">
+            <a:schemeClr val="accent1"/>
+          </a:fillRef>
+          <a:effectRef idx="0">
+            <a:schemeClr val="accent1"/>
+          </a:effectRef>
+          <a:fontRef idx="minor">
+            <a:schemeClr val="lt1"/>
+          </a:fontRef>
+        </p:style>
+        <p:txBody>
+          <a:bodyPr rtlCol="0" anchor="ctr"/>
+          <a:lstStyle/>
+          <a:p>
+            <a:pPr algn="ctr"/>
+            <a:r>
+              <a:rPr lang="en-US" altLang="ja-JP" dirty="0">
+                <a:solidFill>
+                  <a:schemeClr val="tx1"/>
+                </a:solidFill>
+              </a:rPr>
+              <a:t>9</a:t>
+            </a:r>
+            <a:endParaRPr kumimoji="1" lang="ja-JP" altLang="en-US" dirty="0">
+              <a:solidFill>
+                <a:schemeClr val="tx1"/>
+              </a:solidFill>
+            </a:endParaRPr>
+          </a:p>
+        </p:txBody>
+      </p:sp>
+      <p:sp>
+        <p:nvSpPr>
+          <p:cNvPr id="41" name="楕円 40">
+            <a:extLst>
+              <a:ext uri="{FF2B5EF4-FFF2-40B4-BE49-F238E27FC236}">
+                <a16:creationId xmlns:a16="http://schemas.microsoft.com/office/drawing/2014/main" id="{15904443-21F0-6D9F-423A-96759786D309}"/>
+              </a:ext>
+            </a:extLst>
+          </p:cNvPr>
+          <p:cNvSpPr/>
+          <p:nvPr/>
+        </p:nvSpPr>
+        <p:spPr>
+          <a:xfrm>
+            <a:off x="4745697" y="4433416"/>
+            <a:ext cx="661906" cy="646330"/>
+          </a:xfrm>
+          <a:prstGeom prst="ellipse">
+            <a:avLst/>
+          </a:prstGeom>
+          <a:noFill/>
+          <a:ln>
+            <a:solidFill>
+              <a:schemeClr val="tx1"/>
+            </a:solidFill>
+          </a:ln>
+        </p:spPr>
+        <p:style>
+          <a:lnRef idx="2">
+            <a:schemeClr val="accent1">
+              <a:shade val="50000"/>
+            </a:schemeClr>
+          </a:lnRef>
+          <a:fillRef idx="1">
+            <a:schemeClr val="accent1"/>
+          </a:fillRef>
+          <a:effectRef idx="0">
+            <a:schemeClr val="accent1"/>
+          </a:effectRef>
+          <a:fontRef idx="minor">
+            <a:schemeClr val="lt1"/>
+          </a:fontRef>
+        </p:style>
+        <p:txBody>
+          <a:bodyPr rtlCol="0" anchor="ctr"/>
+          <a:lstStyle/>
+          <a:p>
+            <a:pPr algn="ctr"/>
+            <a:r>
+              <a:rPr lang="en-US" altLang="ja-JP" dirty="0">
+                <a:solidFill>
+                  <a:schemeClr val="tx1"/>
+                </a:solidFill>
+              </a:rPr>
+              <a:t>12</a:t>
+            </a:r>
+            <a:endParaRPr kumimoji="1" lang="ja-JP" altLang="en-US" dirty="0">
+              <a:solidFill>
+                <a:schemeClr val="tx1"/>
+              </a:solidFill>
+            </a:endParaRPr>
+          </a:p>
+        </p:txBody>
+      </p:sp>
+      <p:sp>
+        <p:nvSpPr>
+          <p:cNvPr id="44" name="楕円 43">
+            <a:extLst>
+              <a:ext uri="{FF2B5EF4-FFF2-40B4-BE49-F238E27FC236}">
+                <a16:creationId xmlns:a16="http://schemas.microsoft.com/office/drawing/2014/main" id="{EF9EB1DB-E33B-378F-A089-B957857D60FE}"/>
+              </a:ext>
+            </a:extLst>
+          </p:cNvPr>
+          <p:cNvSpPr/>
+          <p:nvPr/>
+        </p:nvSpPr>
+        <p:spPr>
+          <a:xfrm>
+            <a:off x="3516881" y="4433416"/>
+            <a:ext cx="661906" cy="646330"/>
+          </a:xfrm>
+          <a:prstGeom prst="ellipse">
+            <a:avLst/>
+          </a:prstGeom>
+          <a:noFill/>
+          <a:ln>
+            <a:solidFill>
+              <a:schemeClr val="tx1"/>
+            </a:solidFill>
+          </a:ln>
+        </p:spPr>
+        <p:style>
+          <a:lnRef idx="2">
+            <a:schemeClr val="accent1">
+              <a:shade val="50000"/>
+            </a:schemeClr>
+          </a:lnRef>
+          <a:fillRef idx="1">
+            <a:schemeClr val="accent1"/>
+          </a:fillRef>
+          <a:effectRef idx="0">
+            <a:schemeClr val="accent1"/>
+          </a:effectRef>
+          <a:fontRef idx="minor">
+            <a:schemeClr val="lt1"/>
+          </a:fontRef>
+        </p:style>
+        <p:txBody>
+          <a:bodyPr rtlCol="0" anchor="ctr"/>
+          <a:lstStyle/>
+          <a:p>
+            <a:pPr algn="ctr"/>
+            <a:r>
+              <a:rPr lang="en-US" altLang="ja-JP" dirty="0">
+                <a:solidFill>
+                  <a:schemeClr val="tx1"/>
+                </a:solidFill>
+              </a:rPr>
+              <a:t>9</a:t>
+            </a:r>
+            <a:endParaRPr kumimoji="1" lang="ja-JP" altLang="en-US" dirty="0">
+              <a:solidFill>
+                <a:schemeClr val="tx1"/>
+              </a:solidFill>
+            </a:endParaRPr>
+          </a:p>
+        </p:txBody>
+      </p:sp>
+      <p:sp>
+        <p:nvSpPr>
+          <p:cNvPr id="47" name="楕円 46">
+            <a:extLst>
+              <a:ext uri="{FF2B5EF4-FFF2-40B4-BE49-F238E27FC236}">
+                <a16:creationId xmlns:a16="http://schemas.microsoft.com/office/drawing/2014/main" id="{A68D361E-A77B-783E-4F73-CE2DD0C8B9A4}"/>
+              </a:ext>
+            </a:extLst>
+          </p:cNvPr>
+          <p:cNvSpPr/>
+          <p:nvPr/>
+        </p:nvSpPr>
+        <p:spPr>
+          <a:xfrm>
+            <a:off x="2297068" y="4433416"/>
+            <a:ext cx="661906" cy="646330"/>
+          </a:xfrm>
+          <a:prstGeom prst="ellipse">
+            <a:avLst/>
+          </a:prstGeom>
+          <a:noFill/>
+          <a:ln>
+            <a:solidFill>
+              <a:schemeClr val="tx1"/>
+            </a:solidFill>
+          </a:ln>
+        </p:spPr>
+        <p:style>
+          <a:lnRef idx="2">
+            <a:schemeClr val="accent1">
+              <a:shade val="50000"/>
+            </a:schemeClr>
+          </a:lnRef>
+          <a:fillRef idx="1">
+            <a:schemeClr val="accent1"/>
+          </a:fillRef>
+          <a:effectRef idx="0">
+            <a:schemeClr val="accent1"/>
+          </a:effectRef>
+          <a:fontRef idx="minor">
+            <a:schemeClr val="lt1"/>
+          </a:fontRef>
+        </p:style>
+        <p:txBody>
+          <a:bodyPr rtlCol="0" anchor="ctr"/>
+          <a:lstStyle/>
+          <a:p>
+            <a:pPr algn="ctr"/>
+            <a:r>
+              <a:rPr lang="en-US" altLang="ja-JP" dirty="0">
+                <a:solidFill>
+                  <a:schemeClr val="tx1"/>
+                </a:solidFill>
+              </a:rPr>
+              <a:t>12</a:t>
+            </a:r>
+            <a:endParaRPr kumimoji="1" lang="ja-JP" altLang="en-US" dirty="0">
+              <a:solidFill>
+                <a:schemeClr val="tx1"/>
+              </a:solidFill>
+            </a:endParaRPr>
+          </a:p>
+        </p:txBody>
+      </p:sp>
+      <p:sp>
+        <p:nvSpPr>
+          <p:cNvPr id="50" name="楕円 49">
+            <a:extLst>
+              <a:ext uri="{FF2B5EF4-FFF2-40B4-BE49-F238E27FC236}">
+                <a16:creationId xmlns:a16="http://schemas.microsoft.com/office/drawing/2014/main" id="{B086405C-D7CE-C5AA-FF90-701DE10D363B}"/>
+              </a:ext>
+            </a:extLst>
+          </p:cNvPr>
+          <p:cNvSpPr/>
+          <p:nvPr/>
+        </p:nvSpPr>
+        <p:spPr>
+          <a:xfrm>
+            <a:off x="5925161" y="2227310"/>
+            <a:ext cx="669773" cy="646330"/>
+          </a:xfrm>
+          <a:prstGeom prst="ellipse">
+            <a:avLst/>
+          </a:prstGeom>
+          <a:noFill/>
+          <a:ln>
+            <a:solidFill>
+              <a:schemeClr val="tx1"/>
+            </a:solidFill>
+          </a:ln>
+        </p:spPr>
+        <p:style>
+          <a:lnRef idx="2">
+            <a:schemeClr val="accent1">
+              <a:shade val="50000"/>
+            </a:schemeClr>
+          </a:lnRef>
+          <a:fillRef idx="1">
+            <a:schemeClr val="accent1"/>
+          </a:fillRef>
+          <a:effectRef idx="0">
+            <a:schemeClr val="accent1"/>
+          </a:effectRef>
+          <a:fontRef idx="minor">
+            <a:schemeClr val="lt1"/>
+          </a:fontRef>
+        </p:style>
+        <p:txBody>
+          <a:bodyPr rtlCol="0" anchor="ctr"/>
+          <a:lstStyle/>
+          <a:p>
+            <a:pPr algn="ctr"/>
+            <a:r>
+              <a:rPr lang="en-US" altLang="ja-JP" dirty="0">
+                <a:solidFill>
+                  <a:schemeClr val="tx1"/>
+                </a:solidFill>
+              </a:rPr>
+              <a:t>9</a:t>
+            </a:r>
+            <a:endParaRPr kumimoji="1" lang="ja-JP" altLang="en-US" dirty="0">
+              <a:solidFill>
+                <a:schemeClr val="tx1"/>
+              </a:solidFill>
+            </a:endParaRPr>
+          </a:p>
+        </p:txBody>
+      </p:sp>
+      <p:sp>
+        <p:nvSpPr>
+          <p:cNvPr id="58" name="楕円 57">
+            <a:extLst>
+              <a:ext uri="{FF2B5EF4-FFF2-40B4-BE49-F238E27FC236}">
+                <a16:creationId xmlns:a16="http://schemas.microsoft.com/office/drawing/2014/main" id="{887D2F27-4B94-49C4-15EF-11D62797B4B9}"/>
+              </a:ext>
+            </a:extLst>
+          </p:cNvPr>
+          <p:cNvSpPr/>
+          <p:nvPr/>
+        </p:nvSpPr>
+        <p:spPr>
+          <a:xfrm>
+            <a:off x="4698906" y="1701786"/>
+            <a:ext cx="669773" cy="646330"/>
+          </a:xfrm>
+          <a:prstGeom prst="ellipse">
+            <a:avLst/>
+          </a:prstGeom>
+          <a:noFill/>
+          <a:ln>
+            <a:solidFill>
+              <a:schemeClr val="tx1"/>
+            </a:solidFill>
+          </a:ln>
+        </p:spPr>
+        <p:style>
+          <a:lnRef idx="2">
+            <a:schemeClr val="accent1">
+              <a:shade val="50000"/>
+            </a:schemeClr>
+          </a:lnRef>
+          <a:fillRef idx="1">
+            <a:schemeClr val="accent1"/>
+          </a:fillRef>
+          <a:effectRef idx="0">
+            <a:schemeClr val="accent1"/>
+          </a:effectRef>
+          <a:fontRef idx="minor">
+            <a:schemeClr val="lt1"/>
+          </a:fontRef>
+        </p:style>
+        <p:txBody>
+          <a:bodyPr rtlCol="0" anchor="ctr"/>
+          <a:lstStyle/>
+          <a:p>
+            <a:pPr algn="ctr"/>
+            <a:r>
+              <a:rPr lang="en-US" altLang="ja-JP" dirty="0">
+                <a:solidFill>
+                  <a:schemeClr val="tx1"/>
+                </a:solidFill>
+              </a:rPr>
+              <a:t>12</a:t>
+            </a:r>
+            <a:endParaRPr kumimoji="1" lang="ja-JP" altLang="en-US" dirty="0">
+              <a:solidFill>
+                <a:schemeClr val="tx1"/>
+              </a:solidFill>
+            </a:endParaRPr>
+          </a:p>
+        </p:txBody>
+      </p:sp>
+      <p:sp>
+        <p:nvSpPr>
+          <p:cNvPr id="62" name="楕円 61">
+            <a:extLst>
+              <a:ext uri="{FF2B5EF4-FFF2-40B4-BE49-F238E27FC236}">
+                <a16:creationId xmlns:a16="http://schemas.microsoft.com/office/drawing/2014/main" id="{DBB22A8C-4A15-E0C2-5655-2DA08609F36B}"/>
+              </a:ext>
+            </a:extLst>
+          </p:cNvPr>
+          <p:cNvSpPr/>
+          <p:nvPr/>
+        </p:nvSpPr>
+        <p:spPr>
+          <a:xfrm>
+            <a:off x="3475545" y="1701786"/>
+            <a:ext cx="669773" cy="646330"/>
+          </a:xfrm>
+          <a:prstGeom prst="ellipse">
+            <a:avLst/>
+          </a:prstGeom>
+          <a:noFill/>
+          <a:ln>
+            <a:solidFill>
+              <a:schemeClr val="tx1"/>
+            </a:solidFill>
+          </a:ln>
+        </p:spPr>
+        <p:style>
+          <a:lnRef idx="2">
+            <a:schemeClr val="accent1">
+              <a:shade val="50000"/>
+            </a:schemeClr>
+          </a:lnRef>
+          <a:fillRef idx="1">
+            <a:schemeClr val="accent1"/>
+          </a:fillRef>
+          <a:effectRef idx="0">
+            <a:schemeClr val="accent1"/>
+          </a:effectRef>
+          <a:fontRef idx="minor">
+            <a:schemeClr val="lt1"/>
+          </a:fontRef>
+        </p:style>
+        <p:txBody>
+          <a:bodyPr rtlCol="0" anchor="ctr"/>
+          <a:lstStyle/>
+          <a:p>
+            <a:pPr algn="ctr"/>
+            <a:r>
+              <a:rPr lang="en-US" altLang="ja-JP" dirty="0">
+                <a:solidFill>
+                  <a:schemeClr val="tx1"/>
+                </a:solidFill>
+              </a:rPr>
+              <a:t>9</a:t>
+            </a:r>
+            <a:endParaRPr kumimoji="1" lang="ja-JP" altLang="en-US" dirty="0">
+              <a:solidFill>
+                <a:schemeClr val="tx1"/>
+              </a:solidFill>
+            </a:endParaRPr>
+          </a:p>
+        </p:txBody>
+      </p:sp>
+      <p:sp>
+        <p:nvSpPr>
+          <p:cNvPr id="64" name="楕円 63">
+            <a:extLst>
+              <a:ext uri="{FF2B5EF4-FFF2-40B4-BE49-F238E27FC236}">
+                <a16:creationId xmlns:a16="http://schemas.microsoft.com/office/drawing/2014/main" id="{0EF9880D-DB1B-D84C-FE92-02417BFFAE0C}"/>
+              </a:ext>
+            </a:extLst>
+          </p:cNvPr>
+          <p:cNvSpPr/>
+          <p:nvPr/>
+        </p:nvSpPr>
+        <p:spPr>
+          <a:xfrm>
+            <a:off x="2255410" y="1701786"/>
+            <a:ext cx="669773" cy="646330"/>
+          </a:xfrm>
+          <a:prstGeom prst="ellipse">
+            <a:avLst/>
+          </a:prstGeom>
+          <a:noFill/>
+          <a:ln>
+            <a:solidFill>
+              <a:schemeClr val="tx1"/>
+            </a:solidFill>
+          </a:ln>
+        </p:spPr>
+        <p:style>
+          <a:lnRef idx="2">
+            <a:schemeClr val="accent1">
+              <a:shade val="50000"/>
+            </a:schemeClr>
+          </a:lnRef>
+          <a:fillRef idx="1">
+            <a:schemeClr val="accent1"/>
+          </a:fillRef>
+          <a:effectRef idx="0">
+            <a:schemeClr val="accent1"/>
+          </a:effectRef>
+          <a:fontRef idx="minor">
+            <a:schemeClr val="lt1"/>
+          </a:fontRef>
+        </p:style>
+        <p:txBody>
+          <a:bodyPr rtlCol="0" anchor="ctr"/>
+          <a:lstStyle/>
+          <a:p>
+            <a:pPr algn="ctr"/>
+            <a:r>
+              <a:rPr lang="en-US" altLang="ja-JP" dirty="0">
+                <a:solidFill>
+                  <a:schemeClr val="tx1"/>
+                </a:solidFill>
+              </a:rPr>
+              <a:t>12</a:t>
+            </a:r>
+            <a:endParaRPr kumimoji="1" lang="ja-JP" altLang="en-US" dirty="0">
+              <a:solidFill>
+                <a:schemeClr val="tx1"/>
+              </a:solidFill>
+            </a:endParaRPr>
+          </a:p>
+        </p:txBody>
+      </p:sp>
+      <p:sp>
+        <p:nvSpPr>
+          <p:cNvPr id="69" name="楕円 68">
+            <a:extLst>
+              <a:ext uri="{FF2B5EF4-FFF2-40B4-BE49-F238E27FC236}">
+                <a16:creationId xmlns:a16="http://schemas.microsoft.com/office/drawing/2014/main" id="{7691BD2E-6D40-177A-1175-D5BCC2C4AAA9}"/>
+              </a:ext>
+            </a:extLst>
+          </p:cNvPr>
+          <p:cNvSpPr/>
+          <p:nvPr/>
+        </p:nvSpPr>
+        <p:spPr>
+          <a:xfrm>
+            <a:off x="1029155" y="1701786"/>
+            <a:ext cx="669773" cy="646330"/>
+          </a:xfrm>
+          <a:prstGeom prst="ellipse">
+            <a:avLst/>
+          </a:prstGeom>
+          <a:noFill/>
+          <a:ln>
+            <a:solidFill>
+              <a:schemeClr val="tx1"/>
+            </a:solidFill>
+          </a:ln>
+        </p:spPr>
+        <p:style>
+          <a:lnRef idx="2">
+            <a:schemeClr val="accent1">
+              <a:shade val="50000"/>
+            </a:schemeClr>
+          </a:lnRef>
+          <a:fillRef idx="1">
+            <a:schemeClr val="accent1"/>
+          </a:fillRef>
+          <a:effectRef idx="0">
+            <a:schemeClr val="accent1"/>
+          </a:effectRef>
+          <a:fontRef idx="minor">
+            <a:schemeClr val="lt1"/>
+          </a:fontRef>
+        </p:style>
+        <p:txBody>
+          <a:bodyPr rtlCol="0" anchor="ctr"/>
+          <a:lstStyle/>
+          <a:p>
+            <a:pPr algn="ctr"/>
+            <a:r>
+              <a:rPr lang="en-US" altLang="ja-JP" dirty="0">
+                <a:solidFill>
+                  <a:schemeClr val="tx1"/>
+                </a:solidFill>
+              </a:rPr>
+              <a:t>9</a:t>
+            </a:r>
+            <a:endParaRPr kumimoji="1" lang="ja-JP" altLang="en-US" dirty="0">
+              <a:solidFill>
+                <a:schemeClr val="tx1"/>
+              </a:solidFill>
+            </a:endParaRPr>
+          </a:p>
+        </p:txBody>
+      </p:sp>
+      <p:sp>
+        <p:nvSpPr>
+          <p:cNvPr id="71" name="楕円 70">
+            <a:extLst>
+              <a:ext uri="{FF2B5EF4-FFF2-40B4-BE49-F238E27FC236}">
+                <a16:creationId xmlns:a16="http://schemas.microsoft.com/office/drawing/2014/main" id="{932F4425-5335-ACE0-940D-30562ACCD9C0}"/>
+              </a:ext>
+            </a:extLst>
+          </p:cNvPr>
+          <p:cNvSpPr/>
+          <p:nvPr/>
+        </p:nvSpPr>
+        <p:spPr>
+          <a:xfrm>
+            <a:off x="4698905" y="3085166"/>
+            <a:ext cx="669773" cy="646330"/>
+          </a:xfrm>
+          <a:prstGeom prst="ellipse">
+            <a:avLst/>
+          </a:prstGeom>
+          <a:noFill/>
+          <a:ln>
+            <a:solidFill>
+              <a:schemeClr val="tx1"/>
+            </a:solidFill>
+          </a:ln>
+        </p:spPr>
+        <p:style>
+          <a:lnRef idx="2">
+            <a:schemeClr val="accent1">
+              <a:shade val="50000"/>
+            </a:schemeClr>
+          </a:lnRef>
+          <a:fillRef idx="1">
+            <a:schemeClr val="accent1"/>
+          </a:fillRef>
+          <a:effectRef idx="0">
+            <a:schemeClr val="accent1"/>
+          </a:effectRef>
+          <a:fontRef idx="minor">
+            <a:schemeClr val="lt1"/>
+          </a:fontRef>
+        </p:style>
+        <p:txBody>
+          <a:bodyPr rtlCol="0" anchor="ctr"/>
+          <a:lstStyle/>
+          <a:p>
+            <a:pPr algn="ctr"/>
+            <a:r>
+              <a:rPr lang="en-US" altLang="ja-JP" dirty="0">
+                <a:solidFill>
+                  <a:schemeClr val="tx1"/>
+                </a:solidFill>
+              </a:rPr>
+              <a:t>12</a:t>
+            </a:r>
+            <a:endParaRPr kumimoji="1" lang="ja-JP" altLang="en-US" dirty="0">
+              <a:solidFill>
+                <a:schemeClr val="tx1"/>
+              </a:solidFill>
+            </a:endParaRPr>
+          </a:p>
+        </p:txBody>
+      </p:sp>
+      <p:sp>
+        <p:nvSpPr>
+          <p:cNvPr id="75" name="楕円 74">
+            <a:extLst>
+              <a:ext uri="{FF2B5EF4-FFF2-40B4-BE49-F238E27FC236}">
+                <a16:creationId xmlns:a16="http://schemas.microsoft.com/office/drawing/2014/main" id="{0F9DF357-3BFC-9E23-6E7E-82113AB591DD}"/>
+              </a:ext>
+            </a:extLst>
+          </p:cNvPr>
+          <p:cNvSpPr/>
+          <p:nvPr/>
+        </p:nvSpPr>
+        <p:spPr>
+          <a:xfrm>
+            <a:off x="3474086" y="3096125"/>
+            <a:ext cx="669773" cy="646330"/>
+          </a:xfrm>
+          <a:prstGeom prst="ellipse">
+            <a:avLst/>
+          </a:prstGeom>
+          <a:noFill/>
+          <a:ln>
+            <a:solidFill>
+              <a:schemeClr val="tx1"/>
+            </a:solidFill>
+          </a:ln>
+        </p:spPr>
+        <p:style>
+          <a:lnRef idx="2">
+            <a:schemeClr val="accent1">
+              <a:shade val="50000"/>
+            </a:schemeClr>
+          </a:lnRef>
+          <a:fillRef idx="1">
+            <a:schemeClr val="accent1"/>
+          </a:fillRef>
+          <a:effectRef idx="0">
+            <a:schemeClr val="accent1"/>
+          </a:effectRef>
+          <a:fontRef idx="minor">
+            <a:schemeClr val="lt1"/>
+          </a:fontRef>
+        </p:style>
+        <p:txBody>
+          <a:bodyPr rtlCol="0" anchor="ctr"/>
+          <a:lstStyle/>
+          <a:p>
+            <a:pPr algn="ctr"/>
+            <a:r>
+              <a:rPr lang="en-US" altLang="ja-JP" dirty="0">
+                <a:solidFill>
+                  <a:schemeClr val="tx1"/>
+                </a:solidFill>
+              </a:rPr>
+              <a:t>9</a:t>
+            </a:r>
+            <a:endParaRPr kumimoji="1" lang="ja-JP" altLang="en-US" dirty="0">
+              <a:solidFill>
+                <a:schemeClr val="tx1"/>
+              </a:solidFill>
+            </a:endParaRPr>
+          </a:p>
+        </p:txBody>
+      </p:sp>
+      <p:sp>
+        <p:nvSpPr>
+          <p:cNvPr id="78" name="楕円 77">
+            <a:extLst>
+              <a:ext uri="{FF2B5EF4-FFF2-40B4-BE49-F238E27FC236}">
+                <a16:creationId xmlns:a16="http://schemas.microsoft.com/office/drawing/2014/main" id="{3EF3B43C-EBCF-1158-4EA7-BF0ACCCA5B60}"/>
+              </a:ext>
+            </a:extLst>
+          </p:cNvPr>
+          <p:cNvSpPr/>
+          <p:nvPr/>
+        </p:nvSpPr>
+        <p:spPr>
+          <a:xfrm>
+            <a:off x="2253161" y="3096125"/>
+            <a:ext cx="669773" cy="646330"/>
+          </a:xfrm>
+          <a:prstGeom prst="ellipse">
+            <a:avLst/>
+          </a:prstGeom>
+          <a:noFill/>
+          <a:ln>
+            <a:solidFill>
+              <a:schemeClr val="tx1"/>
+            </a:solidFill>
+          </a:ln>
+        </p:spPr>
+        <p:style>
+          <a:lnRef idx="2">
+            <a:schemeClr val="accent1">
+              <a:shade val="50000"/>
+            </a:schemeClr>
+          </a:lnRef>
+          <a:fillRef idx="1">
+            <a:schemeClr val="accent1"/>
+          </a:fillRef>
+          <a:effectRef idx="0">
+            <a:schemeClr val="accent1"/>
+          </a:effectRef>
+          <a:fontRef idx="minor">
+            <a:schemeClr val="lt1"/>
+          </a:fontRef>
+        </p:style>
+        <p:txBody>
+          <a:bodyPr rtlCol="0" anchor="ctr"/>
+          <a:lstStyle/>
+          <a:p>
+            <a:pPr algn="ctr"/>
+            <a:r>
+              <a:rPr lang="en-US" altLang="ja-JP" dirty="0">
+                <a:solidFill>
+                  <a:schemeClr val="tx1"/>
+                </a:solidFill>
+              </a:rPr>
+              <a:t>12</a:t>
+            </a:r>
+            <a:endParaRPr kumimoji="1" lang="ja-JP" altLang="en-US" dirty="0">
+              <a:solidFill>
+                <a:schemeClr val="tx1"/>
+              </a:solidFill>
+            </a:endParaRPr>
+          </a:p>
+        </p:txBody>
+      </p:sp>
+    </p:spTree>
+    <p:extLst>
+      <p:ext uri="{BB962C8B-B14F-4D97-AF65-F5344CB8AC3E}">
+        <p14:creationId xmlns:p14="http://schemas.microsoft.com/office/powerpoint/2010/main" val="1488004092"/>
+      </p:ext>
+    </p:extLst>
+  </p:cSld>
+  <p:clrMapOvr>
+    <a:masterClrMapping/>
+  </p:clrMapOvr>
+</p:sld>
+</file>
+
+<file path=ppt/slides/slide4.xml><?xml version="1.0" encoding="utf-8"?>
+<p:sld xmlns:a="http://schemas.openxmlformats.org/drawingml/2006/main" xmlns:r="http://schemas.openxmlformats.org/officeDocument/2006/relationships" xmlns:p="http://schemas.openxmlformats.org/presentationml/2006/main">
+  <p:cSld>
+    <p:spTree>
+      <p:nvGrpSpPr>
+        <p:cNvPr id="1" name=""/>
+        <p:cNvGrpSpPr/>
+        <p:nvPr/>
+      </p:nvGrpSpPr>
+      <p:grpSpPr>
+        <a:xfrm>
+          <a:off x="0" y="0"/>
+          <a:ext cx="0" cy="0"/>
+          <a:chOff x="0" y="0"/>
+          <a:chExt cx="0" cy="0"/>
+        </a:xfrm>
+      </p:grpSpPr>
       <p:cxnSp>
         <p:nvCxnSpPr>
           <p:cNvPr id="24" name="直線コネクタ 23">
@@ -12855,7 +18212,7 @@
 </p:sld>
 </file>
 
-<file path=ppt/slides/slide4.xml><?xml version="1.0" encoding="utf-8"?>
+<file path=ppt/slides/slide5.xml><?xml version="1.0" encoding="utf-8"?>
 <p:sld xmlns:a="http://schemas.openxmlformats.org/drawingml/2006/main" xmlns:r="http://schemas.openxmlformats.org/officeDocument/2006/relationships" xmlns:p="http://schemas.openxmlformats.org/presentationml/2006/main">
   <p:cSld>
     <p:spTree>

--- a/otmm_decimal/result_colab/result_existing_1000_1.0_15_40_ColabPP/result_existing_1000_1.0_15_40_parsing.pptx
+++ b/otmm_decimal/result_colab/result_existing_1000_1.0_15_40_ColabPP/result_existing_1000_1.0_15_40_parsing.pptx
@@ -263,7 +263,7 @@
           <a:p>
             <a:fld id="{A1CCF42C-534B-4F17-84EB-3026585EF5A2}" type="datetimeFigureOut">
               <a:rPr kumimoji="1" lang="ja-JP" altLang="en-US" smtClean="0"/>
-              <a:t>2023/1/3</a:t>
+              <a:t>2023/1/22</a:t>
             </a:fld>
             <a:endParaRPr kumimoji="1" lang="ja-JP" altLang="en-US"/>
           </a:p>
@@ -493,7 +493,7 @@
           <a:p>
             <a:fld id="{A1CCF42C-534B-4F17-84EB-3026585EF5A2}" type="datetimeFigureOut">
               <a:rPr kumimoji="1" lang="ja-JP" altLang="en-US" smtClean="0"/>
-              <a:t>2023/1/3</a:t>
+              <a:t>2023/1/22</a:t>
             </a:fld>
             <a:endParaRPr kumimoji="1" lang="ja-JP" altLang="en-US"/>
           </a:p>
@@ -733,7 +733,7 @@
           <a:p>
             <a:fld id="{A1CCF42C-534B-4F17-84EB-3026585EF5A2}" type="datetimeFigureOut">
               <a:rPr kumimoji="1" lang="ja-JP" altLang="en-US" smtClean="0"/>
-              <a:t>2023/1/3</a:t>
+              <a:t>2023/1/22</a:t>
             </a:fld>
             <a:endParaRPr kumimoji="1" lang="ja-JP" altLang="en-US"/>
           </a:p>
@@ -963,7 +963,7 @@
           <a:p>
             <a:fld id="{A1CCF42C-534B-4F17-84EB-3026585EF5A2}" type="datetimeFigureOut">
               <a:rPr kumimoji="1" lang="ja-JP" altLang="en-US" smtClean="0"/>
-              <a:t>2023/1/3</a:t>
+              <a:t>2023/1/22</a:t>
             </a:fld>
             <a:endParaRPr kumimoji="1" lang="ja-JP" altLang="en-US"/>
           </a:p>
@@ -1238,7 +1238,7 @@
           <a:p>
             <a:fld id="{A1CCF42C-534B-4F17-84EB-3026585EF5A2}" type="datetimeFigureOut">
               <a:rPr kumimoji="1" lang="ja-JP" altLang="en-US" smtClean="0"/>
-              <a:t>2023/1/3</a:t>
+              <a:t>2023/1/22</a:t>
             </a:fld>
             <a:endParaRPr kumimoji="1" lang="ja-JP" altLang="en-US"/>
           </a:p>
@@ -1567,7 +1567,7 @@
           <a:p>
             <a:fld id="{A1CCF42C-534B-4F17-84EB-3026585EF5A2}" type="datetimeFigureOut">
               <a:rPr kumimoji="1" lang="ja-JP" altLang="en-US" smtClean="0"/>
-              <a:t>2023/1/3</a:t>
+              <a:t>2023/1/22</a:t>
             </a:fld>
             <a:endParaRPr kumimoji="1" lang="ja-JP" altLang="en-US"/>
           </a:p>
@@ -2043,7 +2043,7 @@
           <a:p>
             <a:fld id="{A1CCF42C-534B-4F17-84EB-3026585EF5A2}" type="datetimeFigureOut">
               <a:rPr kumimoji="1" lang="ja-JP" altLang="en-US" smtClean="0"/>
-              <a:t>2023/1/3</a:t>
+              <a:t>2023/1/22</a:t>
             </a:fld>
             <a:endParaRPr kumimoji="1" lang="ja-JP" altLang="en-US"/>
           </a:p>
@@ -2184,7 +2184,7 @@
           <a:p>
             <a:fld id="{A1CCF42C-534B-4F17-84EB-3026585EF5A2}" type="datetimeFigureOut">
               <a:rPr kumimoji="1" lang="ja-JP" altLang="en-US" smtClean="0"/>
-              <a:t>2023/1/3</a:t>
+              <a:t>2023/1/22</a:t>
             </a:fld>
             <a:endParaRPr kumimoji="1" lang="ja-JP" altLang="en-US"/>
           </a:p>
@@ -2297,7 +2297,7 @@
           <a:p>
             <a:fld id="{A1CCF42C-534B-4F17-84EB-3026585EF5A2}" type="datetimeFigureOut">
               <a:rPr kumimoji="1" lang="ja-JP" altLang="en-US" smtClean="0"/>
-              <a:t>2023/1/3</a:t>
+              <a:t>2023/1/22</a:t>
             </a:fld>
             <a:endParaRPr kumimoji="1" lang="ja-JP" altLang="en-US"/>
           </a:p>
@@ -2640,7 +2640,7 @@
           <a:p>
             <a:fld id="{A1CCF42C-534B-4F17-84EB-3026585EF5A2}" type="datetimeFigureOut">
               <a:rPr kumimoji="1" lang="ja-JP" altLang="en-US" smtClean="0"/>
-              <a:t>2023/1/3</a:t>
+              <a:t>2023/1/22</a:t>
             </a:fld>
             <a:endParaRPr kumimoji="1" lang="ja-JP" altLang="en-US"/>
           </a:p>
@@ -2928,7 +2928,7 @@
           <a:p>
             <a:fld id="{A1CCF42C-534B-4F17-84EB-3026585EF5A2}" type="datetimeFigureOut">
               <a:rPr kumimoji="1" lang="ja-JP" altLang="en-US" smtClean="0"/>
-              <a:t>2023/1/3</a:t>
+              <a:t>2023/1/22</a:t>
             </a:fld>
             <a:endParaRPr kumimoji="1" lang="ja-JP" altLang="en-US"/>
           </a:p>
@@ -3201,7 +3201,7 @@
           <a:p>
             <a:fld id="{A1CCF42C-534B-4F17-84EB-3026585EF5A2}" type="datetimeFigureOut">
               <a:rPr kumimoji="1" lang="ja-JP" altLang="en-US" smtClean="0"/>
-              <a:t>2023/1/3</a:t>
+              <a:t>2023/1/22</a:t>
             </a:fld>
             <a:endParaRPr kumimoji="1" lang="ja-JP" altLang="en-US"/>
           </a:p>
@@ -14599,6 +14599,165 @@
           </a:p>
         </p:txBody>
       </p:sp>
+      <p:sp>
+        <p:nvSpPr>
+          <p:cNvPr id="2" name="テキスト ボックス 1">
+            <a:extLst>
+              <a:ext uri="{FF2B5EF4-FFF2-40B4-BE49-F238E27FC236}">
+                <a16:creationId xmlns:a16="http://schemas.microsoft.com/office/drawing/2014/main" id="{A45CC8A0-22B1-325F-1D72-4A58B672A4DB}"/>
+              </a:ext>
+            </a:extLst>
+          </p:cNvPr>
+          <p:cNvSpPr txBox="1"/>
+          <p:nvPr/>
+        </p:nvSpPr>
+        <p:spPr>
+          <a:xfrm>
+            <a:off x="10410384" y="5314177"/>
+            <a:ext cx="1102310" cy="369332"/>
+          </a:xfrm>
+          <a:prstGeom prst="rect">
+            <a:avLst/>
+          </a:prstGeom>
+          <a:noFill/>
+        </p:spPr>
+        <p:txBody>
+          <a:bodyPr wrap="square" rtlCol="0">
+            <a:spAutoFit/>
+          </a:bodyPr>
+          <a:lstStyle/>
+          <a:p>
+            <a:r>
+              <a:rPr lang="ja-JP" altLang="en-US" dirty="0"/>
+              <a:t>親子関係</a:t>
+            </a:r>
+            <a:endParaRPr kumimoji="1" lang="ja-JP" altLang="en-US" dirty="0"/>
+          </a:p>
+        </p:txBody>
+      </p:sp>
+      <p:cxnSp>
+        <p:nvCxnSpPr>
+          <p:cNvPr id="3" name="直線矢印コネクタ 2">
+            <a:extLst>
+              <a:ext uri="{FF2B5EF4-FFF2-40B4-BE49-F238E27FC236}">
+                <a16:creationId xmlns:a16="http://schemas.microsoft.com/office/drawing/2014/main" id="{30D51198-580C-F664-0979-CBCC6E081115}"/>
+              </a:ext>
+            </a:extLst>
+          </p:cNvPr>
+          <p:cNvCxnSpPr>
+            <a:cxnSpLocks/>
+          </p:cNvCxnSpPr>
+          <p:nvPr/>
+        </p:nvCxnSpPr>
+        <p:spPr>
+          <a:xfrm flipV="1">
+            <a:off x="9663412" y="5501231"/>
+            <a:ext cx="746972" cy="6350"/>
+          </a:xfrm>
+          <a:prstGeom prst="straightConnector1">
+            <a:avLst/>
+          </a:prstGeom>
+          <a:ln w="12700">
+            <a:tailEnd type="triangle"/>
+          </a:ln>
+        </p:spPr>
+        <p:style>
+          <a:lnRef idx="1">
+            <a:schemeClr val="accent1"/>
+          </a:lnRef>
+          <a:fillRef idx="0">
+            <a:schemeClr val="accent1"/>
+          </a:fillRef>
+          <a:effectRef idx="0">
+            <a:schemeClr val="accent1"/>
+          </a:effectRef>
+          <a:fontRef idx="minor">
+            <a:schemeClr val="tx1"/>
+          </a:fontRef>
+        </p:style>
+      </p:cxnSp>
+      <p:sp>
+        <p:nvSpPr>
+          <p:cNvPr id="4" name="テキスト ボックス 3">
+            <a:extLst>
+              <a:ext uri="{FF2B5EF4-FFF2-40B4-BE49-F238E27FC236}">
+                <a16:creationId xmlns:a16="http://schemas.microsoft.com/office/drawing/2014/main" id="{750B3702-EB6A-D1B2-3F6B-1FF83540041C}"/>
+              </a:ext>
+            </a:extLst>
+          </p:cNvPr>
+          <p:cNvSpPr txBox="1"/>
+          <p:nvPr/>
+        </p:nvSpPr>
+        <p:spPr>
+          <a:xfrm>
+            <a:off x="10410384" y="5694635"/>
+            <a:ext cx="1102310" cy="369332"/>
+          </a:xfrm>
+          <a:prstGeom prst="rect">
+            <a:avLst/>
+          </a:prstGeom>
+          <a:noFill/>
+        </p:spPr>
+        <p:txBody>
+          <a:bodyPr wrap="square" rtlCol="0">
+            <a:spAutoFit/>
+          </a:bodyPr>
+          <a:lstStyle/>
+          <a:p>
+            <a:r>
+              <a:rPr lang="ja-JP" altLang="en-US" dirty="0"/>
+              <a:t>兄弟関係</a:t>
+            </a:r>
+            <a:endParaRPr kumimoji="1" lang="ja-JP" altLang="en-US" dirty="0"/>
+          </a:p>
+        </p:txBody>
+      </p:sp>
+      <p:cxnSp>
+        <p:nvCxnSpPr>
+          <p:cNvPr id="5" name="直線矢印コネクタ 4">
+            <a:extLst>
+              <a:ext uri="{FF2B5EF4-FFF2-40B4-BE49-F238E27FC236}">
+                <a16:creationId xmlns:a16="http://schemas.microsoft.com/office/drawing/2014/main" id="{D95C612E-CA68-754B-3B60-6D8441BD7275}"/>
+              </a:ext>
+            </a:extLst>
+          </p:cNvPr>
+          <p:cNvCxnSpPr>
+            <a:cxnSpLocks/>
+            <a:endCxn id="4" idx="1"/>
+          </p:cNvCxnSpPr>
+          <p:nvPr/>
+        </p:nvCxnSpPr>
+        <p:spPr>
+          <a:xfrm>
+            <a:off x="9663412" y="5879301"/>
+            <a:ext cx="746972" cy="0"/>
+          </a:xfrm>
+          <a:prstGeom prst="straightConnector1">
+            <a:avLst/>
+          </a:prstGeom>
+          <a:ln w="12700">
+            <a:solidFill>
+              <a:schemeClr val="accent2"/>
+            </a:solidFill>
+            <a:prstDash val="sysDash"/>
+            <a:tailEnd type="triangle"/>
+          </a:ln>
+        </p:spPr>
+        <p:style>
+          <a:lnRef idx="1">
+            <a:schemeClr val="accent1"/>
+          </a:lnRef>
+          <a:fillRef idx="0">
+            <a:schemeClr val="accent1"/>
+          </a:fillRef>
+          <a:effectRef idx="0">
+            <a:schemeClr val="accent1"/>
+          </a:effectRef>
+          <a:fontRef idx="minor">
+            <a:schemeClr val="tx1"/>
+          </a:fontRef>
+        </p:style>
+      </p:cxnSp>
     </p:spTree>
     <p:extLst>
       <p:ext uri="{BB962C8B-B14F-4D97-AF65-F5344CB8AC3E}">
